--- a/project report/PRES_PIQUE.pptx
+++ b/project report/PRES_PIQUE.pptx
@@ -1,11 +1,11 @@
 
 <file path=ppt/presentation.xml><?xml version="1.0" encoding="utf-8"?>
-<p:presentation xmlns:a="http://schemas.openxmlformats.org/drawingml/2006/main" xmlns:r="http://schemas.openxmlformats.org/officeDocument/2006/relationships" xmlns:p="http://schemas.openxmlformats.org/presentationml/2006/main" strictFirstAndLastChars="0" saveSubsetFonts="1" autoCompressPictures="0">
+<p:presentation xmlns:a="http://schemas.openxmlformats.org/drawingml/2006/main" xmlns:r="http://schemas.openxmlformats.org/officeDocument/2006/relationships" xmlns:p="http://schemas.openxmlformats.org/presentationml/2006/main" showSpecialPlsOnTitleSld="0" strictFirstAndLastChars="0" saveSubsetFonts="1" autoCompressPictures="0">
   <p:sldMasterIdLst>
     <p:sldMasterId id="2147483652" r:id="rId1"/>
   </p:sldMasterIdLst>
   <p:notesMasterIdLst>
-    <p:notesMasterId r:id="rId24"/>
+    <p:notesMasterId r:id="rId26"/>
   </p:notesMasterIdLst>
   <p:sldIdLst>
     <p:sldId id="256" r:id="rId2"/>
@@ -18,18 +18,20 @@
     <p:sldId id="263" r:id="rId9"/>
     <p:sldId id="264" r:id="rId10"/>
     <p:sldId id="265" r:id="rId11"/>
-    <p:sldId id="266" r:id="rId12"/>
-    <p:sldId id="267" r:id="rId13"/>
-    <p:sldId id="268" r:id="rId14"/>
-    <p:sldId id="269" r:id="rId15"/>
-    <p:sldId id="270" r:id="rId16"/>
-    <p:sldId id="271" r:id="rId17"/>
-    <p:sldId id="272" r:id="rId18"/>
-    <p:sldId id="273" r:id="rId19"/>
-    <p:sldId id="274" r:id="rId20"/>
-    <p:sldId id="275" r:id="rId21"/>
-    <p:sldId id="276" r:id="rId22"/>
-    <p:sldId id="277" r:id="rId23"/>
+    <p:sldId id="279" r:id="rId12"/>
+    <p:sldId id="266" r:id="rId13"/>
+    <p:sldId id="267" r:id="rId14"/>
+    <p:sldId id="268" r:id="rId15"/>
+    <p:sldId id="269" r:id="rId16"/>
+    <p:sldId id="270" r:id="rId17"/>
+    <p:sldId id="271" r:id="rId18"/>
+    <p:sldId id="272" r:id="rId19"/>
+    <p:sldId id="273" r:id="rId20"/>
+    <p:sldId id="274" r:id="rId21"/>
+    <p:sldId id="275" r:id="rId22"/>
+    <p:sldId id="276" r:id="rId23"/>
+    <p:sldId id="277" r:id="rId24"/>
+    <p:sldId id="278" r:id="rId25"/>
   </p:sldIdLst>
   <p:sldSz cx="9144000" cy="6858000" type="screen4x3"/>
   <p:notesSz cx="6858000" cy="9144000"/>
@@ -1583,7 +1585,7 @@
   <p:cSld>
     <p:spTree>
       <p:nvGrpSpPr>
-        <p:cNvPr id="1" name="Shape 118"/>
+        <p:cNvPr id="1" name="Shape 116"/>
         <p:cNvGrpSpPr/>
         <p:nvPr/>
       </p:nvGrpSpPr>
@@ -1597,7 +1599,7 @@
       </p:grpSpPr>
       <p:sp>
         <p:nvSpPr>
-          <p:cNvPr id="119" name="Google Shape;119;g278bac7824f_1_142:notes"/>
+          <p:cNvPr id="117" name="Google Shape;117;g2781ac529a5_1_73:notes"/>
           <p:cNvSpPr txBox="1">
             <a:spLocks noGrp="1"/>
           </p:cNvSpPr>
@@ -1635,7 +1637,7 @@
       </p:sp>
       <p:sp>
         <p:nvSpPr>
-          <p:cNvPr id="120" name="Google Shape;120;g278bac7824f_1_142:notes"/>
+          <p:cNvPr id="118" name="Google Shape;118;g2781ac529a5_1_73:notes"/>
           <p:cNvSpPr>
             <a:spLocks noGrp="1" noRot="1" noChangeAspect="1"/>
           </p:cNvSpPr>
@@ -1687,7 +1689,7 @@
   <p:cSld>
     <p:spTree>
       <p:nvGrpSpPr>
-        <p:cNvPr id="1" name="Shape 125"/>
+        <p:cNvPr id="1" name="Shape 116"/>
         <p:cNvGrpSpPr/>
         <p:nvPr/>
       </p:nvGrpSpPr>
@@ -1701,7 +1703,7 @@
       </p:grpSpPr>
       <p:sp>
         <p:nvSpPr>
-          <p:cNvPr id="126" name="Google Shape;126;g278bac7824f_1_39:notes"/>
+          <p:cNvPr id="117" name="Google Shape;117;g2781ac529a5_1_73:notes"/>
           <p:cNvSpPr txBox="1">
             <a:spLocks noGrp="1"/>
           </p:cNvSpPr>
@@ -1739,7 +1741,7 @@
       </p:sp>
       <p:sp>
         <p:nvSpPr>
-          <p:cNvPr id="127" name="Google Shape;127;g278bac7824f_1_39:notes"/>
+          <p:cNvPr id="118" name="Google Shape;118;g2781ac529a5_1_73:notes"/>
           <p:cNvSpPr>
             <a:spLocks noGrp="1" noRot="1" noChangeAspect="1"/>
           </p:cNvSpPr>
@@ -1779,6 +1781,11 @@
         </p:spPr>
       </p:sp>
     </p:spTree>
+    <p:extLst>
+      <p:ext uri="{BB962C8B-B14F-4D97-AF65-F5344CB8AC3E}">
+        <p14:creationId xmlns:p14="http://schemas.microsoft.com/office/powerpoint/2010/main" val="3590789265"/>
+      </p:ext>
+    </p:extLst>
   </p:cSld>
   <p:clrMapOvr>
     <a:masterClrMapping/>
@@ -1791,7 +1798,7 @@
   <p:cSld>
     <p:spTree>
       <p:nvGrpSpPr>
-        <p:cNvPr id="1" name="Shape 136"/>
+        <p:cNvPr id="1" name="Shape 123"/>
         <p:cNvGrpSpPr/>
         <p:nvPr/>
       </p:nvGrpSpPr>
@@ -1805,7 +1812,7 @@
       </p:grpSpPr>
       <p:sp>
         <p:nvSpPr>
-          <p:cNvPr id="137" name="Google Shape;137;g278bac7824f_1_52:notes"/>
+          <p:cNvPr id="124" name="Google Shape;124;g278bac7824f_1_0:notes"/>
           <p:cNvSpPr txBox="1">
             <a:spLocks noGrp="1"/>
           </p:cNvSpPr>
@@ -1843,7 +1850,7 @@
       </p:sp>
       <p:sp>
         <p:nvSpPr>
-          <p:cNvPr id="138" name="Google Shape;138;g278bac7824f_1_52:notes"/>
+          <p:cNvPr id="125" name="Google Shape;125;g278bac7824f_1_0:notes"/>
           <p:cNvSpPr>
             <a:spLocks noGrp="1" noRot="1" noChangeAspect="1"/>
           </p:cNvSpPr>
@@ -1895,7 +1902,7 @@
   <p:cSld>
     <p:spTree>
       <p:nvGrpSpPr>
-        <p:cNvPr id="1" name="Shape 145"/>
+        <p:cNvPr id="1" name="Shape 130"/>
         <p:cNvGrpSpPr/>
         <p:nvPr/>
       </p:nvGrpSpPr>
@@ -1909,7 +1916,7 @@
       </p:grpSpPr>
       <p:sp>
         <p:nvSpPr>
-          <p:cNvPr id="146" name="Google Shape;146;g278bac7824f_1_70:notes"/>
+          <p:cNvPr id="131" name="Google Shape;131;g27b0a741d23_0_16:notes"/>
           <p:cNvSpPr txBox="1">
             <a:spLocks noGrp="1"/>
           </p:cNvSpPr>
@@ -1947,7 +1954,7 @@
       </p:sp>
       <p:sp>
         <p:nvSpPr>
-          <p:cNvPr id="147" name="Google Shape;147;g278bac7824f_1_70:notes"/>
+          <p:cNvPr id="132" name="Google Shape;132;g27b0a741d23_0_16:notes"/>
           <p:cNvSpPr>
             <a:spLocks noGrp="1" noRot="1" noChangeAspect="1"/>
           </p:cNvSpPr>
@@ -1999,7 +2006,7 @@
   <p:cSld>
     <p:spTree>
       <p:nvGrpSpPr>
-        <p:cNvPr id="1" name="Shape 152"/>
+        <p:cNvPr id="1" name="Shape 141"/>
         <p:cNvGrpSpPr/>
         <p:nvPr/>
       </p:nvGrpSpPr>
@@ -2013,7 +2020,7 @@
       </p:grpSpPr>
       <p:sp>
         <p:nvSpPr>
-          <p:cNvPr id="153" name="Google Shape;153;g278bac7824f_1_76:notes"/>
+          <p:cNvPr id="142" name="Google Shape;142;g27ba12dbadc_1_22:notes"/>
           <p:cNvSpPr txBox="1">
             <a:spLocks noGrp="1"/>
           </p:cNvSpPr>
@@ -2051,7 +2058,7 @@
       </p:sp>
       <p:sp>
         <p:nvSpPr>
-          <p:cNvPr id="154" name="Google Shape;154;g278bac7824f_1_76:notes"/>
+          <p:cNvPr id="143" name="Google Shape;143;g27ba12dbadc_1_22:notes"/>
           <p:cNvSpPr>
             <a:spLocks noGrp="1" noRot="1" noChangeAspect="1"/>
           </p:cNvSpPr>
@@ -2103,7 +2110,7 @@
   <p:cSld>
     <p:spTree>
       <p:nvGrpSpPr>
-        <p:cNvPr id="1" name="Shape 162"/>
+        <p:cNvPr id="1" name="Shape 148"/>
         <p:cNvGrpSpPr/>
         <p:nvPr/>
       </p:nvGrpSpPr>
@@ -2117,7 +2124,7 @@
       </p:grpSpPr>
       <p:sp>
         <p:nvSpPr>
-          <p:cNvPr id="163" name="Google Shape;163;g278bac7824f_1_61:notes"/>
+          <p:cNvPr id="149" name="Google Shape;149;g278bac7824f_1_70:notes"/>
           <p:cNvSpPr txBox="1">
             <a:spLocks noGrp="1"/>
           </p:cNvSpPr>
@@ -2155,7 +2162,7 @@
       </p:sp>
       <p:sp>
         <p:nvSpPr>
-          <p:cNvPr id="164" name="Google Shape;164;g278bac7824f_1_61:notes"/>
+          <p:cNvPr id="150" name="Google Shape;150;g278bac7824f_1_70:notes"/>
           <p:cNvSpPr>
             <a:spLocks noGrp="1" noRot="1" noChangeAspect="1"/>
           </p:cNvSpPr>
@@ -2207,7 +2214,7 @@
   <p:cSld>
     <p:spTree>
       <p:nvGrpSpPr>
-        <p:cNvPr id="1" name="Shape 171"/>
+        <p:cNvPr id="1" name="Shape 155"/>
         <p:cNvGrpSpPr/>
         <p:nvPr/>
       </p:nvGrpSpPr>
@@ -2221,7 +2228,7 @@
       </p:grpSpPr>
       <p:sp>
         <p:nvSpPr>
-          <p:cNvPr id="172" name="Google Shape;172;g278bac7824f_1_181:notes"/>
+          <p:cNvPr id="156" name="Google Shape;156;g27b0a741d23_0_0:notes"/>
           <p:cNvSpPr txBox="1">
             <a:spLocks noGrp="1"/>
           </p:cNvSpPr>
@@ -2259,7 +2266,7 @@
       </p:sp>
       <p:sp>
         <p:nvSpPr>
-          <p:cNvPr id="173" name="Google Shape;173;g278bac7824f_1_181:notes"/>
+          <p:cNvPr id="157" name="Google Shape;157;g27b0a741d23_0_0:notes"/>
           <p:cNvSpPr>
             <a:spLocks noGrp="1" noRot="1" noChangeAspect="1"/>
           </p:cNvSpPr>
@@ -2311,7 +2318,7 @@
   <p:cSld>
     <p:spTree>
       <p:nvGrpSpPr>
-        <p:cNvPr id="1" name="Shape 178"/>
+        <p:cNvPr id="1" name="Shape 162"/>
         <p:cNvGrpSpPr/>
         <p:nvPr/>
       </p:nvGrpSpPr>
@@ -2325,7 +2332,7 @@
       </p:grpSpPr>
       <p:sp>
         <p:nvSpPr>
-          <p:cNvPr id="179" name="Google Shape;179;g278bac7824f_1_93:notes"/>
+          <p:cNvPr id="163" name="Google Shape;163;g27b82b3508c_0_210:notes"/>
           <p:cNvSpPr txBox="1">
             <a:spLocks noGrp="1"/>
           </p:cNvSpPr>
@@ -2363,7 +2370,7 @@
       </p:sp>
       <p:sp>
         <p:nvSpPr>
-          <p:cNvPr id="180" name="Google Shape;180;g278bac7824f_1_93:notes"/>
+          <p:cNvPr id="164" name="Google Shape;164;g27b82b3508c_0_210:notes"/>
           <p:cNvSpPr>
             <a:spLocks noGrp="1" noRot="1" noChangeAspect="1"/>
           </p:cNvSpPr>
@@ -2415,7 +2422,7 @@
   <p:cSld>
     <p:spTree>
       <p:nvGrpSpPr>
-        <p:cNvPr id="1" name="Shape 188"/>
+        <p:cNvPr id="1" name="Shape 168"/>
         <p:cNvGrpSpPr/>
         <p:nvPr/>
       </p:nvGrpSpPr>
@@ -2429,7 +2436,7 @@
       </p:grpSpPr>
       <p:sp>
         <p:nvSpPr>
-          <p:cNvPr id="189" name="Google Shape;189;g278bac7824f_1_102:notes"/>
+          <p:cNvPr id="169" name="Google Shape;169;g27b82b3508c_0_215:notes"/>
           <p:cNvSpPr txBox="1">
             <a:spLocks noGrp="1"/>
           </p:cNvSpPr>
@@ -2467,7 +2474,7 @@
       </p:sp>
       <p:sp>
         <p:nvSpPr>
-          <p:cNvPr id="190" name="Google Shape;190;g278bac7824f_1_102:notes"/>
+          <p:cNvPr id="170" name="Google Shape;170;g27b82b3508c_0_215:notes"/>
           <p:cNvSpPr>
             <a:spLocks noGrp="1" noRot="1" noChangeAspect="1"/>
           </p:cNvSpPr>
@@ -2519,7 +2526,7 @@
   <p:cSld>
     <p:spTree>
       <p:nvGrpSpPr>
-        <p:cNvPr id="1" name="Shape 195"/>
+        <p:cNvPr id="1" name="Shape 174"/>
         <p:cNvGrpSpPr/>
         <p:nvPr/>
       </p:nvGrpSpPr>
@@ -2533,7 +2540,7 @@
       </p:grpSpPr>
       <p:sp>
         <p:nvSpPr>
-          <p:cNvPr id="196" name="Google Shape;196;g278bac7824f_1_152:notes"/>
+          <p:cNvPr id="175" name="Google Shape;175;g27b82b3508c_0_221:notes"/>
           <p:cNvSpPr txBox="1">
             <a:spLocks noGrp="1"/>
           </p:cNvSpPr>
@@ -2571,7 +2578,7 @@
       </p:sp>
       <p:sp>
         <p:nvSpPr>
-          <p:cNvPr id="197" name="Google Shape;197;g278bac7824f_1_152:notes"/>
+          <p:cNvPr id="176" name="Google Shape;176;g27b82b3508c_0_221:notes"/>
           <p:cNvSpPr>
             <a:spLocks noGrp="1" noRot="1" noChangeAspect="1"/>
           </p:cNvSpPr>
@@ -2727,7 +2734,7 @@
   <p:cSld>
     <p:spTree>
       <p:nvGrpSpPr>
-        <p:cNvPr id="1" name="Shape 202"/>
+        <p:cNvPr id="1" name="Shape 181"/>
         <p:cNvGrpSpPr/>
         <p:nvPr/>
       </p:nvGrpSpPr>
@@ -2741,7 +2748,7 @@
       </p:grpSpPr>
       <p:sp>
         <p:nvSpPr>
-          <p:cNvPr id="203" name="Google Shape;203;g278bac7824f_1_117:notes"/>
+          <p:cNvPr id="182" name="Google Shape;182;g27b82b3508c_0_232:notes"/>
           <p:cNvSpPr txBox="1">
             <a:spLocks noGrp="1"/>
           </p:cNvSpPr>
@@ -2779,7 +2786,7 @@
       </p:sp>
       <p:sp>
         <p:nvSpPr>
-          <p:cNvPr id="204" name="Google Shape;204;g278bac7824f_1_117:notes"/>
+          <p:cNvPr id="183" name="Google Shape;183;g27b82b3508c_0_232:notes"/>
           <p:cNvSpPr>
             <a:spLocks noGrp="1" noRot="1" noChangeAspect="1"/>
           </p:cNvSpPr>
@@ -2831,7 +2838,7 @@
   <p:cSld>
     <p:spTree>
       <p:nvGrpSpPr>
-        <p:cNvPr id="1" name="Shape 209"/>
+        <p:cNvPr id="1" name="Shape 188"/>
         <p:cNvGrpSpPr/>
         <p:nvPr/>
       </p:nvGrpSpPr>
@@ -2845,7 +2852,7 @@
       </p:grpSpPr>
       <p:sp>
         <p:nvSpPr>
-          <p:cNvPr id="210" name="Google Shape;210;g278bac7824f_1_159:notes"/>
+          <p:cNvPr id="189" name="Google Shape;189;g278bac7824f_1_152:notes"/>
           <p:cNvSpPr txBox="1">
             <a:spLocks noGrp="1"/>
           </p:cNvSpPr>
@@ -2883,7 +2890,7 @@
       </p:sp>
       <p:sp>
         <p:nvSpPr>
-          <p:cNvPr id="211" name="Google Shape;211;g278bac7824f_1_159:notes"/>
+          <p:cNvPr id="190" name="Google Shape;190;g278bac7824f_1_152:notes"/>
           <p:cNvSpPr>
             <a:spLocks noGrp="1" noRot="1" noChangeAspect="1"/>
           </p:cNvSpPr>
@@ -2935,7 +2942,7 @@
   <p:cSld>
     <p:spTree>
       <p:nvGrpSpPr>
-        <p:cNvPr id="1" name="Shape 216"/>
+        <p:cNvPr id="1" name="Shape 195"/>
         <p:cNvGrpSpPr/>
         <p:nvPr/>
       </p:nvGrpSpPr>
@@ -2949,7 +2956,7 @@
       </p:grpSpPr>
       <p:sp>
         <p:nvSpPr>
-          <p:cNvPr id="217" name="Google Shape;217;g278bac7824f_1_131:notes"/>
+          <p:cNvPr id="196" name="Google Shape;196;g278bac7824f_1_117:notes"/>
           <p:cNvSpPr txBox="1">
             <a:spLocks noGrp="1"/>
           </p:cNvSpPr>
@@ -2987,7 +2994,215 @@
       </p:sp>
       <p:sp>
         <p:nvSpPr>
-          <p:cNvPr id="218" name="Google Shape;218;g278bac7824f_1_131:notes"/>
+          <p:cNvPr id="197" name="Google Shape;197;g278bac7824f_1_117:notes"/>
+          <p:cNvSpPr>
+            <a:spLocks noGrp="1" noRot="1" noChangeAspect="1"/>
+          </p:cNvSpPr>
+          <p:nvPr>
+            <p:ph type="sldImg" idx="2"/>
+          </p:nvPr>
+        </p:nvSpPr>
+        <p:spPr>
+          <a:xfrm>
+            <a:off x="1143000" y="685800"/>
+            <a:ext cx="4572000" cy="3429000"/>
+          </a:xfrm>
+          <a:custGeom>
+            <a:avLst/>
+            <a:gdLst/>
+            <a:ahLst/>
+            <a:cxnLst/>
+            <a:rect l="l" t="t" r="r" b="b"/>
+            <a:pathLst>
+              <a:path w="120000" h="120000" extrusionOk="0">
+                <a:moveTo>
+                  <a:pt x="0" y="0"/>
+                </a:moveTo>
+                <a:lnTo>
+                  <a:pt x="120000" y="0"/>
+                </a:lnTo>
+                <a:lnTo>
+                  <a:pt x="120000" y="120000"/>
+                </a:lnTo>
+                <a:lnTo>
+                  <a:pt x="0" y="120000"/>
+                </a:lnTo>
+                <a:close/>
+              </a:path>
+            </a:pathLst>
+          </a:custGeom>
+        </p:spPr>
+      </p:sp>
+    </p:spTree>
+  </p:cSld>
+  <p:clrMapOvr>
+    <a:masterClrMapping/>
+  </p:clrMapOvr>
+</p:notes>
+</file>
+
+<file path=ppt/notesSlides/notesSlide23.xml><?xml version="1.0" encoding="utf-8"?>
+<p:notes xmlns:a="http://schemas.openxmlformats.org/drawingml/2006/main" xmlns:r="http://schemas.openxmlformats.org/officeDocument/2006/relationships" xmlns:p="http://schemas.openxmlformats.org/presentationml/2006/main" showMasterSp="0" showMasterPhAnim="0">
+  <p:cSld>
+    <p:spTree>
+      <p:nvGrpSpPr>
+        <p:cNvPr id="1" name="Shape 202"/>
+        <p:cNvGrpSpPr/>
+        <p:nvPr/>
+      </p:nvGrpSpPr>
+      <p:grpSpPr>
+        <a:xfrm>
+          <a:off x="0" y="0"/>
+          <a:ext cx="0" cy="0"/>
+          <a:chOff x="0" y="0"/>
+          <a:chExt cx="0" cy="0"/>
+        </a:xfrm>
+      </p:grpSpPr>
+      <p:sp>
+        <p:nvSpPr>
+          <p:cNvPr id="203" name="Google Shape;203;g278bac7824f_1_159:notes"/>
+          <p:cNvSpPr txBox="1">
+            <a:spLocks noGrp="1"/>
+          </p:cNvSpPr>
+          <p:nvPr>
+            <p:ph type="body" idx="1"/>
+          </p:nvPr>
+        </p:nvSpPr>
+        <p:spPr>
+          <a:xfrm>
+            <a:off x="685800" y="4343400"/>
+            <a:ext cx="5486400" cy="4114800"/>
+          </a:xfrm>
+          <a:prstGeom prst="rect">
+            <a:avLst/>
+          </a:prstGeom>
+        </p:spPr>
+        <p:txBody>
+          <a:bodyPr spcFirstLastPara="1" wrap="square" lIns="91425" tIns="45700" rIns="91425" bIns="45700" anchor="t" anchorCtr="0">
+            <a:noAutofit/>
+          </a:bodyPr>
+          <a:lstStyle/>
+          <a:p>
+            <a:pPr marL="0" lvl="0" indent="0" algn="l" rtl="0">
+              <a:spcBef>
+                <a:spcPts val="360"/>
+              </a:spcBef>
+              <a:spcAft>
+                <a:spcPts val="0"/>
+              </a:spcAft>
+              <a:buNone/>
+            </a:pPr>
+            <a:endParaRPr/>
+          </a:p>
+        </p:txBody>
+      </p:sp>
+      <p:sp>
+        <p:nvSpPr>
+          <p:cNvPr id="204" name="Google Shape;204;g278bac7824f_1_159:notes"/>
+          <p:cNvSpPr>
+            <a:spLocks noGrp="1" noRot="1" noChangeAspect="1"/>
+          </p:cNvSpPr>
+          <p:nvPr>
+            <p:ph type="sldImg" idx="2"/>
+          </p:nvPr>
+        </p:nvSpPr>
+        <p:spPr>
+          <a:xfrm>
+            <a:off x="1143000" y="685800"/>
+            <a:ext cx="4572000" cy="3429000"/>
+          </a:xfrm>
+          <a:custGeom>
+            <a:avLst/>
+            <a:gdLst/>
+            <a:ahLst/>
+            <a:cxnLst/>
+            <a:rect l="l" t="t" r="r" b="b"/>
+            <a:pathLst>
+              <a:path w="120000" h="120000" extrusionOk="0">
+                <a:moveTo>
+                  <a:pt x="0" y="0"/>
+                </a:moveTo>
+                <a:lnTo>
+                  <a:pt x="120000" y="0"/>
+                </a:lnTo>
+                <a:lnTo>
+                  <a:pt x="120000" y="120000"/>
+                </a:lnTo>
+                <a:lnTo>
+                  <a:pt x="0" y="120000"/>
+                </a:lnTo>
+                <a:close/>
+              </a:path>
+            </a:pathLst>
+          </a:custGeom>
+        </p:spPr>
+      </p:sp>
+    </p:spTree>
+  </p:cSld>
+  <p:clrMapOvr>
+    <a:masterClrMapping/>
+  </p:clrMapOvr>
+</p:notes>
+</file>
+
+<file path=ppt/notesSlides/notesSlide24.xml><?xml version="1.0" encoding="utf-8"?>
+<p:notes xmlns:a="http://schemas.openxmlformats.org/drawingml/2006/main" xmlns:r="http://schemas.openxmlformats.org/officeDocument/2006/relationships" xmlns:p="http://schemas.openxmlformats.org/presentationml/2006/main" showMasterSp="0" showMasterPhAnim="0">
+  <p:cSld>
+    <p:spTree>
+      <p:nvGrpSpPr>
+        <p:cNvPr id="1" name="Shape 209"/>
+        <p:cNvGrpSpPr/>
+        <p:nvPr/>
+      </p:nvGrpSpPr>
+      <p:grpSpPr>
+        <a:xfrm>
+          <a:off x="0" y="0"/>
+          <a:ext cx="0" cy="0"/>
+          <a:chOff x="0" y="0"/>
+          <a:chExt cx="0" cy="0"/>
+        </a:xfrm>
+      </p:grpSpPr>
+      <p:sp>
+        <p:nvSpPr>
+          <p:cNvPr id="210" name="Google Shape;210;g278bac7824f_1_131:notes"/>
+          <p:cNvSpPr txBox="1">
+            <a:spLocks noGrp="1"/>
+          </p:cNvSpPr>
+          <p:nvPr>
+            <p:ph type="body" idx="1"/>
+          </p:nvPr>
+        </p:nvSpPr>
+        <p:spPr>
+          <a:xfrm>
+            <a:off x="685800" y="4343400"/>
+            <a:ext cx="5486400" cy="4114800"/>
+          </a:xfrm>
+          <a:prstGeom prst="rect">
+            <a:avLst/>
+          </a:prstGeom>
+        </p:spPr>
+        <p:txBody>
+          <a:bodyPr spcFirstLastPara="1" wrap="square" lIns="91425" tIns="45700" rIns="91425" bIns="45700" anchor="t" anchorCtr="0">
+            <a:noAutofit/>
+          </a:bodyPr>
+          <a:lstStyle/>
+          <a:p>
+            <a:pPr marL="0" lvl="0" indent="0" algn="l" rtl="0">
+              <a:spcBef>
+                <a:spcPts val="360"/>
+              </a:spcBef>
+              <a:spcAft>
+                <a:spcPts val="0"/>
+              </a:spcAft>
+              <a:buNone/>
+            </a:pPr>
+            <a:endParaRPr/>
+          </a:p>
+        </p:txBody>
+      </p:sp>
+      <p:sp>
+        <p:nvSpPr>
+          <p:cNvPr id="211" name="Google Shape;211;g278bac7824f_1_131:notes"/>
           <p:cNvSpPr>
             <a:spLocks noGrp="1" noRot="1" noChangeAspect="1"/>
           </p:cNvSpPr>
@@ -3157,7 +3372,7 @@
       </p:grpSpPr>
       <p:sp>
         <p:nvSpPr>
-          <p:cNvPr id="76" name="Google Shape;76;g2781ac529a5_1_26:notes"/>
+          <p:cNvPr id="76" name="Google Shape;76;g278bac7824f_1_175:notes"/>
           <p:cNvSpPr txBox="1">
             <a:spLocks noGrp="1"/>
           </p:cNvSpPr>
@@ -3195,7 +3410,7 @@
       </p:sp>
       <p:sp>
         <p:nvSpPr>
-          <p:cNvPr id="77" name="Google Shape;77;g2781ac529a5_1_26:notes"/>
+          <p:cNvPr id="77" name="Google Shape;77;g278bac7824f_1_175:notes"/>
           <p:cNvSpPr>
             <a:spLocks noGrp="1" noRot="1" noChangeAspect="1"/>
           </p:cNvSpPr>
@@ -3261,7 +3476,7 @@
       </p:grpSpPr>
       <p:sp>
         <p:nvSpPr>
-          <p:cNvPr id="83" name="Google Shape;83;g2781ac529a5_1_20:notes"/>
+          <p:cNvPr id="83" name="Google Shape;83;g27b82b3508c_0_38:notes"/>
           <p:cNvSpPr txBox="1">
             <a:spLocks noGrp="1"/>
           </p:cNvSpPr>
@@ -3299,7 +3514,7 @@
       </p:sp>
       <p:sp>
         <p:nvSpPr>
-          <p:cNvPr id="84" name="Google Shape;84;g2781ac529a5_1_20:notes"/>
+          <p:cNvPr id="84" name="Google Shape;84;g27b82b3508c_0_38:notes"/>
           <p:cNvSpPr>
             <a:spLocks noGrp="1" noRot="1" noChangeAspect="1"/>
           </p:cNvSpPr>
@@ -3351,7 +3566,7 @@
   <p:cSld>
     <p:spTree>
       <p:nvGrpSpPr>
-        <p:cNvPr id="1" name="Shape 89"/>
+        <p:cNvPr id="1" name="Shape 88"/>
         <p:cNvGrpSpPr/>
         <p:nvPr/>
       </p:nvGrpSpPr>
@@ -3365,7 +3580,7 @@
       </p:grpSpPr>
       <p:sp>
         <p:nvSpPr>
-          <p:cNvPr id="90" name="Google Shape;90;g278bac7824f_1_175:notes"/>
+          <p:cNvPr id="89" name="Google Shape;89;g27ba12dbadc_0_11:notes"/>
           <p:cNvSpPr txBox="1">
             <a:spLocks noGrp="1"/>
           </p:cNvSpPr>
@@ -3403,7 +3618,7 @@
       </p:sp>
       <p:sp>
         <p:nvSpPr>
-          <p:cNvPr id="91" name="Google Shape;91;g278bac7824f_1_175:notes"/>
+          <p:cNvPr id="90" name="Google Shape;90;g27ba12dbadc_0_11:notes"/>
           <p:cNvSpPr>
             <a:spLocks noGrp="1" noRot="1" noChangeAspect="1"/>
           </p:cNvSpPr>
@@ -3455,7 +3670,7 @@
   <p:cSld>
     <p:spTree>
       <p:nvGrpSpPr>
-        <p:cNvPr id="1" name="Shape 96"/>
+        <p:cNvPr id="1" name="Shape 95"/>
         <p:cNvGrpSpPr/>
         <p:nvPr/>
       </p:nvGrpSpPr>
@@ -3469,7 +3684,7 @@
       </p:grpSpPr>
       <p:sp>
         <p:nvSpPr>
-          <p:cNvPr id="97" name="Google Shape;97;g2781ac529a5_1_73:notes"/>
+          <p:cNvPr id="96" name="Google Shape;96;g27b82b3508c_0_76:notes"/>
           <p:cNvSpPr txBox="1">
             <a:spLocks noGrp="1"/>
           </p:cNvSpPr>
@@ -3507,7 +3722,7 @@
       </p:sp>
       <p:sp>
         <p:nvSpPr>
-          <p:cNvPr id="98" name="Google Shape;98;g2781ac529a5_1_73:notes"/>
+          <p:cNvPr id="97" name="Google Shape;97;g27b82b3508c_0_76:notes"/>
           <p:cNvSpPr>
             <a:spLocks noGrp="1" noRot="1" noChangeAspect="1"/>
           </p:cNvSpPr>
@@ -3559,7 +3774,7 @@
   <p:cSld>
     <p:spTree>
       <p:nvGrpSpPr>
-        <p:cNvPr id="1" name="Shape 103"/>
+        <p:cNvPr id="1" name="Shape 102"/>
         <p:cNvGrpSpPr/>
         <p:nvPr/>
       </p:nvGrpSpPr>
@@ -3573,7 +3788,7 @@
       </p:grpSpPr>
       <p:sp>
         <p:nvSpPr>
-          <p:cNvPr id="104" name="Google Shape;104;g278bac7824f_1_0:notes"/>
+          <p:cNvPr id="103" name="Google Shape;103;g27b82b3508c_0_114:notes"/>
           <p:cNvSpPr txBox="1">
             <a:spLocks noGrp="1"/>
           </p:cNvSpPr>
@@ -3611,7 +3826,7 @@
       </p:sp>
       <p:sp>
         <p:nvSpPr>
-          <p:cNvPr id="105" name="Google Shape;105;g278bac7824f_1_0:notes"/>
+          <p:cNvPr id="104" name="Google Shape;104;g27b82b3508c_0_114:notes"/>
           <p:cNvSpPr>
             <a:spLocks noGrp="1" noRot="1" noChangeAspect="1"/>
           </p:cNvSpPr>
@@ -3663,7 +3878,7 @@
   <p:cSld>
     <p:spTree>
       <p:nvGrpSpPr>
-        <p:cNvPr id="1" name="Shape 110"/>
+        <p:cNvPr id="1" name="Shape 109"/>
         <p:cNvGrpSpPr/>
         <p:nvPr/>
       </p:nvGrpSpPr>
@@ -3677,7 +3892,7 @@
       </p:grpSpPr>
       <p:sp>
         <p:nvSpPr>
-          <p:cNvPr id="111" name="Google Shape;111;g278bac7824f_1_17:notes"/>
+          <p:cNvPr id="110" name="Google Shape;110;g27b82b3508c_0_0:notes"/>
           <p:cNvSpPr txBox="1">
             <a:spLocks noGrp="1"/>
           </p:cNvSpPr>
@@ -3715,7 +3930,7 @@
       </p:sp>
       <p:sp>
         <p:nvSpPr>
-          <p:cNvPr id="112" name="Google Shape;112;g278bac7824f_1_17:notes"/>
+          <p:cNvPr id="111" name="Google Shape;111;g27b82b3508c_0_0:notes"/>
           <p:cNvSpPr>
             <a:spLocks noGrp="1" noRot="1" noChangeAspect="1"/>
           </p:cNvSpPr>
@@ -9119,7 +9334,7 @@
     <p:sldLayoutId id="2147483650" r:id="rId3"/>
     <p:sldLayoutId id="2147483651" r:id="rId4"/>
   </p:sldLayoutIdLst>
-  <p:hf hdr="0" ftr="0" dt="0"/>
+  <p:hf sldNum="0" hdr="0" dt="0"/>
   <p:txStyles>
     <p:titleStyle>
       <a:defPPr marR="0" lvl="0" algn="l" rtl="0">
@@ -9871,10 +10086,22 @@
               <a:buNone/>
             </a:pPr>
             <a:r>
-              <a:rPr lang="it-IT"/>
-              <a:t>Causal Graph Identification by Large Language Models</a:t>
-            </a:r>
-            <a:endParaRPr/>
+              <a:rPr lang="it-IT" dirty="0" err="1"/>
+              <a:t>Causal</a:t>
+            </a:r>
+            <a:r>
+              <a:rPr lang="it-IT" dirty="0"/>
+              <a:t> Graph </a:t>
+            </a:r>
+            <a:r>
+              <a:rPr lang="it-IT" dirty="0" err="1"/>
+              <a:t>Identification</a:t>
+            </a:r>
+            <a:r>
+              <a:rPr lang="it-IT" dirty="0"/>
+              <a:t> by Large Language Models</a:t>
+            </a:r>
+            <a:endParaRPr dirty="0"/>
           </a:p>
         </p:txBody>
       </p:sp>
@@ -10280,7 +10507,7 @@
             </a:pPr>
             <a:r>
               <a:rPr lang="it-IT"/>
-              <a:t>Antonucci Alessandro</a:t>
+              <a:t>Antonucci Alessandro (IDSIA)</a:t>
             </a:r>
             <a:endParaRPr/>
           </a:p>
@@ -10580,7 +10807,7 @@
             </a:pPr>
             <a:r>
               <a:rPr lang="it-IT"/>
-              <a:t>Zaffalon Marco</a:t>
+              <a:t>Zaffalon Marco (IDSIA)</a:t>
             </a:r>
             <a:endParaRPr/>
           </a:p>
@@ -10699,7 +10926,7 @@
   <p:cSld>
     <p:spTree>
       <p:nvGrpSpPr>
-        <p:cNvPr id="1" name="Shape 121"/>
+        <p:cNvPr id="1" name="Shape 119"/>
         <p:cNvGrpSpPr/>
         <p:nvPr/>
       </p:nvGrpSpPr>
@@ -10713,7 +10940,7 @@
       </p:grpSpPr>
       <p:sp>
         <p:nvSpPr>
-          <p:cNvPr id="122" name="Google Shape;122;p15"/>
+          <p:cNvPr id="120" name="Google Shape;120;p15"/>
           <p:cNvSpPr txBox="1">
             <a:spLocks noGrp="1"/>
           </p:cNvSpPr>
@@ -10754,10 +10981,94 @@
               <a:buChar char="●"/>
             </a:pPr>
             <a:r>
+              <a:rPr lang="it-IT" sz="2800" i="1"/>
+              <a:t>Generative Pre-trained Transformer</a:t>
+            </a:r>
+            <a:r>
               <a:rPr lang="it-IT" sz="2800"/>
-              <a:t>Textual data</a:t>
+              <a:t> (GPT) API </a:t>
             </a:r>
             <a:endParaRPr sz="2800"/>
+          </a:p>
+          <a:p>
+            <a:pPr marL="914400" marR="0" lvl="1" indent="-355600" algn="l" rtl="0">
+              <a:lnSpc>
+                <a:spcPct val="100000"/>
+              </a:lnSpc>
+              <a:spcBef>
+                <a:spcPts val="200"/>
+              </a:spcBef>
+              <a:spcAft>
+                <a:spcPts val="0"/>
+              </a:spcAft>
+              <a:buSzPts val="2000"/>
+              <a:buChar char="○"/>
+            </a:pPr>
+            <a:r>
+              <a:rPr lang="it-IT" sz="2800"/>
+              <a:t>RESTful</a:t>
+            </a:r>
+            <a:endParaRPr sz="2800"/>
+          </a:p>
+          <a:p>
+            <a:pPr marL="914400" marR="0" lvl="1" indent="-355600" algn="l" rtl="0">
+              <a:lnSpc>
+                <a:spcPct val="100000"/>
+              </a:lnSpc>
+              <a:spcBef>
+                <a:spcPts val="200"/>
+              </a:spcBef>
+              <a:spcAft>
+                <a:spcPts val="0"/>
+              </a:spcAft>
+              <a:buSzPts val="2000"/>
+              <a:buChar char="○"/>
+            </a:pPr>
+            <a:r>
+              <a:rPr lang="it-IT"/>
+              <a:t>Language translation</a:t>
+            </a:r>
+            <a:endParaRPr/>
+          </a:p>
+          <a:p>
+            <a:pPr marL="914400" marR="0" lvl="1" indent="-355600" algn="l" rtl="0">
+              <a:lnSpc>
+                <a:spcPct val="100000"/>
+              </a:lnSpc>
+              <a:spcBef>
+                <a:spcPts val="200"/>
+              </a:spcBef>
+              <a:spcAft>
+                <a:spcPts val="0"/>
+              </a:spcAft>
+              <a:buSzPts val="2000"/>
+              <a:buChar char="○"/>
+            </a:pPr>
+            <a:r>
+              <a:rPr lang="it-IT"/>
+              <a:t>Content creation</a:t>
+            </a:r>
+            <a:endParaRPr/>
+          </a:p>
+          <a:p>
+            <a:pPr marL="914400" marR="0" lvl="1" indent="-355600" algn="l" rtl="0">
+              <a:lnSpc>
+                <a:spcPct val="100000"/>
+              </a:lnSpc>
+              <a:spcBef>
+                <a:spcPts val="200"/>
+              </a:spcBef>
+              <a:spcAft>
+                <a:spcPts val="0"/>
+              </a:spcAft>
+              <a:buSzPts val="2000"/>
+              <a:buChar char="○"/>
+            </a:pPr>
+            <a:r>
+              <a:rPr lang="it-IT"/>
+              <a:t>Conversational agents</a:t>
+            </a:r>
+            <a:endParaRPr/>
           </a:p>
           <a:p>
             <a:pPr marL="0" marR="0" lvl="0" indent="0" algn="l" rtl="0">
@@ -10772,13 +11083,10 @@
               </a:spcAft>
               <a:buNone/>
             </a:pPr>
-            <a:endParaRPr sz="2000"/>
-          </a:p>
-          <a:p>
-            <a:pPr marL="457200" marR="0" lvl="0" indent="-355600" algn="l" rtl="0">
-              <a:lnSpc>
-                <a:spcPct val="100000"/>
-              </a:lnSpc>
+            <a:endParaRPr sz="1800"/>
+          </a:p>
+          <a:p>
+            <a:pPr marL="457200" lvl="0" indent="-355600" algn="l" rtl="0">
               <a:spcBef>
                 <a:spcPts val="200"/>
               </a:spcBef>
@@ -10789,16 +11097,25 @@
               <a:buChar char="●"/>
             </a:pPr>
             <a:r>
+              <a:rPr lang="it-IT" sz="2800" i="1"/>
+              <a:t>System </a:t>
+            </a:r>
+            <a:r>
               <a:rPr lang="it-IT" sz="2800"/>
-              <a:t>PubMed articles</a:t>
+              <a:t>and </a:t>
+            </a:r>
+            <a:r>
+              <a:rPr lang="it-IT" sz="2800" i="1"/>
+              <a:t>user </a:t>
+            </a:r>
+            <a:r>
+              <a:rPr lang="it-IT" sz="2800"/>
+              <a:t>messages</a:t>
             </a:r>
             <a:endParaRPr sz="2800"/>
           </a:p>
           <a:p>
-            <a:pPr marL="0" marR="0" lvl="0" indent="0" algn="l" rtl="0">
-              <a:lnSpc>
-                <a:spcPct val="100000"/>
-              </a:lnSpc>
+            <a:pPr marL="0" lvl="0" indent="0" algn="l" rtl="0">
               <a:spcBef>
                 <a:spcPts val="200"/>
               </a:spcBef>
@@ -10807,95 +11124,26 @@
               </a:spcAft>
               <a:buNone/>
             </a:pPr>
-            <a:endParaRPr sz="2000"/>
-          </a:p>
-          <a:p>
-            <a:pPr marL="457200" marR="0" lvl="0" indent="-355600" algn="l" rtl="0">
-              <a:lnSpc>
-                <a:spcPct val="100000"/>
-              </a:lnSpc>
+            <a:endParaRPr sz="1800"/>
+          </a:p>
+          <a:p>
+            <a:pPr marL="457200" lvl="0" indent="-355600" algn="l" rtl="0">
               <a:spcBef>
                 <a:spcPts val="200"/>
               </a:spcBef>
               <a:spcAft>
-                <a:spcPts val="0"/>
+                <a:spcPts val="200"/>
               </a:spcAft>
               <a:buSzPts val="2000"/>
               <a:buChar char="●"/>
             </a:pPr>
             <a:r>
+              <a:rPr lang="it-IT" sz="2800" i="1"/>
+              <a:t>Temperature </a:t>
+            </a:r>
+            <a:r>
               <a:rPr lang="it-IT" sz="2800"/>
-              <a:t>Official API</a:t>
-            </a:r>
-            <a:endParaRPr sz="2800"/>
-          </a:p>
-          <a:p>
-            <a:pPr marL="0" marR="0" lvl="0" indent="0" algn="l" rtl="0">
-              <a:lnSpc>
-                <a:spcPct val="100000"/>
-              </a:lnSpc>
-              <a:spcBef>
-                <a:spcPts val="200"/>
-              </a:spcBef>
-              <a:spcAft>
-                <a:spcPts val="0"/>
-              </a:spcAft>
-              <a:buNone/>
-            </a:pPr>
-            <a:endParaRPr sz="2000"/>
-          </a:p>
-          <a:p>
-            <a:pPr marL="457200" marR="0" lvl="0" indent="-355600" algn="l" rtl="0">
-              <a:lnSpc>
-                <a:spcPct val="100000"/>
-              </a:lnSpc>
-              <a:spcBef>
-                <a:spcPts val="200"/>
-              </a:spcBef>
-              <a:spcAft>
-                <a:spcPts val="0"/>
-              </a:spcAft>
-              <a:buSzPts val="2000"/>
-              <a:buChar char="●"/>
-            </a:pPr>
-            <a:r>
-              <a:rPr lang="it-IT" sz="2800"/>
-              <a:t>Abstract extraction</a:t>
-            </a:r>
-            <a:endParaRPr sz="2800"/>
-          </a:p>
-          <a:p>
-            <a:pPr marL="0" marR="0" lvl="0" indent="0" algn="l" rtl="0">
-              <a:lnSpc>
-                <a:spcPct val="100000"/>
-              </a:lnSpc>
-              <a:spcBef>
-                <a:spcPts val="200"/>
-              </a:spcBef>
-              <a:spcAft>
-                <a:spcPts val="0"/>
-              </a:spcAft>
-              <a:buNone/>
-            </a:pPr>
-            <a:endParaRPr sz="2000"/>
-          </a:p>
-          <a:p>
-            <a:pPr marL="457200" marR="0" lvl="0" indent="-355600" algn="l" rtl="0">
-              <a:lnSpc>
-                <a:spcPct val="100000"/>
-              </a:lnSpc>
-              <a:spcBef>
-                <a:spcPts val="200"/>
-              </a:spcBef>
-              <a:spcAft>
-                <a:spcPts val="0"/>
-              </a:spcAft>
-              <a:buSzPts val="2000"/>
-              <a:buChar char="●"/>
-            </a:pPr>
-            <a:r>
-              <a:rPr lang="it-IT" sz="2800"/>
-              <a:t>Search by terms</a:t>
+              <a:t>parameter</a:t>
             </a:r>
             <a:endParaRPr sz="2800"/>
           </a:p>
@@ -10903,7 +11151,7 @@
       </p:sp>
       <p:sp>
         <p:nvSpPr>
-          <p:cNvPr id="123" name="Google Shape;123;p15"/>
+          <p:cNvPr id="121" name="Google Shape;121;p15"/>
           <p:cNvSpPr txBox="1">
             <a:spLocks noGrp="1"/>
           </p:cNvSpPr>
@@ -10949,7 +11197,7 @@
             </a:pPr>
             <a:r>
               <a:rPr lang="it-IT" sz="4000"/>
-              <a:t>Data Collection Process</a:t>
+              <a:t>Implementation</a:t>
             </a:r>
             <a:endParaRPr sz="4000"/>
           </a:p>
@@ -10957,7 +11205,7 @@
       </p:sp>
       <p:pic>
         <p:nvPicPr>
-          <p:cNvPr id="124" name="Google Shape;124;p15"/>
+          <p:cNvPr id="122" name="Google Shape;122;p15"/>
           <p:cNvPicPr preferRelativeResize="0"/>
           <p:nvPr/>
         </p:nvPicPr>
@@ -10971,8 +11219,8 @@
         </p:blipFill>
         <p:spPr>
           <a:xfrm>
-            <a:off x="5474450" y="2874225"/>
-            <a:ext cx="2274450" cy="2274450"/>
+            <a:off x="5874300" y="3316388"/>
+            <a:ext cx="2245775" cy="2245775"/>
           </a:xfrm>
           <a:prstGeom prst="rect">
             <a:avLst/>
@@ -10996,7 +11244,7 @@
   <p:cSld>
     <p:spTree>
       <p:nvGrpSpPr>
-        <p:cNvPr id="1" name="Shape 128"/>
+        <p:cNvPr id="1" name="Shape 119"/>
         <p:cNvGrpSpPr/>
         <p:nvPr/>
       </p:nvGrpSpPr>
@@ -11010,7 +11258,7 @@
       </p:grpSpPr>
       <p:sp>
         <p:nvSpPr>
-          <p:cNvPr id="129" name="Google Shape;129;p16"/>
+          <p:cNvPr id="120" name="Google Shape;120;p15"/>
           <p:cNvSpPr txBox="1">
             <a:spLocks noGrp="1"/>
           </p:cNvSpPr>
@@ -11037,7 +11285,7 @@
           </a:bodyPr>
           <a:lstStyle/>
           <a:p>
-            <a:pPr marL="914400" marR="0" lvl="0" indent="0" algn="l" rtl="0">
+            <a:pPr marL="457200" marR="0" lvl="0" indent="-355600" algn="l" rtl="0">
               <a:lnSpc>
                 <a:spcPct val="100000"/>
               </a:lnSpc>
@@ -11045,17 +11293,18 @@
                 <a:spcPts val="200"/>
               </a:spcBef>
               <a:spcAft>
-                <a:spcPts val="200"/>
-              </a:spcAft>
-              <a:buNone/>
+                <a:spcPts val="0"/>
+              </a:spcAft>
+              <a:buSzPts val="2000"/>
+              <a:buChar char="●"/>
             </a:pPr>
-            <a:endParaRPr sz="2800"/>
+            <a:endParaRPr sz="2800" dirty="0"/>
           </a:p>
         </p:txBody>
       </p:sp>
       <p:sp>
         <p:nvSpPr>
-          <p:cNvPr id="130" name="Google Shape;130;p16"/>
+          <p:cNvPr id="121" name="Google Shape;121;p15"/>
           <p:cNvSpPr txBox="1">
             <a:spLocks noGrp="1"/>
           </p:cNvSpPr>
@@ -11100,8 +11349,1055 @@
               <a:buNone/>
             </a:pPr>
             <a:r>
+              <a:rPr lang="it-IT" sz="4000" dirty="0"/>
+              <a:t>GPT API </a:t>
+            </a:r>
+            <a:r>
+              <a:rPr lang="it-IT" sz="4000" dirty="0" err="1"/>
+              <a:t>Example</a:t>
+            </a:r>
+            <a:endParaRPr sz="4000" dirty="0"/>
+          </a:p>
+        </p:txBody>
+      </p:sp>
+      <p:sp>
+        <p:nvSpPr>
+          <p:cNvPr id="3" name="CasellaDiTesto 2">
+            <a:extLst>
+              <a:ext uri="{FF2B5EF4-FFF2-40B4-BE49-F238E27FC236}">
+                <a16:creationId xmlns:a16="http://schemas.microsoft.com/office/drawing/2014/main" id="{E63027E6-DDE0-CCA2-284B-B824621161AB}"/>
+              </a:ext>
+            </a:extLst>
+          </p:cNvPr>
+          <p:cNvSpPr txBox="1"/>
+          <p:nvPr/>
+        </p:nvSpPr>
+        <p:spPr>
+          <a:xfrm>
+            <a:off x="1" y="2396997"/>
+            <a:ext cx="9291484" cy="1815882"/>
+          </a:xfrm>
+          <a:prstGeom prst="rect">
+            <a:avLst/>
+          </a:prstGeom>
+          <a:noFill/>
+        </p:spPr>
+        <p:txBody>
+          <a:bodyPr wrap="square">
+            <a:spAutoFit/>
+          </a:bodyPr>
+          <a:lstStyle/>
+          <a:p>
+            <a:r>
+              <a:rPr lang="it-IT" b="0" dirty="0" err="1">
+                <a:solidFill>
+                  <a:srgbClr val="001080"/>
+                </a:solidFill>
+                <a:effectLst/>
+                <a:latin typeface="Consolas" panose="020B0609020204030204" pitchFamily="49" charset="0"/>
+              </a:rPr>
+              <a:t>response</a:t>
+            </a:r>
+            <a:r>
+              <a:rPr lang="it-IT" b="0" dirty="0">
+                <a:solidFill>
+                  <a:srgbClr val="3B3B3B"/>
+                </a:solidFill>
+                <a:effectLst/>
+                <a:latin typeface="Consolas" panose="020B0609020204030204" pitchFamily="49" charset="0"/>
+              </a:rPr>
+              <a:t> </a:t>
+            </a:r>
+            <a:r>
+              <a:rPr lang="it-IT" b="0" dirty="0">
+                <a:solidFill>
+                  <a:srgbClr val="000000"/>
+                </a:solidFill>
+                <a:effectLst/>
+                <a:latin typeface="Consolas" panose="020B0609020204030204" pitchFamily="49" charset="0"/>
+              </a:rPr>
+              <a:t>=</a:t>
+            </a:r>
+            <a:r>
+              <a:rPr lang="it-IT" b="0" dirty="0">
+                <a:solidFill>
+                  <a:srgbClr val="3B3B3B"/>
+                </a:solidFill>
+                <a:effectLst/>
+                <a:latin typeface="Consolas" panose="020B0609020204030204" pitchFamily="49" charset="0"/>
+              </a:rPr>
+              <a:t> </a:t>
+            </a:r>
+            <a:r>
+              <a:rPr lang="it-IT" b="0" dirty="0" err="1">
+                <a:solidFill>
+                  <a:srgbClr val="267F99"/>
+                </a:solidFill>
+                <a:effectLst/>
+                <a:latin typeface="Consolas" panose="020B0609020204030204" pitchFamily="49" charset="0"/>
+              </a:rPr>
+              <a:t>openai</a:t>
+            </a:r>
+            <a:r>
+              <a:rPr lang="it-IT" b="0" dirty="0" err="1">
+                <a:solidFill>
+                  <a:srgbClr val="3B3B3B"/>
+                </a:solidFill>
+                <a:effectLst/>
+                <a:latin typeface="Consolas" panose="020B0609020204030204" pitchFamily="49" charset="0"/>
+              </a:rPr>
+              <a:t>.</a:t>
+            </a:r>
+            <a:r>
+              <a:rPr lang="it-IT" b="0" dirty="0" err="1">
+                <a:solidFill>
+                  <a:srgbClr val="267F99"/>
+                </a:solidFill>
+                <a:effectLst/>
+                <a:latin typeface="Consolas" panose="020B0609020204030204" pitchFamily="49" charset="0"/>
+              </a:rPr>
+              <a:t>ChatCompletion</a:t>
+            </a:r>
+            <a:r>
+              <a:rPr lang="it-IT" b="0" dirty="0" err="1">
+                <a:solidFill>
+                  <a:srgbClr val="3B3B3B"/>
+                </a:solidFill>
+                <a:effectLst/>
+                <a:latin typeface="Consolas" panose="020B0609020204030204" pitchFamily="49" charset="0"/>
+              </a:rPr>
+              <a:t>.</a:t>
+            </a:r>
+            <a:r>
+              <a:rPr lang="it-IT" b="0" dirty="0" err="1">
+                <a:solidFill>
+                  <a:srgbClr val="795E26"/>
+                </a:solidFill>
+                <a:effectLst/>
+                <a:latin typeface="Consolas" panose="020B0609020204030204" pitchFamily="49" charset="0"/>
+              </a:rPr>
+              <a:t>create</a:t>
+            </a:r>
+            <a:r>
+              <a:rPr lang="it-IT" b="0" dirty="0">
+                <a:solidFill>
+                  <a:srgbClr val="3B3B3B"/>
+                </a:solidFill>
+                <a:effectLst/>
+                <a:latin typeface="Consolas" panose="020B0609020204030204" pitchFamily="49" charset="0"/>
+              </a:rPr>
+              <a:t>(</a:t>
+            </a:r>
+          </a:p>
+          <a:p>
+            <a:r>
+              <a:rPr lang="it-IT" b="0" dirty="0">
+                <a:solidFill>
+                  <a:srgbClr val="3B3B3B"/>
+                </a:solidFill>
+                <a:effectLst/>
+                <a:latin typeface="Consolas" panose="020B0609020204030204" pitchFamily="49" charset="0"/>
+              </a:rPr>
+              <a:t>    </a:t>
+            </a:r>
+            <a:r>
+              <a:rPr lang="it-IT" b="0" dirty="0">
+                <a:solidFill>
+                  <a:srgbClr val="001080"/>
+                </a:solidFill>
+                <a:effectLst/>
+                <a:latin typeface="Consolas" panose="020B0609020204030204" pitchFamily="49" charset="0"/>
+              </a:rPr>
+              <a:t>model</a:t>
+            </a:r>
+            <a:r>
+              <a:rPr lang="it-IT" b="0" dirty="0">
+                <a:solidFill>
+                  <a:srgbClr val="000000"/>
+                </a:solidFill>
+                <a:effectLst/>
+                <a:latin typeface="Consolas" panose="020B0609020204030204" pitchFamily="49" charset="0"/>
+              </a:rPr>
+              <a:t>=</a:t>
+            </a:r>
+            <a:r>
+              <a:rPr lang="it-IT" b="0" dirty="0">
+                <a:solidFill>
+                  <a:srgbClr val="A31515"/>
+                </a:solidFill>
+                <a:effectLst/>
+                <a:latin typeface="Consolas" panose="020B0609020204030204" pitchFamily="49" charset="0"/>
+              </a:rPr>
+              <a:t>"gpt-3.5-turbo"</a:t>
+            </a:r>
+            <a:r>
+              <a:rPr lang="it-IT" b="0" dirty="0">
+                <a:solidFill>
+                  <a:srgbClr val="3B3B3B"/>
+                </a:solidFill>
+                <a:effectLst/>
+                <a:latin typeface="Consolas" panose="020B0609020204030204" pitchFamily="49" charset="0"/>
+              </a:rPr>
+              <a:t>,</a:t>
+            </a:r>
+          </a:p>
+          <a:p>
+            <a:r>
+              <a:rPr lang="it-IT" b="0" dirty="0">
+                <a:solidFill>
+                  <a:srgbClr val="3B3B3B"/>
+                </a:solidFill>
+                <a:effectLst/>
+                <a:latin typeface="Consolas" panose="020B0609020204030204" pitchFamily="49" charset="0"/>
+              </a:rPr>
+              <a:t>    </a:t>
+            </a:r>
+            <a:r>
+              <a:rPr lang="it-IT" b="0" dirty="0" err="1">
+                <a:solidFill>
+                  <a:srgbClr val="001080"/>
+                </a:solidFill>
+                <a:effectLst/>
+                <a:latin typeface="Consolas" panose="020B0609020204030204" pitchFamily="49" charset="0"/>
+              </a:rPr>
+              <a:t>messages</a:t>
+            </a:r>
+            <a:r>
+              <a:rPr lang="it-IT" b="0" dirty="0">
+                <a:solidFill>
+                  <a:srgbClr val="000000"/>
+                </a:solidFill>
+                <a:effectLst/>
+                <a:latin typeface="Consolas" panose="020B0609020204030204" pitchFamily="49" charset="0"/>
+              </a:rPr>
+              <a:t>=</a:t>
+            </a:r>
+            <a:r>
+              <a:rPr lang="it-IT" b="0" dirty="0">
+                <a:solidFill>
+                  <a:srgbClr val="3B3B3B"/>
+                </a:solidFill>
+                <a:effectLst/>
+                <a:latin typeface="Consolas" panose="020B0609020204030204" pitchFamily="49" charset="0"/>
+              </a:rPr>
+              <a:t>[</a:t>
+            </a:r>
+          </a:p>
+          <a:p>
+            <a:r>
+              <a:rPr lang="it-IT" b="0" dirty="0">
+                <a:solidFill>
+                  <a:srgbClr val="3B3B3B"/>
+                </a:solidFill>
+                <a:effectLst/>
+                <a:latin typeface="Consolas" panose="020B0609020204030204" pitchFamily="49" charset="0"/>
+              </a:rPr>
+              <a:t>        {</a:t>
+            </a:r>
+            <a:r>
+              <a:rPr lang="it-IT" b="0" dirty="0">
+                <a:solidFill>
+                  <a:srgbClr val="A31515"/>
+                </a:solidFill>
+                <a:effectLst/>
+                <a:latin typeface="Consolas" panose="020B0609020204030204" pitchFamily="49" charset="0"/>
+              </a:rPr>
+              <a:t>"role"</a:t>
+            </a:r>
+            <a:r>
+              <a:rPr lang="it-IT" b="0" dirty="0">
+                <a:solidFill>
+                  <a:srgbClr val="3B3B3B"/>
+                </a:solidFill>
+                <a:effectLst/>
+                <a:latin typeface="Consolas" panose="020B0609020204030204" pitchFamily="49" charset="0"/>
+              </a:rPr>
+              <a:t>: </a:t>
+            </a:r>
+            <a:r>
+              <a:rPr lang="it-IT" b="0" dirty="0">
+                <a:solidFill>
+                  <a:srgbClr val="A31515"/>
+                </a:solidFill>
+                <a:effectLst/>
+                <a:latin typeface="Consolas" panose="020B0609020204030204" pitchFamily="49" charset="0"/>
+              </a:rPr>
+              <a:t>"system"</a:t>
+            </a:r>
+            <a:r>
+              <a:rPr lang="it-IT" b="0" dirty="0">
+                <a:solidFill>
+                  <a:srgbClr val="3B3B3B"/>
+                </a:solidFill>
+                <a:effectLst/>
+                <a:latin typeface="Consolas" panose="020B0609020204030204" pitchFamily="49" charset="0"/>
+              </a:rPr>
+              <a:t>, </a:t>
+            </a:r>
+            <a:r>
+              <a:rPr lang="it-IT" b="0" dirty="0">
+                <a:solidFill>
+                  <a:srgbClr val="A31515"/>
+                </a:solidFill>
+                <a:effectLst/>
+                <a:latin typeface="Consolas" panose="020B0609020204030204" pitchFamily="49" charset="0"/>
+              </a:rPr>
+              <a:t>"</a:t>
+            </a:r>
+            <a:r>
+              <a:rPr lang="it-IT" b="0" dirty="0" err="1">
+                <a:solidFill>
+                  <a:srgbClr val="A31515"/>
+                </a:solidFill>
+                <a:effectLst/>
+                <a:latin typeface="Consolas" panose="020B0609020204030204" pitchFamily="49" charset="0"/>
+              </a:rPr>
+              <a:t>content</a:t>
+            </a:r>
+            <a:r>
+              <a:rPr lang="it-IT" b="0" dirty="0">
+                <a:solidFill>
+                  <a:srgbClr val="A31515"/>
+                </a:solidFill>
+                <a:effectLst/>
+                <a:latin typeface="Consolas" panose="020B0609020204030204" pitchFamily="49" charset="0"/>
+              </a:rPr>
+              <a:t>"</a:t>
+            </a:r>
+            <a:r>
+              <a:rPr lang="it-IT" b="0" dirty="0">
+                <a:solidFill>
+                  <a:srgbClr val="3B3B3B"/>
+                </a:solidFill>
+                <a:effectLst/>
+                <a:latin typeface="Consolas" panose="020B0609020204030204" pitchFamily="49" charset="0"/>
+              </a:rPr>
+              <a:t>: </a:t>
+            </a:r>
+            <a:r>
+              <a:rPr lang="it-IT" b="0" dirty="0">
+                <a:solidFill>
+                  <a:srgbClr val="A31515"/>
+                </a:solidFill>
+                <a:effectLst/>
+                <a:latin typeface="Consolas" panose="020B0609020204030204" pitchFamily="49" charset="0"/>
+              </a:rPr>
+              <a:t>"</a:t>
+            </a:r>
+            <a:r>
+              <a:rPr lang="it-IT" b="0" dirty="0" err="1">
+                <a:solidFill>
+                  <a:srgbClr val="A31515"/>
+                </a:solidFill>
+                <a:effectLst/>
+                <a:latin typeface="Consolas" panose="020B0609020204030204" pitchFamily="49" charset="0"/>
+              </a:rPr>
+              <a:t>You</a:t>
+            </a:r>
+            <a:r>
+              <a:rPr lang="it-IT" b="0" dirty="0">
+                <a:solidFill>
+                  <a:srgbClr val="A31515"/>
+                </a:solidFill>
+                <a:effectLst/>
+                <a:latin typeface="Consolas" panose="020B0609020204030204" pitchFamily="49" charset="0"/>
+              </a:rPr>
+              <a:t> are an </a:t>
+            </a:r>
+            <a:r>
+              <a:rPr lang="it-IT" b="0" dirty="0" err="1">
+                <a:solidFill>
+                  <a:srgbClr val="A31515"/>
+                </a:solidFill>
+                <a:effectLst/>
+                <a:latin typeface="Consolas" panose="020B0609020204030204" pitchFamily="49" charset="0"/>
+              </a:rPr>
+              <a:t>assistant</a:t>
+            </a:r>
+            <a:r>
+              <a:rPr lang="it-IT" b="0" dirty="0">
+                <a:solidFill>
+                  <a:srgbClr val="A31515"/>
+                </a:solidFill>
+                <a:effectLst/>
+                <a:latin typeface="Consolas" panose="020B0609020204030204" pitchFamily="49" charset="0"/>
+              </a:rPr>
+              <a:t> that </a:t>
+            </a:r>
+            <a:r>
+              <a:rPr lang="it-IT" b="0" dirty="0" err="1">
+                <a:solidFill>
+                  <a:srgbClr val="A31515"/>
+                </a:solidFill>
+                <a:effectLst/>
+                <a:latin typeface="Consolas" panose="020B0609020204030204" pitchFamily="49" charset="0"/>
+              </a:rPr>
+              <a:t>speaks</a:t>
+            </a:r>
+            <a:r>
+              <a:rPr lang="it-IT" b="0" dirty="0">
+                <a:solidFill>
+                  <a:srgbClr val="A31515"/>
+                </a:solidFill>
+                <a:effectLst/>
+                <a:latin typeface="Consolas" panose="020B0609020204030204" pitchFamily="49" charset="0"/>
+              </a:rPr>
+              <a:t> like Shakespeare."</a:t>
+            </a:r>
+            <a:r>
+              <a:rPr lang="it-IT" b="0" dirty="0">
+                <a:solidFill>
+                  <a:srgbClr val="3B3B3B"/>
+                </a:solidFill>
+                <a:effectLst/>
+                <a:latin typeface="Consolas" panose="020B0609020204030204" pitchFamily="49" charset="0"/>
+              </a:rPr>
+              <a:t>},</a:t>
+            </a:r>
+          </a:p>
+          <a:p>
+            <a:r>
+              <a:rPr lang="it-IT" b="0" dirty="0">
+                <a:solidFill>
+                  <a:srgbClr val="3B3B3B"/>
+                </a:solidFill>
+                <a:effectLst/>
+                <a:latin typeface="Consolas" panose="020B0609020204030204" pitchFamily="49" charset="0"/>
+              </a:rPr>
+              <a:t>        {</a:t>
+            </a:r>
+            <a:r>
+              <a:rPr lang="it-IT" b="0" dirty="0">
+                <a:solidFill>
+                  <a:srgbClr val="A31515"/>
+                </a:solidFill>
+                <a:effectLst/>
+                <a:latin typeface="Consolas" panose="020B0609020204030204" pitchFamily="49" charset="0"/>
+              </a:rPr>
+              <a:t>"role"</a:t>
+            </a:r>
+            <a:r>
+              <a:rPr lang="it-IT" b="0" dirty="0">
+                <a:solidFill>
+                  <a:srgbClr val="3B3B3B"/>
+                </a:solidFill>
+                <a:effectLst/>
+                <a:latin typeface="Consolas" panose="020B0609020204030204" pitchFamily="49" charset="0"/>
+              </a:rPr>
+              <a:t>: </a:t>
+            </a:r>
+            <a:r>
+              <a:rPr lang="it-IT" b="0" dirty="0">
+                <a:solidFill>
+                  <a:srgbClr val="A31515"/>
+                </a:solidFill>
+                <a:effectLst/>
+                <a:latin typeface="Consolas" panose="020B0609020204030204" pitchFamily="49" charset="0"/>
+              </a:rPr>
+              <a:t>"user"</a:t>
+            </a:r>
+            <a:r>
+              <a:rPr lang="it-IT" b="0" dirty="0">
+                <a:solidFill>
+                  <a:srgbClr val="3B3B3B"/>
+                </a:solidFill>
+                <a:effectLst/>
+                <a:latin typeface="Consolas" panose="020B0609020204030204" pitchFamily="49" charset="0"/>
+              </a:rPr>
+              <a:t>, </a:t>
+            </a:r>
+            <a:r>
+              <a:rPr lang="it-IT" b="0" dirty="0">
+                <a:solidFill>
+                  <a:srgbClr val="A31515"/>
+                </a:solidFill>
+                <a:effectLst/>
+                <a:latin typeface="Consolas" panose="020B0609020204030204" pitchFamily="49" charset="0"/>
+              </a:rPr>
+              <a:t>"</a:t>
+            </a:r>
+            <a:r>
+              <a:rPr lang="it-IT" b="0" dirty="0" err="1">
+                <a:solidFill>
+                  <a:srgbClr val="A31515"/>
+                </a:solidFill>
+                <a:effectLst/>
+                <a:latin typeface="Consolas" panose="020B0609020204030204" pitchFamily="49" charset="0"/>
+              </a:rPr>
+              <a:t>content</a:t>
+            </a:r>
+            <a:r>
+              <a:rPr lang="it-IT" b="0" dirty="0">
+                <a:solidFill>
+                  <a:srgbClr val="A31515"/>
+                </a:solidFill>
+                <a:effectLst/>
+                <a:latin typeface="Consolas" panose="020B0609020204030204" pitchFamily="49" charset="0"/>
+              </a:rPr>
+              <a:t>"</a:t>
+            </a:r>
+            <a:r>
+              <a:rPr lang="it-IT" b="0" dirty="0">
+                <a:solidFill>
+                  <a:srgbClr val="3B3B3B"/>
+                </a:solidFill>
+                <a:effectLst/>
+                <a:latin typeface="Consolas" panose="020B0609020204030204" pitchFamily="49" charset="0"/>
+              </a:rPr>
+              <a:t>: </a:t>
+            </a:r>
+            <a:r>
+              <a:rPr lang="it-IT" b="0" dirty="0">
+                <a:solidFill>
+                  <a:srgbClr val="A31515"/>
+                </a:solidFill>
+                <a:effectLst/>
+                <a:latin typeface="Consolas" panose="020B0609020204030204" pitchFamily="49" charset="0"/>
+              </a:rPr>
+              <a:t>"Tell me a </a:t>
+            </a:r>
+            <a:r>
+              <a:rPr lang="it-IT" b="0" dirty="0" err="1">
+                <a:solidFill>
+                  <a:srgbClr val="A31515"/>
+                </a:solidFill>
+                <a:effectLst/>
+                <a:latin typeface="Consolas" panose="020B0609020204030204" pitchFamily="49" charset="0"/>
+              </a:rPr>
+              <a:t>joke</a:t>
+            </a:r>
+            <a:r>
+              <a:rPr lang="it-IT" b="0" dirty="0">
+                <a:solidFill>
+                  <a:srgbClr val="A31515"/>
+                </a:solidFill>
+                <a:effectLst/>
+                <a:latin typeface="Consolas" panose="020B0609020204030204" pitchFamily="49" charset="0"/>
+              </a:rPr>
+              <a:t>."</a:t>
+            </a:r>
+            <a:r>
+              <a:rPr lang="it-IT" b="0" dirty="0">
+                <a:solidFill>
+                  <a:srgbClr val="3B3B3B"/>
+                </a:solidFill>
+                <a:effectLst/>
+                <a:latin typeface="Consolas" panose="020B0609020204030204" pitchFamily="49" charset="0"/>
+              </a:rPr>
+              <a:t>}</a:t>
+            </a:r>
+          </a:p>
+          <a:p>
+            <a:r>
+              <a:rPr lang="it-IT" b="0" dirty="0">
+                <a:solidFill>
+                  <a:srgbClr val="3B3B3B"/>
+                </a:solidFill>
+                <a:effectLst/>
+                <a:latin typeface="Consolas" panose="020B0609020204030204" pitchFamily="49" charset="0"/>
+              </a:rPr>
+              <a:t>    ],</a:t>
+            </a:r>
+          </a:p>
+          <a:p>
+            <a:r>
+              <a:rPr lang="it-IT" b="0" dirty="0">
+                <a:solidFill>
+                  <a:srgbClr val="3B3B3B"/>
+                </a:solidFill>
+                <a:effectLst/>
+                <a:latin typeface="Consolas" panose="020B0609020204030204" pitchFamily="49" charset="0"/>
+              </a:rPr>
+              <a:t>    </a:t>
+            </a:r>
+            <a:r>
+              <a:rPr lang="it-IT" b="0" dirty="0">
+                <a:solidFill>
+                  <a:srgbClr val="001080"/>
+                </a:solidFill>
+                <a:effectLst/>
+                <a:latin typeface="Consolas" panose="020B0609020204030204" pitchFamily="49" charset="0"/>
+              </a:rPr>
+              <a:t>temperature</a:t>
+            </a:r>
+            <a:r>
+              <a:rPr lang="it-IT" b="0" dirty="0">
+                <a:solidFill>
+                  <a:srgbClr val="000000"/>
+                </a:solidFill>
+                <a:effectLst/>
+                <a:latin typeface="Consolas" panose="020B0609020204030204" pitchFamily="49" charset="0"/>
+              </a:rPr>
+              <a:t>=</a:t>
+            </a:r>
+            <a:r>
+              <a:rPr lang="it-IT" b="0" dirty="0">
+                <a:solidFill>
+                  <a:srgbClr val="098658"/>
+                </a:solidFill>
+                <a:effectLst/>
+                <a:latin typeface="Consolas" panose="020B0609020204030204" pitchFamily="49" charset="0"/>
+              </a:rPr>
+              <a:t>0.9</a:t>
+            </a:r>
+            <a:r>
+              <a:rPr lang="it-IT" b="0" dirty="0">
+                <a:solidFill>
+                  <a:srgbClr val="3B3B3B"/>
+                </a:solidFill>
+                <a:effectLst/>
+                <a:latin typeface="Consolas" panose="020B0609020204030204" pitchFamily="49" charset="0"/>
+              </a:rPr>
+              <a:t>,</a:t>
+            </a:r>
+          </a:p>
+          <a:p>
+            <a:r>
+              <a:rPr lang="it-IT" b="0" dirty="0">
+                <a:solidFill>
+                  <a:srgbClr val="3B3B3B"/>
+                </a:solidFill>
+                <a:effectLst/>
+                <a:latin typeface="Consolas" panose="020B0609020204030204" pitchFamily="49" charset="0"/>
+              </a:rPr>
+              <a:t>)</a:t>
+            </a:r>
+          </a:p>
+        </p:txBody>
+      </p:sp>
+      <p:sp>
+        <p:nvSpPr>
+          <p:cNvPr id="5" name="CasellaDiTesto 4">
+            <a:extLst>
+              <a:ext uri="{FF2B5EF4-FFF2-40B4-BE49-F238E27FC236}">
+                <a16:creationId xmlns:a16="http://schemas.microsoft.com/office/drawing/2014/main" id="{E571D4C6-3E6C-8BC3-C2A1-6F21F67B949B}"/>
+              </a:ext>
+            </a:extLst>
+          </p:cNvPr>
+          <p:cNvSpPr txBox="1"/>
+          <p:nvPr/>
+        </p:nvSpPr>
+        <p:spPr>
+          <a:xfrm>
+            <a:off x="0" y="4829715"/>
+            <a:ext cx="8642556" cy="1600438"/>
+          </a:xfrm>
+          <a:prstGeom prst="rect">
+            <a:avLst/>
+          </a:prstGeom>
+          <a:noFill/>
+        </p:spPr>
+        <p:txBody>
+          <a:bodyPr wrap="square">
+            <a:spAutoFit/>
+          </a:bodyPr>
+          <a:lstStyle/>
+          <a:p>
+            <a:r>
+              <a:rPr lang="en-US" b="0" dirty="0">
+                <a:solidFill>
+                  <a:srgbClr val="3B3B3B"/>
+                </a:solidFill>
+                <a:effectLst/>
+                <a:latin typeface="Consolas" panose="020B0609020204030204" pitchFamily="49" charset="0"/>
+              </a:rPr>
+              <a:t>{...</a:t>
+            </a:r>
+          </a:p>
+          <a:p>
+            <a:endParaRPr lang="en-US" b="0" dirty="0">
+              <a:solidFill>
+                <a:srgbClr val="3B3B3B"/>
+              </a:solidFill>
+              <a:effectLst/>
+              <a:latin typeface="Consolas" panose="020B0609020204030204" pitchFamily="49" charset="0"/>
+            </a:endParaRPr>
+          </a:p>
+          <a:p>
+            <a:r>
+              <a:rPr lang="en-US" b="0" dirty="0">
+                <a:solidFill>
+                  <a:srgbClr val="A31515"/>
+                </a:solidFill>
+                <a:effectLst/>
+                <a:latin typeface="Consolas" panose="020B0609020204030204" pitchFamily="49" charset="0"/>
+              </a:rPr>
+              <a:t>  'Why did the chicken cross the road? To get to the other side, but verily, the other side was full of peril and danger, so it quickly returned from whence it came, forsooth!’</a:t>
+            </a:r>
+            <a:endParaRPr lang="en-US" b="0" dirty="0">
+              <a:solidFill>
+                <a:srgbClr val="3B3B3B"/>
+              </a:solidFill>
+              <a:effectLst/>
+              <a:latin typeface="Consolas" panose="020B0609020204030204" pitchFamily="49" charset="0"/>
+            </a:endParaRPr>
+          </a:p>
+          <a:p>
+            <a:endParaRPr lang="en-US" b="0" dirty="0">
+              <a:solidFill>
+                <a:srgbClr val="3B3B3B"/>
+              </a:solidFill>
+              <a:effectLst/>
+              <a:latin typeface="Consolas" panose="020B0609020204030204" pitchFamily="49" charset="0"/>
+            </a:endParaRPr>
+          </a:p>
+          <a:p>
+            <a:r>
+              <a:rPr lang="en-US" b="0" dirty="0">
+                <a:solidFill>
+                  <a:srgbClr val="3B3B3B"/>
+                </a:solidFill>
+                <a:effectLst/>
+                <a:latin typeface="Consolas" panose="020B0609020204030204" pitchFamily="49" charset="0"/>
+              </a:rPr>
+              <a:t>...}</a:t>
+            </a:r>
+          </a:p>
+        </p:txBody>
+      </p:sp>
+    </p:spTree>
+    <p:extLst>
+      <p:ext uri="{BB962C8B-B14F-4D97-AF65-F5344CB8AC3E}">
+        <p14:creationId xmlns:p14="http://schemas.microsoft.com/office/powerpoint/2010/main" val="1205719971"/>
+      </p:ext>
+    </p:extLst>
+  </p:cSld>
+  <p:clrMapOvr>
+    <a:masterClrMapping/>
+  </p:clrMapOvr>
+  <p:timing>
+    <p:tnLst>
+      <p:par>
+        <p:cTn id="1" dur="indefinite" restart="never" nodeType="tmRoot">
+          <p:childTnLst>
+            <p:seq concurrent="1" nextAc="seek">
+              <p:cTn id="2" dur="indefinite" nodeType="mainSeq">
+                <p:childTnLst>
+                  <p:par>
+                    <p:cTn id="3" fill="hold">
+                      <p:stCondLst>
+                        <p:cond delay="indefinite"/>
+                      </p:stCondLst>
+                      <p:childTnLst>
+                        <p:par>
+                          <p:cTn id="4" fill="hold">
+                            <p:stCondLst>
+                              <p:cond delay="0"/>
+                            </p:stCondLst>
+                            <p:childTnLst>
+                              <p:par>
+                                <p:cTn id="5" presetID="1" presetClass="entr" presetSubtype="0" fill="hold" grpId="0" nodeType="clickEffect">
+                                  <p:stCondLst>
+                                    <p:cond delay="0"/>
+                                  </p:stCondLst>
+                                  <p:childTnLst>
+                                    <p:set>
+                                      <p:cBhvr>
+                                        <p:cTn id="6" dur="1" fill="hold">
+                                          <p:stCondLst>
+                                            <p:cond delay="0"/>
+                                          </p:stCondLst>
+                                        </p:cTn>
+                                        <p:tgtEl>
+                                          <p:spTgt spid="5"/>
+                                        </p:tgtEl>
+                                        <p:attrNameLst>
+                                          <p:attrName>style.visibility</p:attrName>
+                                        </p:attrNameLst>
+                                      </p:cBhvr>
+                                      <p:to>
+                                        <p:strVal val="visible"/>
+                                      </p:to>
+                                    </p:set>
+                                  </p:childTnLst>
+                                </p:cTn>
+                              </p:par>
+                            </p:childTnLst>
+                          </p:cTn>
+                        </p:par>
+                      </p:childTnLst>
+                    </p:cTn>
+                  </p:par>
+                </p:childTnLst>
+              </p:cTn>
+              <p:prevCondLst>
+                <p:cond evt="onPrev" delay="0">
+                  <p:tgtEl>
+                    <p:sldTgt/>
+                  </p:tgtEl>
+                </p:cond>
+              </p:prevCondLst>
+              <p:nextCondLst>
+                <p:cond evt="onNext" delay="0">
+                  <p:tgtEl>
+                    <p:sldTgt/>
+                  </p:tgtEl>
+                </p:cond>
+              </p:nextCondLst>
+            </p:seq>
+          </p:childTnLst>
+        </p:cTn>
+      </p:par>
+    </p:tnLst>
+    <p:bldLst>
+      <p:bldP spid="5" grpId="0"/>
+    </p:bldLst>
+  </p:timing>
+</p:sld>
+</file>
+
+<file path=ppt/slides/slide12.xml><?xml version="1.0" encoding="utf-8"?>
+<p:sld xmlns:a="http://schemas.openxmlformats.org/drawingml/2006/main" xmlns:r="http://schemas.openxmlformats.org/officeDocument/2006/relationships" xmlns:p="http://schemas.openxmlformats.org/presentationml/2006/main">
+  <p:cSld>
+    <p:spTree>
+      <p:nvGrpSpPr>
+        <p:cNvPr id="1" name="Shape 126"/>
+        <p:cNvGrpSpPr/>
+        <p:nvPr/>
+      </p:nvGrpSpPr>
+      <p:grpSpPr>
+        <a:xfrm>
+          <a:off x="0" y="0"/>
+          <a:ext cx="0" cy="0"/>
+          <a:chOff x="0" y="0"/>
+          <a:chExt cx="0" cy="0"/>
+        </a:xfrm>
+      </p:grpSpPr>
+      <p:sp>
+        <p:nvSpPr>
+          <p:cNvPr id="127" name="Google Shape;127;p16"/>
+          <p:cNvSpPr txBox="1">
+            <a:spLocks noGrp="1"/>
+          </p:cNvSpPr>
+          <p:nvPr>
+            <p:ph type="body" idx="1"/>
+          </p:nvPr>
+        </p:nvSpPr>
+        <p:spPr>
+          <a:xfrm>
+            <a:off x="323522" y="2314975"/>
+            <a:ext cx="7848900" cy="4248600"/>
+          </a:xfrm>
+          <a:prstGeom prst="rect">
+            <a:avLst/>
+          </a:prstGeom>
+          <a:noFill/>
+          <a:ln>
+            <a:noFill/>
+          </a:ln>
+        </p:spPr>
+        <p:txBody>
+          <a:bodyPr spcFirstLastPara="1" wrap="square" lIns="0" tIns="0" rIns="0" bIns="0" anchor="t" anchorCtr="0">
+            <a:noAutofit/>
+          </a:bodyPr>
+          <a:lstStyle/>
+          <a:p>
+            <a:pPr marL="457200" marR="0" lvl="0" indent="-355600" algn="l" rtl="0">
+              <a:lnSpc>
+                <a:spcPct val="100000"/>
+              </a:lnSpc>
+              <a:spcBef>
+                <a:spcPts val="200"/>
+              </a:spcBef>
+              <a:spcAft>
+                <a:spcPts val="0"/>
+              </a:spcAft>
+              <a:buSzPts val="2000"/>
+              <a:buChar char="●"/>
+            </a:pPr>
+            <a:r>
+              <a:rPr lang="it-IT" sz="2800"/>
+              <a:t>Enhance LLM capabilities</a:t>
+            </a:r>
+            <a:endParaRPr sz="2000"/>
+          </a:p>
+          <a:p>
+            <a:pPr marL="457200" lvl="0" indent="-355600" algn="l" rtl="0">
+              <a:spcBef>
+                <a:spcPts val="200"/>
+              </a:spcBef>
+              <a:spcAft>
+                <a:spcPts val="0"/>
+              </a:spcAft>
+              <a:buSzPts val="2000"/>
+              <a:buChar char="●"/>
+            </a:pPr>
+            <a:r>
+              <a:rPr lang="it-IT" sz="2800"/>
+              <a:t>Efficient prompt message crafting</a:t>
+            </a:r>
+            <a:endParaRPr sz="2800"/>
+          </a:p>
+          <a:p>
+            <a:pPr marL="457200" lvl="0" indent="-355600" algn="l" rtl="0">
+              <a:spcBef>
+                <a:spcPts val="200"/>
+              </a:spcBef>
+              <a:spcAft>
+                <a:spcPts val="0"/>
+              </a:spcAft>
+              <a:buSzPts val="2000"/>
+              <a:buChar char="●"/>
+            </a:pPr>
+            <a:r>
+              <a:rPr lang="it-IT" sz="2800"/>
+              <a:t>Clear and specific instructions</a:t>
+            </a:r>
+            <a:endParaRPr sz="2800"/>
+          </a:p>
+          <a:p>
+            <a:pPr marL="914400" lvl="1" indent="-355600" algn="l" rtl="0">
+              <a:spcBef>
+                <a:spcPts val="200"/>
+              </a:spcBef>
+              <a:spcAft>
+                <a:spcPts val="0"/>
+              </a:spcAft>
+              <a:buSzPts val="2000"/>
+              <a:buChar char="○"/>
+            </a:pPr>
+            <a:r>
+              <a:rPr lang="it-IT"/>
+              <a:t>Delimiters #,“”,&lt;tag&gt;&lt;/tag&gt;,()</a:t>
+            </a:r>
+            <a:endParaRPr/>
+          </a:p>
+          <a:p>
+            <a:pPr marL="914400" lvl="1" indent="-355600" algn="l" rtl="0">
+              <a:spcBef>
+                <a:spcPts val="200"/>
+              </a:spcBef>
+              <a:spcAft>
+                <a:spcPts val="0"/>
+              </a:spcAft>
+              <a:buSzPts val="2000"/>
+              <a:buChar char="○"/>
+            </a:pPr>
+            <a:r>
+              <a:rPr lang="it-IT"/>
+              <a:t>Structured output</a:t>
+            </a:r>
+            <a:endParaRPr sz="2000"/>
+          </a:p>
+          <a:p>
+            <a:pPr marL="457200" lvl="0" indent="-355600" algn="l" rtl="0">
+              <a:spcBef>
+                <a:spcPts val="200"/>
+              </a:spcBef>
+              <a:spcAft>
+                <a:spcPts val="0"/>
+              </a:spcAft>
+              <a:buSzPts val="2000"/>
+              <a:buChar char="●"/>
+            </a:pPr>
+            <a:r>
+              <a:rPr lang="it-IT" sz="2800" i="1"/>
+              <a:t>Few-shot prompting</a:t>
+            </a:r>
+            <a:endParaRPr sz="2800" i="1"/>
+          </a:p>
+          <a:p>
+            <a:pPr marL="457200" lvl="0" indent="-355600" algn="l" rtl="0">
+              <a:spcBef>
+                <a:spcPts val="200"/>
+              </a:spcBef>
+              <a:spcAft>
+                <a:spcPts val="0"/>
+              </a:spcAft>
+              <a:buSzPts val="2000"/>
+              <a:buChar char="●"/>
+            </a:pPr>
+            <a:r>
+              <a:rPr lang="it-IT" sz="2800"/>
+              <a:t>Time to “think”</a:t>
+            </a:r>
+            <a:endParaRPr sz="2800"/>
+          </a:p>
+          <a:p>
+            <a:pPr marL="914400" lvl="1" indent="-355600" algn="l" rtl="0">
+              <a:spcBef>
+                <a:spcPts val="200"/>
+              </a:spcBef>
+              <a:spcAft>
+                <a:spcPts val="0"/>
+              </a:spcAft>
+              <a:buSzPts val="2000"/>
+              <a:buChar char="○"/>
+            </a:pPr>
+            <a:r>
+              <a:rPr lang="it-IT"/>
+              <a:t>Step-by-step answer</a:t>
+            </a:r>
+            <a:endParaRPr/>
+          </a:p>
+          <a:p>
+            <a:pPr marL="914400" lvl="1" indent="-355600" algn="l" rtl="0">
+              <a:spcBef>
+                <a:spcPts val="200"/>
+              </a:spcBef>
+              <a:spcAft>
+                <a:spcPts val="200"/>
+              </a:spcAft>
+              <a:buSzPts val="2000"/>
+              <a:buChar char="○"/>
+            </a:pPr>
+            <a:r>
+              <a:rPr lang="it-IT"/>
+              <a:t>Work out own solution</a:t>
+            </a:r>
+            <a:endParaRPr/>
+          </a:p>
+        </p:txBody>
+      </p:sp>
+      <p:sp>
+        <p:nvSpPr>
+          <p:cNvPr id="128" name="Google Shape;128;p16"/>
+          <p:cNvSpPr txBox="1">
+            <a:spLocks noGrp="1"/>
+          </p:cNvSpPr>
+          <p:nvPr>
+            <p:ph type="body" idx="2"/>
+          </p:nvPr>
+        </p:nvSpPr>
+        <p:spPr>
+          <a:xfrm>
+            <a:off x="323528" y="1203808"/>
+            <a:ext cx="7848900" cy="929100"/>
+          </a:xfrm>
+          <a:prstGeom prst="rect">
+            <a:avLst/>
+          </a:prstGeom>
+          <a:noFill/>
+          <a:ln>
+            <a:noFill/>
+          </a:ln>
+        </p:spPr>
+        <p:txBody>
+          <a:bodyPr spcFirstLastPara="1" wrap="square" lIns="0" tIns="0" rIns="0" bIns="0" anchor="t" anchorCtr="0">
+            <a:noAutofit/>
+          </a:bodyPr>
+          <a:lstStyle/>
+          <a:p>
+            <a:pPr marL="342900" marR="0" lvl="0" indent="-342900" algn="l" rtl="0">
+              <a:lnSpc>
+                <a:spcPct val="100000"/>
+              </a:lnSpc>
+              <a:spcBef>
+                <a:spcPts val="0"/>
+              </a:spcBef>
+              <a:spcAft>
+                <a:spcPts val="0"/>
+              </a:spcAft>
+              <a:buClr>
+                <a:srgbClr val="69A425"/>
+              </a:buClr>
+              <a:buSzPts val="2700"/>
+              <a:buFont typeface="Arial"/>
+              <a:buNone/>
+            </a:pPr>
+            <a:r>
               <a:rPr lang="it-IT" sz="4000"/>
-              <a:t>Data Collection Flow</a:t>
+              <a:t>Prompt Engineering</a:t>
             </a:r>
             <a:endParaRPr sz="4000"/>
           </a:p>
@@ -11109,7 +12405,7 @@
       </p:sp>
       <p:pic>
         <p:nvPicPr>
-          <p:cNvPr id="131" name="Google Shape;131;p16"/>
+          <p:cNvPr id="129" name="Google Shape;129;p16"/>
           <p:cNvPicPr preferRelativeResize="0"/>
           <p:nvPr/>
         </p:nvPicPr>
@@ -11123,8 +12419,160 @@
         </p:blipFill>
         <p:spPr>
           <a:xfrm>
-            <a:off x="115200" y="2314975"/>
-            <a:ext cx="8481475" cy="3027325"/>
+            <a:off x="6020025" y="3939400"/>
+            <a:ext cx="2265075" cy="2265075"/>
+          </a:xfrm>
+          <a:prstGeom prst="rect">
+            <a:avLst/>
+          </a:prstGeom>
+          <a:noFill/>
+          <a:ln>
+            <a:noFill/>
+          </a:ln>
+        </p:spPr>
+      </p:pic>
+    </p:spTree>
+  </p:cSld>
+  <p:clrMapOvr>
+    <a:masterClrMapping/>
+  </p:clrMapOvr>
+</p:sld>
+</file>
+
+<file path=ppt/slides/slide13.xml><?xml version="1.0" encoding="utf-8"?>
+<p:sld xmlns:a="http://schemas.openxmlformats.org/drawingml/2006/main" xmlns:r="http://schemas.openxmlformats.org/officeDocument/2006/relationships" xmlns:p="http://schemas.openxmlformats.org/presentationml/2006/main">
+  <p:cSld>
+    <p:spTree>
+      <p:nvGrpSpPr>
+        <p:cNvPr id="1" name="Shape 133"/>
+        <p:cNvGrpSpPr/>
+        <p:nvPr/>
+      </p:nvGrpSpPr>
+      <p:grpSpPr>
+        <a:xfrm>
+          <a:off x="0" y="0"/>
+          <a:ext cx="0" cy="0"/>
+          <a:chOff x="0" y="0"/>
+          <a:chExt cx="0" cy="0"/>
+        </a:xfrm>
+      </p:grpSpPr>
+      <p:sp>
+        <p:nvSpPr>
+          <p:cNvPr id="134" name="Google Shape;134;p17"/>
+          <p:cNvSpPr txBox="1">
+            <a:spLocks noGrp="1"/>
+          </p:cNvSpPr>
+          <p:nvPr>
+            <p:ph type="body" idx="1"/>
+          </p:nvPr>
+        </p:nvSpPr>
+        <p:spPr>
+          <a:xfrm>
+            <a:off x="323522" y="2314975"/>
+            <a:ext cx="7848900" cy="4248600"/>
+          </a:xfrm>
+          <a:prstGeom prst="rect">
+            <a:avLst/>
+          </a:prstGeom>
+          <a:noFill/>
+          <a:ln>
+            <a:noFill/>
+          </a:ln>
+        </p:spPr>
+        <p:txBody>
+          <a:bodyPr spcFirstLastPara="1" wrap="square" lIns="0" tIns="0" rIns="0" bIns="0" anchor="t" anchorCtr="0">
+            <a:noAutofit/>
+          </a:bodyPr>
+          <a:lstStyle/>
+          <a:p>
+            <a:pPr marL="457200" marR="0" lvl="0" indent="0" algn="l" rtl="0">
+              <a:lnSpc>
+                <a:spcPct val="100000"/>
+              </a:lnSpc>
+              <a:spcBef>
+                <a:spcPts val="200"/>
+              </a:spcBef>
+              <a:spcAft>
+                <a:spcPts val="200"/>
+              </a:spcAft>
+              <a:buNone/>
+            </a:pPr>
+            <a:endParaRPr/>
+          </a:p>
+        </p:txBody>
+      </p:sp>
+      <p:sp>
+        <p:nvSpPr>
+          <p:cNvPr id="135" name="Google Shape;135;p17"/>
+          <p:cNvSpPr txBox="1">
+            <a:spLocks noGrp="1"/>
+          </p:cNvSpPr>
+          <p:nvPr>
+            <p:ph type="body" idx="2"/>
+          </p:nvPr>
+        </p:nvSpPr>
+        <p:spPr>
+          <a:xfrm>
+            <a:off x="323528" y="1203808"/>
+            <a:ext cx="7848900" cy="929100"/>
+          </a:xfrm>
+          <a:prstGeom prst="rect">
+            <a:avLst/>
+          </a:prstGeom>
+          <a:noFill/>
+          <a:ln>
+            <a:noFill/>
+          </a:ln>
+        </p:spPr>
+        <p:txBody>
+          <a:bodyPr spcFirstLastPara="1" wrap="square" lIns="0" tIns="0" rIns="0" bIns="0" anchor="t" anchorCtr="0">
+            <a:noAutofit/>
+          </a:bodyPr>
+          <a:lstStyle/>
+          <a:p>
+            <a:pPr marL="342900" marR="0" lvl="0" indent="-342900" algn="l" rtl="0">
+              <a:lnSpc>
+                <a:spcPct val="100000"/>
+              </a:lnSpc>
+              <a:spcBef>
+                <a:spcPts val="0"/>
+              </a:spcBef>
+              <a:spcAft>
+                <a:spcPts val="0"/>
+              </a:spcAft>
+              <a:buClr>
+                <a:srgbClr val="69A425"/>
+              </a:buClr>
+              <a:buSzPts val="2700"/>
+              <a:buFont typeface="Arial"/>
+              <a:buNone/>
+            </a:pPr>
+            <a:r>
+              <a:rPr lang="it-IT" sz="4000"/>
+              <a:t>General Process Flow</a:t>
+            </a:r>
+            <a:endParaRPr sz="4000"/>
+          </a:p>
+        </p:txBody>
+      </p:sp>
+      <p:pic>
+        <p:nvPicPr>
+          <p:cNvPr id="136" name="Google Shape;136;p17"/>
+          <p:cNvPicPr preferRelativeResize="0"/>
+          <p:nvPr/>
+        </p:nvPicPr>
+        <p:blipFill>
+          <a:blip r:embed="rId3">
+            <a:alphaModFix/>
+          </a:blip>
+          <a:stretch>
+            <a:fillRect/>
+          </a:stretch>
+        </p:blipFill>
+        <p:spPr>
+          <a:xfrm>
+            <a:off x="771375" y="2523650"/>
+            <a:ext cx="6658751" cy="3199650"/>
           </a:xfrm>
           <a:prstGeom prst="rect">
             <a:avLst/>
@@ -11137,13 +12585,13 @@
       </p:pic>
       <p:sp>
         <p:nvSpPr>
-          <p:cNvPr id="132" name="Google Shape;132;p16"/>
+          <p:cNvPr id="137" name="Google Shape;137;p17"/>
           <p:cNvSpPr/>
           <p:nvPr/>
         </p:nvSpPr>
         <p:spPr>
           <a:xfrm>
-            <a:off x="64475" y="3204525"/>
+            <a:off x="771375" y="3503375"/>
             <a:ext cx="2046300" cy="1240200"/>
           </a:xfrm>
           <a:prstGeom prst="rect">
@@ -11181,13 +12629,13 @@
       </p:sp>
       <p:sp>
         <p:nvSpPr>
-          <p:cNvPr id="133" name="Google Shape;133;p16"/>
+          <p:cNvPr id="138" name="Google Shape;138;p17"/>
           <p:cNvSpPr/>
           <p:nvPr/>
         </p:nvSpPr>
         <p:spPr>
           <a:xfrm>
-            <a:off x="2225900" y="3204525"/>
+            <a:off x="3077600" y="3503375"/>
             <a:ext cx="2046300" cy="1240200"/>
           </a:xfrm>
           <a:prstGeom prst="rect">
@@ -11225,13 +12673,13 @@
       </p:sp>
       <p:sp>
         <p:nvSpPr>
-          <p:cNvPr id="134" name="Google Shape;134;p16"/>
+          <p:cNvPr id="139" name="Google Shape;139;p17"/>
           <p:cNvSpPr/>
           <p:nvPr/>
         </p:nvSpPr>
         <p:spPr>
           <a:xfrm>
-            <a:off x="4387325" y="3208538"/>
+            <a:off x="5383825" y="3503375"/>
             <a:ext cx="2046300" cy="1240200"/>
           </a:xfrm>
           <a:prstGeom prst="rect">
@@ -11267,50 +12715,34 @@
           </a:p>
         </p:txBody>
       </p:sp>
-      <p:sp>
-        <p:nvSpPr>
-          <p:cNvPr id="135" name="Google Shape;135;p16"/>
-          <p:cNvSpPr/>
+      <p:pic>
+        <p:nvPicPr>
+          <p:cNvPr id="140" name="Google Shape;140;p17"/>
+          <p:cNvPicPr preferRelativeResize="0"/>
           <p:nvPr/>
-        </p:nvSpPr>
+        </p:nvPicPr>
+        <p:blipFill>
+          <a:blip r:embed="rId4">
+            <a:alphaModFix/>
+          </a:blip>
+          <a:stretch>
+            <a:fillRect/>
+          </a:stretch>
+        </p:blipFill>
         <p:spPr>
           <a:xfrm>
-            <a:off x="6610750" y="3204513"/>
-            <a:ext cx="2046300" cy="1240200"/>
+            <a:off x="5383825" y="3535713"/>
+            <a:ext cx="2046301" cy="1175535"/>
           </a:xfrm>
           <a:prstGeom prst="rect">
             <a:avLst/>
           </a:prstGeom>
           <a:noFill/>
-          <a:ln w="38100" cap="flat" cmpd="sng">
-            <a:solidFill>
-              <a:srgbClr val="FF0000"/>
-            </a:solidFill>
-            <a:prstDash val="solid"/>
-            <a:round/>
-            <a:headEnd type="none" w="sm" len="sm"/>
-            <a:tailEnd type="none" w="sm" len="sm"/>
+          <a:ln>
+            <a:noFill/>
           </a:ln>
         </p:spPr>
-        <p:txBody>
-          <a:bodyPr spcFirstLastPara="1" wrap="square" lIns="91425" tIns="91425" rIns="91425" bIns="91425" anchor="ctr" anchorCtr="0">
-            <a:noAutofit/>
-          </a:bodyPr>
-          <a:lstStyle/>
-          <a:p>
-            <a:pPr marL="0" lvl="0" indent="0" algn="l" rtl="0">
-              <a:spcBef>
-                <a:spcPts val="0"/>
-              </a:spcBef>
-              <a:spcAft>
-                <a:spcPts val="0"/>
-              </a:spcAft>
-              <a:buNone/>
-            </a:pPr>
-            <a:endParaRPr/>
-          </a:p>
-        </p:txBody>
-      </p:sp>
+      </p:pic>
     </p:spTree>
   </p:cSld>
   <p:clrMapOvr>
@@ -11350,7 +12782,7 @@
                                           </p:stCondLst>
                                         </p:cTn>
                                         <p:tgtEl>
-                                          <p:spTgt spid="132"/>
+                                          <p:spTgt spid="137"/>
                                         </p:tgtEl>
                                         <p:attrNameLst>
                                           <p:attrName>style.visibility</p:attrName>
@@ -11364,7 +12796,7 @@
                                       <p:cBhvr>
                                         <p:cTn id="7" dur="100"/>
                                         <p:tgtEl>
-                                          <p:spTgt spid="132"/>
+                                          <p:spTgt spid="137"/>
                                         </p:tgtEl>
                                       </p:cBhvr>
                                     </p:animEffect>
@@ -11403,7 +12835,7 @@
                                           </p:stCondLst>
                                         </p:cTn>
                                         <p:tgtEl>
-                                          <p:spTgt spid="133"/>
+                                          <p:spTgt spid="138"/>
                                         </p:tgtEl>
                                         <p:attrNameLst>
                                           <p:attrName>style.visibility</p:attrName>
@@ -11417,7 +12849,7 @@
                                       <p:cBhvr>
                                         <p:cTn id="12" dur="100"/>
                                         <p:tgtEl>
-                                          <p:spTgt spid="133"/>
+                                          <p:spTgt spid="138"/>
                                         </p:tgtEl>
                                       </p:cBhvr>
                                     </p:animEffect>
@@ -11434,7 +12866,7 @@
                                       <p:cBhvr>
                                         <p:cTn id="14" dur="100"/>
                                         <p:tgtEl>
-                                          <p:spTgt spid="132"/>
+                                          <p:spTgt spid="137"/>
                                         </p:tgtEl>
                                       </p:cBhvr>
                                     </p:animEffect>
@@ -11446,7 +12878,7 @@
                                           </p:stCondLst>
                                         </p:cTn>
                                         <p:tgtEl>
-                                          <p:spTgt spid="132"/>
+                                          <p:spTgt spid="137"/>
                                         </p:tgtEl>
                                         <p:attrNameLst>
                                           <p:attrName>style.visibility</p:attrName>
@@ -11491,7 +12923,7 @@
                                           </p:stCondLst>
                                         </p:cTn>
                                         <p:tgtEl>
-                                          <p:spTgt spid="134"/>
+                                          <p:spTgt spid="139"/>
                                         </p:tgtEl>
                                         <p:attrNameLst>
                                           <p:attrName>style.visibility</p:attrName>
@@ -11505,7 +12937,7 @@
                                       <p:cBhvr>
                                         <p:cTn id="20" dur="100"/>
                                         <p:tgtEl>
-                                          <p:spTgt spid="134"/>
+                                          <p:spTgt spid="139"/>
                                         </p:tgtEl>
                                       </p:cBhvr>
                                     </p:animEffect>
@@ -11522,7 +12954,7 @@
                                       <p:cBhvr>
                                         <p:cTn id="22" dur="100"/>
                                         <p:tgtEl>
-                                          <p:spTgt spid="133"/>
+                                          <p:spTgt spid="138"/>
                                         </p:tgtEl>
                                       </p:cBhvr>
                                     </p:animEffect>
@@ -11534,95 +12966,7 @@
                                           </p:stCondLst>
                                         </p:cTn>
                                         <p:tgtEl>
-                                          <p:spTgt spid="133"/>
-                                        </p:tgtEl>
-                                        <p:attrNameLst>
-                                          <p:attrName>style.visibility</p:attrName>
-                                        </p:attrNameLst>
-                                      </p:cBhvr>
-                                      <p:to>
-                                        <p:strVal val="hidden"/>
-                                      </p:to>
-                                    </p:set>
-                                  </p:childTnLst>
-                                </p:cTn>
-                              </p:par>
-                            </p:childTnLst>
-                          </p:cTn>
-                        </p:par>
-                      </p:childTnLst>
-                    </p:cTn>
-                  </p:par>
-                  <p:par>
-                    <p:cTn id="24" fill="hold">
-                      <p:stCondLst>
-                        <p:cond delay="indefinite"/>
-                      </p:stCondLst>
-                      <p:childTnLst>
-                        <p:par>
-                          <p:cTn id="25" fill="hold">
-                            <p:stCondLst>
-                              <p:cond delay="0"/>
-                            </p:stCondLst>
-                            <p:childTnLst>
-                              <p:par>
-                                <p:cTn id="26" presetID="10" presetClass="entr" presetSubtype="0" fill="hold" nodeType="clickEffect">
-                                  <p:stCondLst>
-                                    <p:cond delay="0"/>
-                                  </p:stCondLst>
-                                  <p:childTnLst>
-                                    <p:set>
-                                      <p:cBhvr>
-                                        <p:cTn id="27" dur="1" fill="hold">
-                                          <p:stCondLst>
-                                            <p:cond delay="0"/>
-                                          </p:stCondLst>
-                                        </p:cTn>
-                                        <p:tgtEl>
-                                          <p:spTgt spid="135"/>
-                                        </p:tgtEl>
-                                        <p:attrNameLst>
-                                          <p:attrName>style.visibility</p:attrName>
-                                        </p:attrNameLst>
-                                      </p:cBhvr>
-                                      <p:to>
-                                        <p:strVal val="visible"/>
-                                      </p:to>
-                                    </p:set>
-                                    <p:animEffect transition="in" filter="fade">
-                                      <p:cBhvr>
-                                        <p:cTn id="28" dur="100"/>
-                                        <p:tgtEl>
-                                          <p:spTgt spid="135"/>
-                                        </p:tgtEl>
-                                      </p:cBhvr>
-                                    </p:animEffect>
-                                  </p:childTnLst>
-                                </p:cTn>
-                              </p:par>
-                              <p:par>
-                                <p:cTn id="29" presetID="10" presetClass="exit" presetSubtype="0" fill="hold" nodeType="withEffect">
-                                  <p:stCondLst>
-                                    <p:cond delay="0"/>
-                                  </p:stCondLst>
-                                  <p:childTnLst>
-                                    <p:animEffect transition="out" filter="fade">
-                                      <p:cBhvr>
-                                        <p:cTn id="30" dur="100"/>
-                                        <p:tgtEl>
-                                          <p:spTgt spid="134"/>
-                                        </p:tgtEl>
-                                      </p:cBhvr>
-                                    </p:animEffect>
-                                    <p:set>
-                                      <p:cBhvr>
-                                        <p:cTn id="31" dur="1" fill="hold">
-                                          <p:stCondLst>
-                                            <p:cond delay="100"/>
-                                          </p:stCondLst>
-                                        </p:cTn>
-                                        <p:tgtEl>
-                                          <p:spTgt spid="134"/>
+                                          <p:spTgt spid="138"/>
                                         </p:tgtEl>
                                         <p:attrNameLst>
                                           <p:attrName>style.visibility</p:attrName>
@@ -11666,12 +13010,12 @@
 </p:sld>
 </file>
 
-<file path=ppt/slides/slide12.xml><?xml version="1.0" encoding="utf-8"?>
+<file path=ppt/slides/slide14.xml><?xml version="1.0" encoding="utf-8"?>
 <p:sld xmlns:a="http://schemas.openxmlformats.org/drawingml/2006/main" xmlns:r="http://schemas.openxmlformats.org/officeDocument/2006/relationships" xmlns:p="http://schemas.openxmlformats.org/presentationml/2006/main">
   <p:cSld>
     <p:spTree>
       <p:nvGrpSpPr>
-        <p:cNvPr id="1" name="Shape 139"/>
+        <p:cNvPr id="1" name="Shape 144"/>
         <p:cNvGrpSpPr/>
         <p:nvPr/>
       </p:nvGrpSpPr>
@@ -11685,7 +13029,7 @@
       </p:grpSpPr>
       <p:sp>
         <p:nvSpPr>
-          <p:cNvPr id="140" name="Google Shape;140;p17"/>
+          <p:cNvPr id="145" name="Google Shape;145;p18"/>
           <p:cNvSpPr txBox="1">
             <a:spLocks noGrp="1"/>
           </p:cNvSpPr>
@@ -11712,7 +13056,7 @@
           </a:bodyPr>
           <a:lstStyle/>
           <a:p>
-            <a:pPr marL="457200" marR="0" lvl="0" indent="0" algn="l" rtl="0">
+            <a:pPr marL="457200" marR="0" lvl="0" indent="-355600" algn="l" rtl="0">
               <a:lnSpc>
                 <a:spcPct val="100000"/>
               </a:lnSpc>
@@ -11720,17 +13064,162 @@
                 <a:spcPts val="200"/>
               </a:spcBef>
               <a:spcAft>
+                <a:spcPts val="0"/>
+              </a:spcAft>
+              <a:buSzPts val="2000"/>
+              <a:buChar char="●"/>
+            </a:pPr>
+            <a:r>
+              <a:rPr lang="it-IT" sz="2800"/>
+              <a:t>Textual data</a:t>
+            </a:r>
+            <a:endParaRPr sz="2800"/>
+          </a:p>
+          <a:p>
+            <a:pPr marL="0" marR="0" lvl="0" indent="0" algn="l" rtl="0">
+              <a:lnSpc>
+                <a:spcPct val="100000"/>
+              </a:lnSpc>
+              <a:spcBef>
                 <a:spcPts val="200"/>
+              </a:spcBef>
+              <a:spcAft>
+                <a:spcPts val="0"/>
               </a:spcAft>
               <a:buNone/>
             </a:pPr>
-            <a:endParaRPr/>
+            <a:endParaRPr sz="2000"/>
+          </a:p>
+          <a:p>
+            <a:pPr marL="457200" marR="0" lvl="0" indent="-355600" algn="l" rtl="0">
+              <a:lnSpc>
+                <a:spcPct val="100000"/>
+              </a:lnSpc>
+              <a:spcBef>
+                <a:spcPts val="200"/>
+              </a:spcBef>
+              <a:spcAft>
+                <a:spcPts val="0"/>
+              </a:spcAft>
+              <a:buSzPts val="2000"/>
+              <a:buChar char="●"/>
+            </a:pPr>
+            <a:r>
+              <a:rPr lang="it-IT" sz="2800"/>
+              <a:t>PubMed articles</a:t>
+            </a:r>
+            <a:endParaRPr sz="2800"/>
+          </a:p>
+          <a:p>
+            <a:pPr marL="0" marR="0" lvl="0" indent="0" algn="l" rtl="0">
+              <a:lnSpc>
+                <a:spcPct val="100000"/>
+              </a:lnSpc>
+              <a:spcBef>
+                <a:spcPts val="200"/>
+              </a:spcBef>
+              <a:spcAft>
+                <a:spcPts val="0"/>
+              </a:spcAft>
+              <a:buNone/>
+            </a:pPr>
+            <a:endParaRPr sz="2000"/>
+          </a:p>
+          <a:p>
+            <a:pPr marL="457200" marR="0" lvl="0" indent="-355600" algn="l" rtl="0">
+              <a:lnSpc>
+                <a:spcPct val="100000"/>
+              </a:lnSpc>
+              <a:spcBef>
+                <a:spcPts val="200"/>
+              </a:spcBef>
+              <a:spcAft>
+                <a:spcPts val="0"/>
+              </a:spcAft>
+              <a:buSzPts val="2000"/>
+              <a:buChar char="●"/>
+            </a:pPr>
+            <a:r>
+              <a:rPr lang="it-IT" sz="2800"/>
+              <a:t>Official API</a:t>
+            </a:r>
+            <a:endParaRPr sz="2800"/>
+          </a:p>
+          <a:p>
+            <a:pPr marL="0" marR="0" lvl="0" indent="0" algn="l" rtl="0">
+              <a:lnSpc>
+                <a:spcPct val="100000"/>
+              </a:lnSpc>
+              <a:spcBef>
+                <a:spcPts val="200"/>
+              </a:spcBef>
+              <a:spcAft>
+                <a:spcPts val="0"/>
+              </a:spcAft>
+              <a:buNone/>
+            </a:pPr>
+            <a:endParaRPr sz="2000"/>
+          </a:p>
+          <a:p>
+            <a:pPr marL="457200" marR="0" lvl="0" indent="-355600" algn="l" rtl="0">
+              <a:lnSpc>
+                <a:spcPct val="100000"/>
+              </a:lnSpc>
+              <a:spcBef>
+                <a:spcPts val="200"/>
+              </a:spcBef>
+              <a:spcAft>
+                <a:spcPts val="0"/>
+              </a:spcAft>
+              <a:buSzPts val="2000"/>
+              <a:buChar char="●"/>
+            </a:pPr>
+            <a:r>
+              <a:rPr lang="it-IT" sz="2800"/>
+              <a:t>Search by terms</a:t>
+            </a:r>
+            <a:endParaRPr sz="2800"/>
+          </a:p>
+          <a:p>
+            <a:pPr marL="0" marR="0" lvl="0" indent="0" algn="l" rtl="0">
+              <a:lnSpc>
+                <a:spcPct val="100000"/>
+              </a:lnSpc>
+              <a:spcBef>
+                <a:spcPts val="200"/>
+              </a:spcBef>
+              <a:spcAft>
+                <a:spcPts val="0"/>
+              </a:spcAft>
+              <a:buNone/>
+            </a:pPr>
+            <a:endParaRPr sz="2000"/>
+          </a:p>
+          <a:p>
+            <a:pPr marL="457200" marR="0" lvl="0" indent="-355600" algn="l" rtl="0">
+              <a:lnSpc>
+                <a:spcPct val="100000"/>
+              </a:lnSpc>
+              <a:spcBef>
+                <a:spcPts val="200"/>
+              </a:spcBef>
+              <a:spcAft>
+                <a:spcPts val="0"/>
+              </a:spcAft>
+              <a:buSzPts val="2000"/>
+              <a:buChar char="●"/>
+            </a:pPr>
+            <a:r>
+              <a:rPr lang="it-IT" sz="2800"/>
+              <a:t>Abstract extraction</a:t>
+            </a:r>
+            <a:endParaRPr sz="2800"/>
           </a:p>
         </p:txBody>
       </p:sp>
       <p:sp>
         <p:nvSpPr>
-          <p:cNvPr id="141" name="Google Shape;141;p17"/>
+          <p:cNvPr id="146" name="Google Shape;146;p18"/>
           <p:cNvSpPr txBox="1">
             <a:spLocks noGrp="1"/>
           </p:cNvSpPr>
@@ -11776,7 +13265,7 @@
             </a:pPr>
             <a:r>
               <a:rPr lang="it-IT" sz="4000"/>
-              <a:t>General Process Flow</a:t>
+              <a:t>Data Collection Process</a:t>
             </a:r>
             <a:endParaRPr sz="4000"/>
           </a:p>
@@ -11784,7 +13273,7 @@
       </p:sp>
       <p:pic>
         <p:nvPicPr>
-          <p:cNvPr id="142" name="Google Shape;142;p17"/>
+          <p:cNvPr id="147" name="Google Shape;147;p18"/>
           <p:cNvPicPr preferRelativeResize="0"/>
           <p:nvPr/>
         </p:nvPicPr>
@@ -11798,8 +13287,8 @@
         </p:blipFill>
         <p:spPr>
           <a:xfrm>
-            <a:off x="771375" y="2523650"/>
-            <a:ext cx="6658751" cy="3199650"/>
+            <a:off x="5474450" y="2874225"/>
+            <a:ext cx="2274450" cy="2274450"/>
           </a:xfrm>
           <a:prstGeom prst="rect">
             <a:avLst/>
@@ -11810,226 +13299,20 @@
           </a:ln>
         </p:spPr>
       </p:pic>
-      <p:sp>
-        <p:nvSpPr>
-          <p:cNvPr id="143" name="Google Shape;143;p17"/>
-          <p:cNvSpPr/>
-          <p:nvPr/>
-        </p:nvSpPr>
-        <p:spPr>
-          <a:xfrm>
-            <a:off x="771375" y="3503375"/>
-            <a:ext cx="2046300" cy="1240200"/>
-          </a:xfrm>
-          <a:prstGeom prst="rect">
-            <a:avLst/>
-          </a:prstGeom>
-          <a:noFill/>
-          <a:ln w="38100" cap="flat" cmpd="sng">
-            <a:solidFill>
-              <a:srgbClr val="FF0000"/>
-            </a:solidFill>
-            <a:prstDash val="solid"/>
-            <a:round/>
-            <a:headEnd type="none" w="sm" len="sm"/>
-            <a:tailEnd type="none" w="sm" len="sm"/>
-          </a:ln>
-        </p:spPr>
-        <p:txBody>
-          <a:bodyPr spcFirstLastPara="1" wrap="square" lIns="91425" tIns="91425" rIns="91425" bIns="91425" anchor="ctr" anchorCtr="0">
-            <a:noAutofit/>
-          </a:bodyPr>
-          <a:lstStyle/>
-          <a:p>
-            <a:pPr marL="0" lvl="0" indent="0" algn="l" rtl="0">
-              <a:spcBef>
-                <a:spcPts val="0"/>
-              </a:spcBef>
-              <a:spcAft>
-                <a:spcPts val="0"/>
-              </a:spcAft>
-              <a:buNone/>
-            </a:pPr>
-            <a:endParaRPr/>
-          </a:p>
-        </p:txBody>
-      </p:sp>
-      <p:sp>
-        <p:nvSpPr>
-          <p:cNvPr id="144" name="Google Shape;144;p17"/>
-          <p:cNvSpPr/>
-          <p:nvPr/>
-        </p:nvSpPr>
-        <p:spPr>
-          <a:xfrm>
-            <a:off x="3077600" y="3503375"/>
-            <a:ext cx="2046300" cy="1240200"/>
-          </a:xfrm>
-          <a:prstGeom prst="rect">
-            <a:avLst/>
-          </a:prstGeom>
-          <a:noFill/>
-          <a:ln w="38100" cap="flat" cmpd="sng">
-            <a:solidFill>
-              <a:srgbClr val="FF0000"/>
-            </a:solidFill>
-            <a:prstDash val="solid"/>
-            <a:round/>
-            <a:headEnd type="none" w="sm" len="sm"/>
-            <a:tailEnd type="none" w="sm" len="sm"/>
-          </a:ln>
-        </p:spPr>
-        <p:txBody>
-          <a:bodyPr spcFirstLastPara="1" wrap="square" lIns="91425" tIns="91425" rIns="91425" bIns="91425" anchor="ctr" anchorCtr="0">
-            <a:noAutofit/>
-          </a:bodyPr>
-          <a:lstStyle/>
-          <a:p>
-            <a:pPr marL="0" lvl="0" indent="0" algn="l" rtl="0">
-              <a:spcBef>
-                <a:spcPts val="0"/>
-              </a:spcBef>
-              <a:spcAft>
-                <a:spcPts val="0"/>
-              </a:spcAft>
-              <a:buNone/>
-            </a:pPr>
-            <a:endParaRPr/>
-          </a:p>
-        </p:txBody>
-      </p:sp>
     </p:spTree>
   </p:cSld>
   <p:clrMapOvr>
     <a:masterClrMapping/>
   </p:clrMapOvr>
-  <p:timing>
-    <p:tnLst>
-      <p:par>
-        <p:cTn id="1" dur="indefinite" restart="never" nodeType="tmRoot">
-          <p:childTnLst>
-            <p:seq concurrent="1" nextAc="seek">
-              <p:cTn id="2" dur="indefinite" nodeType="mainSeq">
-                <p:childTnLst>
-                  <p:par>
-                    <p:cTn id="3" fill="hold">
-                      <p:stCondLst>
-                        <p:cond delay="indefinite"/>
-                      </p:stCondLst>
-                      <p:childTnLst>
-                        <p:par>
-                          <p:cTn id="4" fill="hold">
-                            <p:stCondLst>
-                              <p:cond delay="0"/>
-                            </p:stCondLst>
-                            <p:childTnLst>
-                              <p:par>
-                                <p:cTn id="5" presetID="10" presetClass="entr" presetSubtype="0" fill="hold" nodeType="clickEffect">
-                                  <p:stCondLst>
-                                    <p:cond delay="0"/>
-                                  </p:stCondLst>
-                                  <p:childTnLst>
-                                    <p:set>
-                                      <p:cBhvr>
-                                        <p:cTn id="6" dur="1" fill="hold">
-                                          <p:stCondLst>
-                                            <p:cond delay="0"/>
-                                          </p:stCondLst>
-                                        </p:cTn>
-                                        <p:tgtEl>
-                                          <p:spTgt spid="144"/>
-                                        </p:tgtEl>
-                                        <p:attrNameLst>
-                                          <p:attrName>style.visibility</p:attrName>
-                                        </p:attrNameLst>
-                                      </p:cBhvr>
-                                      <p:to>
-                                        <p:strVal val="visible"/>
-                                      </p:to>
-                                    </p:set>
-                                    <p:animEffect transition="in" filter="fade">
-                                      <p:cBhvr>
-                                        <p:cTn id="7" dur="100"/>
-                                        <p:tgtEl>
-                                          <p:spTgt spid="144"/>
-                                        </p:tgtEl>
-                                      </p:cBhvr>
-                                    </p:animEffect>
-                                  </p:childTnLst>
-                                </p:cTn>
-                              </p:par>
-                              <p:par>
-                                <p:cTn id="8" presetID="10" presetClass="exit" presetSubtype="0" fill="hold" nodeType="withEffect">
-                                  <p:stCondLst>
-                                    <p:cond delay="0"/>
-                                  </p:stCondLst>
-                                  <p:childTnLst>
-                                    <p:animEffect transition="out" filter="fade">
-                                      <p:cBhvr>
-                                        <p:cTn id="9" dur="100"/>
-                                        <p:tgtEl>
-                                          <p:spTgt spid="143"/>
-                                        </p:tgtEl>
-                                      </p:cBhvr>
-                                    </p:animEffect>
-                                    <p:set>
-                                      <p:cBhvr>
-                                        <p:cTn id="10" dur="1" fill="hold">
-                                          <p:stCondLst>
-                                            <p:cond delay="100"/>
-                                          </p:stCondLst>
-                                        </p:cTn>
-                                        <p:tgtEl>
-                                          <p:spTgt spid="143"/>
-                                        </p:tgtEl>
-                                        <p:attrNameLst>
-                                          <p:attrName>style.visibility</p:attrName>
-                                        </p:attrNameLst>
-                                      </p:cBhvr>
-                                      <p:to>
-                                        <p:strVal val="hidden"/>
-                                      </p:to>
-                                    </p:set>
-                                  </p:childTnLst>
-                                </p:cTn>
-                              </p:par>
-                            </p:childTnLst>
-                          </p:cTn>
-                        </p:par>
-                      </p:childTnLst>
-                    </p:cTn>
-                  </p:par>
-                </p:childTnLst>
-              </p:cTn>
-              <p:prevCondLst>
-                <p:cond evt="onPrev" delay="0">
-                  <p:tgtEl>
-                    <p:sldTgt/>
-                  </p:tgtEl>
-                </p:cond>
-              </p:prevCondLst>
-              <p:nextCondLst>
-                <p:cond evt="onNext" delay="0">
-                  <p:tgtEl>
-                    <p:sldTgt/>
-                  </p:tgtEl>
-                </p:cond>
-              </p:nextCondLst>
-            </p:seq>
-          </p:childTnLst>
-        </p:cTn>
-      </p:par>
-    </p:tnLst>
-  </p:timing>
 </p:sld>
 </file>
 
-<file path=ppt/slides/slide13.xml><?xml version="1.0" encoding="utf-8"?>
+<file path=ppt/slides/slide15.xml><?xml version="1.0" encoding="utf-8"?>
 <p:sld xmlns:a="http://schemas.openxmlformats.org/drawingml/2006/main" xmlns:r="http://schemas.openxmlformats.org/officeDocument/2006/relationships" xmlns:p="http://schemas.openxmlformats.org/presentationml/2006/main">
   <p:cSld>
     <p:spTree>
       <p:nvGrpSpPr>
-        <p:cNvPr id="1" name="Shape 148"/>
+        <p:cNvPr id="1" name="Shape 151"/>
         <p:cNvGrpSpPr/>
         <p:nvPr/>
       </p:nvGrpSpPr>
@@ -12041,228 +13324,413 @@
           <a:chExt cx="0" cy="0"/>
         </a:xfrm>
       </p:grpSpPr>
+      <mc:AlternateContent xmlns:mc="http://schemas.openxmlformats.org/markup-compatibility/2006" xmlns:a14="http://schemas.microsoft.com/office/drawing/2010/main">
+        <mc:Choice Requires="a14">
+          <p:sp>
+            <p:nvSpPr>
+              <p:cNvPr id="152" name="Google Shape;152;p19"/>
+              <p:cNvSpPr txBox="1">
+                <a:spLocks noGrp="1"/>
+              </p:cNvSpPr>
+              <p:nvPr>
+                <p:ph type="body" idx="1"/>
+              </p:nvPr>
+            </p:nvSpPr>
+            <p:spPr>
+              <a:xfrm>
+                <a:off x="323522" y="2132908"/>
+                <a:ext cx="7848900" cy="4430667"/>
+              </a:xfrm>
+              <a:prstGeom prst="rect">
+                <a:avLst/>
+              </a:prstGeom>
+              <a:noFill/>
+              <a:ln>
+                <a:noFill/>
+              </a:ln>
+            </p:spPr>
+            <p:txBody>
+              <a:bodyPr spcFirstLastPara="1" wrap="square" lIns="0" tIns="0" rIns="0" bIns="0" anchor="t" anchorCtr="0">
+                <a:noAutofit/>
+              </a:bodyPr>
+              <a:lstStyle/>
+              <a:p>
+                <a:pPr marL="457200" marR="0" lvl="0" indent="-355600" algn="l" rtl="0">
+                  <a:lnSpc>
+                    <a:spcPct val="100000"/>
+                  </a:lnSpc>
+                  <a:spcBef>
+                    <a:spcPts val="200"/>
+                  </a:spcBef>
+                  <a:spcAft>
+                    <a:spcPts val="0"/>
+                  </a:spcAft>
+                  <a:buSzPts val="2000"/>
+                  <a:buChar char="●"/>
+                </a:pPr>
+                <a:r>
+                  <a:rPr lang="it-IT" sz="2800" i="1" dirty="0"/>
+                  <a:t>Named </a:t>
+                </a:r>
+                <a:r>
+                  <a:rPr lang="it-IT" sz="2800" i="1" dirty="0" err="1"/>
+                  <a:t>Entity</a:t>
+                </a:r>
+                <a:r>
+                  <a:rPr lang="it-IT" sz="2800" i="1" dirty="0"/>
+                  <a:t> </a:t>
+                </a:r>
+                <a:r>
+                  <a:rPr lang="it-IT" sz="2800" i="1" dirty="0" err="1"/>
+                  <a:t>Recognition</a:t>
+                </a:r>
+                <a:r>
+                  <a:rPr lang="it-IT" sz="2800" i="1" dirty="0"/>
+                  <a:t> </a:t>
+                </a:r>
+                <a:r>
+                  <a:rPr lang="it-IT" sz="2800" dirty="0"/>
+                  <a:t>(NER)</a:t>
+                </a:r>
+              </a:p>
+              <a:p>
+                <a:pPr marL="457200" marR="0" lvl="0" indent="-355600" algn="l" rtl="0">
+                  <a:lnSpc>
+                    <a:spcPct val="100000"/>
+                  </a:lnSpc>
+                  <a:spcBef>
+                    <a:spcPts val="200"/>
+                  </a:spcBef>
+                  <a:spcAft>
+                    <a:spcPts val="0"/>
+                  </a:spcAft>
+                  <a:buSzPts val="2000"/>
+                  <a:buChar char="●"/>
+                </a:pPr>
+                <a:endParaRPr lang="ar-AE" sz="2000" dirty="0"/>
+              </a:p>
+              <a:p>
+                <a:pPr marL="457200" marR="0" lvl="0" indent="-355600" algn="l" rtl="0">
+                  <a:lnSpc>
+                    <a:spcPct val="100000"/>
+                  </a:lnSpc>
+                  <a:spcBef>
+                    <a:spcPts val="200"/>
+                  </a:spcBef>
+                  <a:spcAft>
+                    <a:spcPts val="0"/>
+                  </a:spcAft>
+                  <a:buSzPts val="2000"/>
+                  <a:buChar char="●"/>
+                </a:pPr>
+                <a:r>
+                  <a:rPr lang="it-IT" sz="2800" dirty="0" err="1"/>
+                  <a:t>Medical</a:t>
+                </a:r>
+                <a:r>
+                  <a:rPr lang="it-IT" sz="2800" dirty="0"/>
+                  <a:t> </a:t>
+                </a:r>
+                <a:r>
+                  <a:rPr lang="it-IT" sz="2800" dirty="0" err="1"/>
+                  <a:t>entity</a:t>
+                </a:r>
+                <a:r>
+                  <a:rPr lang="it-IT" sz="2800" dirty="0"/>
+                  <a:t> </a:t>
+                </a:r>
+                <a:r>
+                  <a:rPr lang="it-IT" sz="2800" dirty="0" err="1"/>
+                  <a:t>extraction</a:t>
+                </a:r>
+                <a:endParaRPr lang="it-IT" sz="2800" dirty="0"/>
+              </a:p>
+              <a:p>
+                <a:pPr marL="0" marR="0" lvl="0" indent="0" algn="l" rtl="0">
+                  <a:lnSpc>
+                    <a:spcPct val="100000"/>
+                  </a:lnSpc>
+                  <a:spcBef>
+                    <a:spcPts val="200"/>
+                  </a:spcBef>
+                  <a:spcAft>
+                    <a:spcPts val="0"/>
+                  </a:spcAft>
+                  <a:buNone/>
+                </a:pPr>
+                <a:endParaRPr lang="it-IT" sz="2000" dirty="0"/>
+              </a:p>
+              <a:p>
+                <a:pPr marL="457200" marR="0" lvl="0" indent="-355600" algn="l" rtl="0">
+                  <a:lnSpc>
+                    <a:spcPct val="100000"/>
+                  </a:lnSpc>
+                  <a:spcBef>
+                    <a:spcPts val="200"/>
+                  </a:spcBef>
+                  <a:spcAft>
+                    <a:spcPts val="0"/>
+                  </a:spcAft>
+                  <a:buSzPts val="2000"/>
+                  <a:buChar char="●"/>
+                </a:pPr>
+                <a:r>
+                  <a:rPr lang="it-IT" sz="2800" dirty="0"/>
+                  <a:t>GPT </a:t>
+                </a:r>
+                <a:r>
+                  <a:rPr lang="it-IT" sz="2800" dirty="0" err="1"/>
+                  <a:t>causal</a:t>
+                </a:r>
+                <a:r>
+                  <a:rPr lang="it-IT" sz="2800" dirty="0"/>
+                  <a:t> </a:t>
+                </a:r>
+                <a:r>
+                  <a:rPr lang="it-IT" sz="2800" dirty="0" err="1"/>
+                  <a:t>discovery</a:t>
+                </a:r>
+                <a:endParaRPr lang="it-IT" sz="2800" dirty="0"/>
+              </a:p>
+              <a:p>
+                <a:pPr marL="0" marR="0" lvl="0" indent="0" algn="l" rtl="0">
+                  <a:lnSpc>
+                    <a:spcPct val="100000"/>
+                  </a:lnSpc>
+                  <a:spcBef>
+                    <a:spcPts val="200"/>
+                  </a:spcBef>
+                  <a:spcAft>
+                    <a:spcPts val="0"/>
+                  </a:spcAft>
+                  <a:buNone/>
+                </a:pPr>
+                <a:endParaRPr lang="it-IT" sz="2000" dirty="0"/>
+              </a:p>
+              <a:p>
+                <a:pPr marL="457200" marR="0" lvl="0" indent="-355600" algn="l" rtl="0">
+                  <a:lnSpc>
+                    <a:spcPct val="100000"/>
+                  </a:lnSpc>
+                  <a:spcBef>
+                    <a:spcPts val="200"/>
+                  </a:spcBef>
+                  <a:spcAft>
+                    <a:spcPts val="0"/>
+                  </a:spcAft>
+                  <a:buSzPts val="2000"/>
+                  <a:buChar char="●"/>
+                </a:pPr>
+                <a:r>
+                  <a:rPr lang="it-IT" sz="2800" dirty="0" err="1"/>
+                  <a:t>Pairwise</a:t>
+                </a:r>
+                <a:r>
+                  <a:rPr lang="it-IT" sz="2800" dirty="0"/>
+                  <a:t> </a:t>
+                </a:r>
+                <a:r>
+                  <a:rPr lang="it-IT" sz="2800" dirty="0" err="1"/>
+                  <a:t>relationship</a:t>
+                </a:r>
+                <a:r>
+                  <a:rPr lang="it-IT" sz="2800" dirty="0"/>
+                  <a:t> </a:t>
+                </a:r>
+                <a:r>
+                  <a:rPr lang="it-IT" sz="2800" dirty="0" err="1"/>
+                  <a:t>identification</a:t>
+                </a:r>
+                <a:r>
+                  <a:rPr lang="it-IT" sz="2800" dirty="0"/>
+                  <a:t> </a:t>
+                </a:r>
+                <a:r>
+                  <a:rPr lang="it-IT" sz="2800" dirty="0" err="1"/>
+                  <a:t>questions</a:t>
+                </a:r>
+                <a:endParaRPr lang="it-IT" sz="2800" dirty="0"/>
+              </a:p>
+              <a:p>
+                <a:pPr marL="1371600" marR="0" lvl="1" indent="-355600" algn="l" rtl="0">
+                  <a:lnSpc>
+                    <a:spcPct val="100000"/>
+                  </a:lnSpc>
+                  <a:spcBef>
+                    <a:spcPts val="0"/>
+                  </a:spcBef>
+                  <a:spcAft>
+                    <a:spcPts val="0"/>
+                  </a:spcAft>
+                  <a:buSzPts val="2000"/>
+                  <a:buChar char="○"/>
+                </a:pPr>
+                <a:r>
+                  <a:rPr lang="it-IT" dirty="0"/>
+                  <a:t>Does “X” cause “Y”?</a:t>
+                </a:r>
+              </a:p>
+              <a:p>
+                <a:pPr marL="1371600" marR="0" lvl="1" indent="-355600" algn="l" rtl="0">
+                  <a:lnSpc>
+                    <a:spcPct val="100000"/>
+                  </a:lnSpc>
+                  <a:spcBef>
+                    <a:spcPts val="0"/>
+                  </a:spcBef>
+                  <a:spcAft>
+                    <a:spcPts val="0"/>
+                  </a:spcAft>
+                  <a:buSzPts val="2000"/>
+                  <a:buChar char="○"/>
+                </a:pPr>
+                <a:r>
+                  <a:rPr lang="it-IT" dirty="0"/>
+                  <a:t>Does “Y” cause “X”?</a:t>
+                </a:r>
+              </a:p>
+              <a:p>
+                <a:pPr marL="1371600" marR="0" lvl="1" indent="-355600" algn="l" rtl="0">
+                  <a:lnSpc>
+                    <a:spcPct val="100000"/>
+                  </a:lnSpc>
+                  <a:spcBef>
+                    <a:spcPts val="0"/>
+                  </a:spcBef>
+                  <a:spcAft>
+                    <a:spcPts val="0"/>
+                  </a:spcAft>
+                  <a:buSzPts val="2000"/>
+                  <a:buChar char="○"/>
+                </a:pPr>
+                <a:endParaRPr lang="it-IT" dirty="0"/>
+              </a:p>
+              <a:p>
+                <a:pPr lvl="0" indent="-355600">
+                  <a:spcBef>
+                    <a:spcPts val="0"/>
+                  </a:spcBef>
+                  <a:buSzPts val="2000"/>
+                  <a:buChar char="●"/>
+                </a:pPr>
+                <a:r>
+                  <a:rPr lang="it-IT" sz="2800" dirty="0"/>
+                  <a:t>With </a:t>
+                </a:r>
+                <a:r>
+                  <a:rPr lang="it-IT" sz="2800" i="1" dirty="0"/>
+                  <a:t>n </a:t>
+                </a:r>
+                <a:r>
+                  <a:rPr lang="it-IT" sz="2800" dirty="0" err="1"/>
+                  <a:t>entities</a:t>
+                </a:r>
+                <a:r>
+                  <a:rPr lang="it-IT" sz="2800" dirty="0"/>
+                  <a:t>, </a:t>
+                </a:r>
+                <a14:m>
+                  <m:oMath xmlns:m="http://schemas.openxmlformats.org/officeDocument/2006/math">
+                    <m:sSup>
+                      <m:sSupPr>
+                        <m:ctrlPr>
+                          <a:rPr lang="ar-AE" sz="2800" i="1" smtClean="0">
+                            <a:latin typeface="Cambria Math" panose="02040503050406030204" pitchFamily="18" charset="0"/>
+                          </a:rPr>
+                        </m:ctrlPr>
+                      </m:sSupPr>
+                      <m:e>
+                        <m:r>
+                          <m:rPr>
+                            <m:nor/>
+                          </m:rPr>
+                          <a:rPr lang="it-IT" sz="2800" i="1" dirty="0"/>
+                          <m:t>n</m:t>
+                        </m:r>
+                      </m:e>
+                      <m:sup>
+                        <m:r>
+                          <a:rPr lang="ar-AE" sz="2800" i="1" smtClean="0">
+                            <a:latin typeface="Cambria Math" panose="02040503050406030204" pitchFamily="18" charset="0"/>
+                          </a:rPr>
+                          <m:t>2</m:t>
+                        </m:r>
+                      </m:sup>
+                    </m:sSup>
+                  </m:oMath>
+                </a14:m>
+                <a:r>
+                  <a:rPr lang="it-IT" sz="2800" i="1" dirty="0"/>
+                  <a:t> GPT queries</a:t>
+                </a:r>
+                <a:endParaRPr lang="ar-AE" sz="2800" i="1" dirty="0"/>
+              </a:p>
+              <a:p>
+                <a:pPr marL="1371600" marR="0" lvl="1" indent="-355600" algn="l" rtl="0">
+                  <a:lnSpc>
+                    <a:spcPct val="100000"/>
+                  </a:lnSpc>
+                  <a:spcBef>
+                    <a:spcPts val="0"/>
+                  </a:spcBef>
+                  <a:spcAft>
+                    <a:spcPts val="0"/>
+                  </a:spcAft>
+                  <a:buSzPts val="2000"/>
+                  <a:buChar char="○"/>
+                </a:pPr>
+                <a:endParaRPr lang="it-IT" dirty="0"/>
+              </a:p>
+            </p:txBody>
+          </p:sp>
+        </mc:Choice>
+        <mc:Fallback xmlns="">
+          <p:sp>
+            <p:nvSpPr>
+              <p:cNvPr id="152" name="Google Shape;152;p19"/>
+              <p:cNvSpPr txBox="1">
+                <a:spLocks noGrp="1" noRot="1" noChangeAspect="1" noMove="1" noResize="1" noEditPoints="1" noAdjustHandles="1" noChangeArrowheads="1" noChangeShapeType="1" noTextEdit="1"/>
+              </p:cNvSpPr>
+              <p:nvPr>
+                <p:ph type="body" idx="1"/>
+              </p:nvPr>
+            </p:nvSpPr>
+            <p:spPr>
+              <a:xfrm>
+                <a:off x="323522" y="2132908"/>
+                <a:ext cx="7848900" cy="4430667"/>
+              </a:xfrm>
+              <a:prstGeom prst="rect">
+                <a:avLst/>
+              </a:prstGeom>
+              <a:blipFill>
+                <a:blip r:embed="rId3"/>
+                <a:stretch>
+                  <a:fillRect l="-543" t="-1926" b="-6465"/>
+                </a:stretch>
+              </a:blipFill>
+              <a:ln>
+                <a:noFill/>
+              </a:ln>
+            </p:spPr>
+            <p:txBody>
+              <a:bodyPr/>
+              <a:lstStyle/>
+              <a:p>
+                <a:r>
+                  <a:rPr lang="en-US">
+                    <a:noFill/>
+                  </a:rPr>
+                  <a:t> </a:t>
+                </a:r>
+              </a:p>
+            </p:txBody>
+          </p:sp>
+        </mc:Fallback>
+      </mc:AlternateContent>
       <p:sp>
         <p:nvSpPr>
-          <p:cNvPr id="149" name="Google Shape;149;p18"/>
-          <p:cNvSpPr txBox="1">
-            <a:spLocks noGrp="1"/>
-          </p:cNvSpPr>
-          <p:nvPr>
-            <p:ph type="body" idx="1"/>
-          </p:nvPr>
-        </p:nvSpPr>
-        <p:spPr>
-          <a:xfrm>
-            <a:off x="323522" y="2314975"/>
-            <a:ext cx="7848900" cy="4248600"/>
-          </a:xfrm>
-          <a:prstGeom prst="rect">
-            <a:avLst/>
-          </a:prstGeom>
-          <a:noFill/>
-          <a:ln>
-            <a:noFill/>
-          </a:ln>
-        </p:spPr>
-        <p:txBody>
-          <a:bodyPr spcFirstLastPara="1" wrap="square" lIns="0" tIns="0" rIns="0" bIns="0" anchor="t" anchorCtr="0">
-            <a:noAutofit/>
-          </a:bodyPr>
-          <a:lstStyle/>
-          <a:p>
-            <a:pPr marL="457200" marR="0" lvl="0" indent="-355600" algn="l" rtl="0">
-              <a:lnSpc>
-                <a:spcPct val="100000"/>
-              </a:lnSpc>
-              <a:spcBef>
-                <a:spcPts val="200"/>
-              </a:spcBef>
-              <a:spcAft>
-                <a:spcPts val="0"/>
-              </a:spcAft>
-              <a:buSzPts val="2000"/>
-              <a:buChar char="●"/>
-            </a:pPr>
-            <a:r>
-              <a:rPr lang="it-IT" sz="2800" i="1"/>
-              <a:t>Named Entity Recognition </a:t>
-            </a:r>
-            <a:r>
-              <a:rPr lang="it-IT" sz="2800"/>
-              <a:t>(NER)</a:t>
-            </a:r>
-            <a:endParaRPr sz="2800"/>
-          </a:p>
-          <a:p>
-            <a:pPr marL="0" marR="0" lvl="0" indent="0" algn="l" rtl="0">
-              <a:lnSpc>
-                <a:spcPct val="100000"/>
-              </a:lnSpc>
-              <a:spcBef>
-                <a:spcPts val="200"/>
-              </a:spcBef>
-              <a:spcAft>
-                <a:spcPts val="0"/>
-              </a:spcAft>
-              <a:buNone/>
-            </a:pPr>
-            <a:endParaRPr sz="2000"/>
-          </a:p>
-          <a:p>
-            <a:pPr marL="457200" marR="0" lvl="0" indent="-355600" algn="l" rtl="0">
-              <a:lnSpc>
-                <a:spcPct val="100000"/>
-              </a:lnSpc>
-              <a:spcBef>
-                <a:spcPts val="200"/>
-              </a:spcBef>
-              <a:spcAft>
-                <a:spcPts val="0"/>
-              </a:spcAft>
-              <a:buSzPts val="2000"/>
-              <a:buChar char="●"/>
-            </a:pPr>
-            <a:r>
-              <a:rPr lang="it-IT" sz="2800"/>
-              <a:t>Medical entity extraction</a:t>
-            </a:r>
-            <a:endParaRPr sz="2800"/>
-          </a:p>
-          <a:p>
-            <a:pPr marL="0" marR="0" lvl="0" indent="0" algn="l" rtl="0">
-              <a:lnSpc>
-                <a:spcPct val="100000"/>
-              </a:lnSpc>
-              <a:spcBef>
-                <a:spcPts val="200"/>
-              </a:spcBef>
-              <a:spcAft>
-                <a:spcPts val="0"/>
-              </a:spcAft>
-              <a:buNone/>
-            </a:pPr>
-            <a:endParaRPr sz="2000"/>
-          </a:p>
-          <a:p>
-            <a:pPr marL="457200" marR="0" lvl="0" indent="-355600" algn="l" rtl="0">
-              <a:lnSpc>
-                <a:spcPct val="100000"/>
-              </a:lnSpc>
-              <a:spcBef>
-                <a:spcPts val="200"/>
-              </a:spcBef>
-              <a:spcAft>
-                <a:spcPts val="0"/>
-              </a:spcAft>
-              <a:buSzPts val="2000"/>
-              <a:buChar char="●"/>
-            </a:pPr>
-            <a:r>
-              <a:rPr lang="it-IT" sz="2800"/>
-              <a:t>GPT causal discovery</a:t>
-            </a:r>
-            <a:endParaRPr sz="2800"/>
-          </a:p>
-          <a:p>
-            <a:pPr marL="0" marR="0" lvl="0" indent="0" algn="l" rtl="0">
-              <a:lnSpc>
-                <a:spcPct val="100000"/>
-              </a:lnSpc>
-              <a:spcBef>
-                <a:spcPts val="200"/>
-              </a:spcBef>
-              <a:spcAft>
-                <a:spcPts val="0"/>
-              </a:spcAft>
-              <a:buNone/>
-            </a:pPr>
-            <a:endParaRPr sz="2000"/>
-          </a:p>
-          <a:p>
-            <a:pPr marL="457200" marR="0" lvl="0" indent="-355600" algn="l" rtl="0">
-              <a:lnSpc>
-                <a:spcPct val="100000"/>
-              </a:lnSpc>
-              <a:spcBef>
-                <a:spcPts val="200"/>
-              </a:spcBef>
-              <a:spcAft>
-                <a:spcPts val="0"/>
-              </a:spcAft>
-              <a:buSzPts val="2000"/>
-              <a:buChar char="●"/>
-            </a:pPr>
-            <a:r>
-              <a:rPr lang="it-IT" sz="2800"/>
-              <a:t>Relationship identification questions</a:t>
-            </a:r>
-            <a:endParaRPr sz="2800"/>
-          </a:p>
-          <a:p>
-            <a:pPr marL="1371600" marR="0" lvl="1" indent="-355600" algn="l" rtl="0">
-              <a:lnSpc>
-                <a:spcPct val="100000"/>
-              </a:lnSpc>
-              <a:spcBef>
-                <a:spcPts val="0"/>
-              </a:spcBef>
-              <a:spcAft>
-                <a:spcPts val="0"/>
-              </a:spcAft>
-              <a:buSzPts val="2000"/>
-              <a:buChar char="○"/>
-            </a:pPr>
-            <a:r>
-              <a:rPr lang="it-IT"/>
-              <a:t>Does “X” cause “Y”?</a:t>
-            </a:r>
-            <a:endParaRPr/>
-          </a:p>
-          <a:p>
-            <a:pPr marL="1371600" marR="0" lvl="1" indent="-355600" algn="l" rtl="0">
-              <a:lnSpc>
-                <a:spcPct val="100000"/>
-              </a:lnSpc>
-              <a:spcBef>
-                <a:spcPts val="0"/>
-              </a:spcBef>
-              <a:spcAft>
-                <a:spcPts val="0"/>
-              </a:spcAft>
-              <a:buSzPts val="2000"/>
-              <a:buChar char="○"/>
-            </a:pPr>
-            <a:r>
-              <a:rPr lang="it-IT"/>
-              <a:t>Does “Y” cause “X”?</a:t>
-            </a:r>
-            <a:endParaRPr/>
-          </a:p>
-          <a:p>
-            <a:pPr marL="1371600" marR="0" lvl="1" indent="-355600" algn="l" rtl="0">
-              <a:lnSpc>
-                <a:spcPct val="100000"/>
-              </a:lnSpc>
-              <a:spcBef>
-                <a:spcPts val="0"/>
-              </a:spcBef>
-              <a:spcAft>
-                <a:spcPts val="0"/>
-              </a:spcAft>
-              <a:buSzPts val="2000"/>
-              <a:buChar char="○"/>
-            </a:pPr>
-            <a:r>
-              <a:rPr lang="it-IT"/>
-              <a:t>Are “X” and “Y” not causally related?</a:t>
-            </a:r>
-            <a:endParaRPr/>
-          </a:p>
-        </p:txBody>
-      </p:sp>
-      <p:sp>
-        <p:nvSpPr>
-          <p:cNvPr id="150" name="Google Shape;150;p18"/>
+          <p:cNvPr id="153" name="Google Shape;153;p19"/>
           <p:cNvSpPr txBox="1">
             <a:spLocks noGrp="1"/>
           </p:cNvSpPr>
@@ -12316,12 +13784,12 @@
       </p:sp>
       <p:pic>
         <p:nvPicPr>
-          <p:cNvPr id="151" name="Google Shape;151;p18"/>
+          <p:cNvPr id="154" name="Google Shape;154;p19"/>
           <p:cNvPicPr preferRelativeResize="0"/>
           <p:nvPr/>
         </p:nvPicPr>
         <p:blipFill>
-          <a:blip r:embed="rId3">
+          <a:blip r:embed="rId4">
             <a:alphaModFix/>
           </a:blip>
           <a:stretch>
@@ -12350,12 +13818,12 @@
 </p:sld>
 </file>
 
-<file path=ppt/slides/slide14.xml><?xml version="1.0" encoding="utf-8"?>
+<file path=ppt/slides/slide16.xml><?xml version="1.0" encoding="utf-8"?>
 <p:sld xmlns:a="http://schemas.openxmlformats.org/drawingml/2006/main" xmlns:r="http://schemas.openxmlformats.org/officeDocument/2006/relationships" xmlns:p="http://schemas.openxmlformats.org/presentationml/2006/main">
   <p:cSld>
     <p:spTree>
       <p:nvGrpSpPr>
-        <p:cNvPr id="1" name="Shape 155"/>
+        <p:cNvPr id="1" name="Shape 158"/>
         <p:cNvGrpSpPr/>
         <p:nvPr/>
       </p:nvGrpSpPr>
@@ -12369,7 +13837,7 @@
       </p:grpSpPr>
       <p:sp>
         <p:nvSpPr>
-          <p:cNvPr id="156" name="Google Shape;156;p19"/>
+          <p:cNvPr id="159" name="Google Shape;159;p20"/>
           <p:cNvSpPr txBox="1">
             <a:spLocks noGrp="1"/>
           </p:cNvSpPr>
@@ -12396,7 +13864,7 @@
           </a:bodyPr>
           <a:lstStyle/>
           <a:p>
-            <a:pPr marL="914400" marR="0" lvl="0" indent="0" algn="l" rtl="0">
+            <a:pPr marL="457200" marR="0" lvl="0" indent="-355600" algn="l" rtl="0">
               <a:lnSpc>
                 <a:spcPct val="100000"/>
               </a:lnSpc>
@@ -12404,17 +13872,136 @@
                 <a:spcPts val="200"/>
               </a:spcBef>
               <a:spcAft>
+                <a:spcPts val="0"/>
+              </a:spcAft>
+              <a:buSzPts val="2000"/>
+              <a:buChar char="●"/>
+            </a:pPr>
+            <a:r>
+              <a:rPr lang="it-IT" sz="2800"/>
+              <a:t>Construction of directed causal graph</a:t>
+            </a:r>
+            <a:endParaRPr sz="2800"/>
+          </a:p>
+          <a:p>
+            <a:pPr marL="0" marR="0" lvl="0" indent="0" algn="l" rtl="0">
+              <a:lnSpc>
+                <a:spcPct val="100000"/>
+              </a:lnSpc>
+              <a:spcBef>
                 <a:spcPts val="200"/>
+              </a:spcBef>
+              <a:spcAft>
+                <a:spcPts val="0"/>
               </a:spcAft>
               <a:buNone/>
             </a:pPr>
-            <a:endParaRPr/>
+            <a:endParaRPr sz="2800"/>
+          </a:p>
+          <a:p>
+            <a:pPr marL="457200" lvl="0" indent="-355600" algn="l" rtl="0">
+              <a:spcBef>
+                <a:spcPts val="200"/>
+              </a:spcBef>
+              <a:spcAft>
+                <a:spcPts val="0"/>
+              </a:spcAft>
+              <a:buSzPts val="2000"/>
+              <a:buChar char="●"/>
+            </a:pPr>
+            <a:r>
+              <a:rPr lang="it-IT" sz="2800"/>
+              <a:t>Graph analysis</a:t>
+            </a:r>
+            <a:endParaRPr sz="2800"/>
+          </a:p>
+          <a:p>
+            <a:pPr marL="0" marR="0" lvl="0" indent="0" algn="l" rtl="0">
+              <a:lnSpc>
+                <a:spcPct val="100000"/>
+              </a:lnSpc>
+              <a:spcBef>
+                <a:spcPts val="200"/>
+              </a:spcBef>
+              <a:spcAft>
+                <a:spcPts val="0"/>
+              </a:spcAft>
+              <a:buNone/>
+            </a:pPr>
+            <a:endParaRPr sz="2800"/>
+          </a:p>
+          <a:p>
+            <a:pPr marL="457200" marR="0" lvl="0" indent="-355600" algn="l" rtl="0">
+              <a:lnSpc>
+                <a:spcPct val="100000"/>
+              </a:lnSpc>
+              <a:spcBef>
+                <a:spcPts val="200"/>
+              </a:spcBef>
+              <a:spcAft>
+                <a:spcPts val="0"/>
+              </a:spcAft>
+              <a:buSzPts val="2000"/>
+              <a:buChar char="●"/>
+            </a:pPr>
+            <a:r>
+              <a:rPr lang="it-IT" sz="2800"/>
+              <a:t>Cycle check</a:t>
+            </a:r>
+            <a:endParaRPr sz="2800"/>
+          </a:p>
+          <a:p>
+            <a:pPr marL="0" marR="0" lvl="0" indent="0" algn="l" rtl="0">
+              <a:lnSpc>
+                <a:spcPct val="100000"/>
+              </a:lnSpc>
+              <a:spcBef>
+                <a:spcPts val="200"/>
+              </a:spcBef>
+              <a:spcAft>
+                <a:spcPts val="0"/>
+              </a:spcAft>
+              <a:buNone/>
+            </a:pPr>
+            <a:endParaRPr sz="2800"/>
+          </a:p>
+          <a:p>
+            <a:pPr marL="457200" marR="0" lvl="0" indent="-355600" algn="l" rtl="0">
+              <a:lnSpc>
+                <a:spcPct val="100000"/>
+              </a:lnSpc>
+              <a:spcBef>
+                <a:spcPts val="200"/>
+              </a:spcBef>
+              <a:spcAft>
+                <a:spcPts val="0"/>
+              </a:spcAft>
+              <a:buSzPts val="2000"/>
+              <a:buChar char="●"/>
+            </a:pPr>
+            <a:r>
+              <a:rPr lang="it-IT" sz="2800"/>
+              <a:t>Interactive graph plotting</a:t>
+            </a:r>
+            <a:endParaRPr sz="2800"/>
+          </a:p>
+          <a:p>
+            <a:pPr marL="457200" lvl="0" indent="0" algn="l" rtl="0">
+              <a:spcBef>
+                <a:spcPts val="200"/>
+              </a:spcBef>
+              <a:spcAft>
+                <a:spcPts val="200"/>
+              </a:spcAft>
+              <a:buNone/>
+            </a:pPr>
+            <a:endParaRPr sz="2800"/>
           </a:p>
         </p:txBody>
       </p:sp>
       <p:sp>
         <p:nvSpPr>
-          <p:cNvPr id="157" name="Google Shape;157;p19"/>
+          <p:cNvPr id="160" name="Google Shape;160;p20"/>
           <p:cNvSpPr txBox="1">
             <a:spLocks noGrp="1"/>
           </p:cNvSpPr>
@@ -12460,7 +14047,7 @@
             </a:pPr>
             <a:r>
               <a:rPr lang="it-IT" sz="4000"/>
-              <a:t>Causal Discovery Flow</a:t>
+              <a:t>Graph Analysis Process</a:t>
             </a:r>
             <a:endParaRPr sz="4000"/>
           </a:p>
@@ -12468,7 +14055,7 @@
       </p:sp>
       <p:pic>
         <p:nvPicPr>
-          <p:cNvPr id="158" name="Google Shape;158;p19"/>
+          <p:cNvPr id="161" name="Google Shape;161;p20"/>
           <p:cNvPicPr preferRelativeResize="0"/>
           <p:nvPr/>
         </p:nvPicPr>
@@ -12482,8 +14069,8 @@
         </p:blipFill>
         <p:spPr>
           <a:xfrm>
-            <a:off x="432775" y="2293549"/>
-            <a:ext cx="7308150" cy="3503449"/>
+            <a:off x="4730291" y="3429000"/>
+            <a:ext cx="4189633" cy="3134575"/>
           </a:xfrm>
           <a:prstGeom prst="rect">
             <a:avLst/>
@@ -12494,406 +14081,15 @@
           </a:ln>
         </p:spPr>
       </p:pic>
-      <p:sp>
-        <p:nvSpPr>
-          <p:cNvPr id="159" name="Google Shape;159;p19"/>
-          <p:cNvSpPr/>
-          <p:nvPr/>
-        </p:nvSpPr>
-        <p:spPr>
-          <a:xfrm>
-            <a:off x="534875" y="3447075"/>
-            <a:ext cx="2046300" cy="1196400"/>
-          </a:xfrm>
-          <a:prstGeom prst="rect">
-            <a:avLst/>
-          </a:prstGeom>
-          <a:noFill/>
-          <a:ln w="38100" cap="flat" cmpd="sng">
-            <a:solidFill>
-              <a:srgbClr val="FF0000"/>
-            </a:solidFill>
-            <a:prstDash val="solid"/>
-            <a:round/>
-            <a:headEnd type="none" w="sm" len="sm"/>
-            <a:tailEnd type="none" w="sm" len="sm"/>
-          </a:ln>
-        </p:spPr>
-        <p:txBody>
-          <a:bodyPr spcFirstLastPara="1" wrap="square" lIns="91425" tIns="91425" rIns="91425" bIns="91425" anchor="ctr" anchorCtr="0">
-            <a:noAutofit/>
-          </a:bodyPr>
-          <a:lstStyle/>
-          <a:p>
-            <a:pPr marL="0" lvl="0" indent="0" algn="l" rtl="0">
-              <a:spcBef>
-                <a:spcPts val="0"/>
-              </a:spcBef>
-              <a:spcAft>
-                <a:spcPts val="0"/>
-              </a:spcAft>
-              <a:buNone/>
-            </a:pPr>
-            <a:endParaRPr/>
-          </a:p>
-        </p:txBody>
-      </p:sp>
-      <p:sp>
-        <p:nvSpPr>
-          <p:cNvPr id="160" name="Google Shape;160;p19"/>
-          <p:cNvSpPr/>
-          <p:nvPr/>
-        </p:nvSpPr>
-        <p:spPr>
-          <a:xfrm>
-            <a:off x="3063700" y="3447075"/>
-            <a:ext cx="2046300" cy="1196400"/>
-          </a:xfrm>
-          <a:prstGeom prst="rect">
-            <a:avLst/>
-          </a:prstGeom>
-          <a:noFill/>
-          <a:ln w="38100" cap="flat" cmpd="sng">
-            <a:solidFill>
-              <a:srgbClr val="FF0000"/>
-            </a:solidFill>
-            <a:prstDash val="solid"/>
-            <a:round/>
-            <a:headEnd type="none" w="sm" len="sm"/>
-            <a:tailEnd type="none" w="sm" len="sm"/>
-          </a:ln>
-        </p:spPr>
-        <p:txBody>
-          <a:bodyPr spcFirstLastPara="1" wrap="square" lIns="91425" tIns="91425" rIns="91425" bIns="91425" anchor="ctr" anchorCtr="0">
-            <a:noAutofit/>
-          </a:bodyPr>
-          <a:lstStyle/>
-          <a:p>
-            <a:pPr marL="0" lvl="0" indent="0" algn="l" rtl="0">
-              <a:spcBef>
-                <a:spcPts val="0"/>
-              </a:spcBef>
-              <a:spcAft>
-                <a:spcPts val="0"/>
-              </a:spcAft>
-              <a:buNone/>
-            </a:pPr>
-            <a:endParaRPr/>
-          </a:p>
-        </p:txBody>
-      </p:sp>
-      <p:sp>
-        <p:nvSpPr>
-          <p:cNvPr id="161" name="Google Shape;161;p19"/>
-          <p:cNvSpPr/>
-          <p:nvPr/>
-        </p:nvSpPr>
-        <p:spPr>
-          <a:xfrm>
-            <a:off x="5592525" y="3447075"/>
-            <a:ext cx="2046300" cy="1196400"/>
-          </a:xfrm>
-          <a:prstGeom prst="rect">
-            <a:avLst/>
-          </a:prstGeom>
-          <a:noFill/>
-          <a:ln w="38100" cap="flat" cmpd="sng">
-            <a:solidFill>
-              <a:srgbClr val="FF0000"/>
-            </a:solidFill>
-            <a:prstDash val="solid"/>
-            <a:round/>
-            <a:headEnd type="none" w="sm" len="sm"/>
-            <a:tailEnd type="none" w="sm" len="sm"/>
-          </a:ln>
-        </p:spPr>
-        <p:txBody>
-          <a:bodyPr spcFirstLastPara="1" wrap="square" lIns="91425" tIns="91425" rIns="91425" bIns="91425" anchor="ctr" anchorCtr="0">
-            <a:noAutofit/>
-          </a:bodyPr>
-          <a:lstStyle/>
-          <a:p>
-            <a:pPr marL="0" lvl="0" indent="0" algn="l" rtl="0">
-              <a:spcBef>
-                <a:spcPts val="0"/>
-              </a:spcBef>
-              <a:spcAft>
-                <a:spcPts val="0"/>
-              </a:spcAft>
-              <a:buNone/>
-            </a:pPr>
-            <a:endParaRPr/>
-          </a:p>
-        </p:txBody>
-      </p:sp>
     </p:spTree>
   </p:cSld>
   <p:clrMapOvr>
     <a:masterClrMapping/>
   </p:clrMapOvr>
-  <p:timing>
-    <p:tnLst>
-      <p:par>
-        <p:cTn id="1" dur="indefinite" restart="never" nodeType="tmRoot">
-          <p:childTnLst>
-            <p:seq concurrent="1" nextAc="seek">
-              <p:cTn id="2" dur="indefinite" nodeType="mainSeq">
-                <p:childTnLst>
-                  <p:par>
-                    <p:cTn id="3" fill="hold">
-                      <p:stCondLst>
-                        <p:cond delay="indefinite"/>
-                      </p:stCondLst>
-                      <p:childTnLst>
-                        <p:par>
-                          <p:cTn id="4" fill="hold">
-                            <p:stCondLst>
-                              <p:cond delay="0"/>
-                            </p:stCondLst>
-                            <p:childTnLst>
-                              <p:par>
-                                <p:cTn id="5" presetID="10" presetClass="entr" presetSubtype="0" fill="hold" nodeType="clickEffect">
-                                  <p:stCondLst>
-                                    <p:cond delay="0"/>
-                                  </p:stCondLst>
-                                  <p:childTnLst>
-                                    <p:set>
-                                      <p:cBhvr>
-                                        <p:cTn id="6" dur="1" fill="hold">
-                                          <p:stCondLst>
-                                            <p:cond delay="0"/>
-                                          </p:stCondLst>
-                                        </p:cTn>
-                                        <p:tgtEl>
-                                          <p:spTgt spid="159"/>
-                                        </p:tgtEl>
-                                        <p:attrNameLst>
-                                          <p:attrName>style.visibility</p:attrName>
-                                        </p:attrNameLst>
-                                      </p:cBhvr>
-                                      <p:to>
-                                        <p:strVal val="visible"/>
-                                      </p:to>
-                                    </p:set>
-                                    <p:animEffect transition="in" filter="fade">
-                                      <p:cBhvr>
-                                        <p:cTn id="7" dur="100"/>
-                                        <p:tgtEl>
-                                          <p:spTgt spid="159"/>
-                                        </p:tgtEl>
-                                      </p:cBhvr>
-                                    </p:animEffect>
-                                  </p:childTnLst>
-                                </p:cTn>
-                              </p:par>
-                            </p:childTnLst>
-                          </p:cTn>
-                        </p:par>
-                      </p:childTnLst>
-                    </p:cTn>
-                  </p:par>
-                  <p:par>
-                    <p:cTn id="8" fill="hold">
-                      <p:stCondLst>
-                        <p:cond delay="indefinite"/>
-                      </p:stCondLst>
-                      <p:childTnLst>
-                        <p:par>
-                          <p:cTn id="9" fill="hold">
-                            <p:stCondLst>
-                              <p:cond delay="0"/>
-                            </p:stCondLst>
-                            <p:childTnLst>
-                              <p:par>
-                                <p:cTn id="10" presetID="10" presetClass="entr" presetSubtype="0" fill="hold" nodeType="clickEffect">
-                                  <p:stCondLst>
-                                    <p:cond delay="0"/>
-                                  </p:stCondLst>
-                                  <p:childTnLst>
-                                    <p:set>
-                                      <p:cBhvr>
-                                        <p:cTn id="11" dur="1" fill="hold">
-                                          <p:stCondLst>
-                                            <p:cond delay="0"/>
-                                          </p:stCondLst>
-                                        </p:cTn>
-                                        <p:tgtEl>
-                                          <p:spTgt spid="160"/>
-                                        </p:tgtEl>
-                                        <p:attrNameLst>
-                                          <p:attrName>style.visibility</p:attrName>
-                                        </p:attrNameLst>
-                                      </p:cBhvr>
-                                      <p:to>
-                                        <p:strVal val="visible"/>
-                                      </p:to>
-                                    </p:set>
-                                    <p:animEffect transition="in" filter="fade">
-                                      <p:cBhvr>
-                                        <p:cTn id="12" dur="100"/>
-                                        <p:tgtEl>
-                                          <p:spTgt spid="160"/>
-                                        </p:tgtEl>
-                                      </p:cBhvr>
-                                    </p:animEffect>
-                                  </p:childTnLst>
-                                </p:cTn>
-                              </p:par>
-                              <p:par>
-                                <p:cTn id="13" presetID="10" presetClass="exit" presetSubtype="0" fill="hold" nodeType="withEffect">
-                                  <p:stCondLst>
-                                    <p:cond delay="0"/>
-                                  </p:stCondLst>
-                                  <p:childTnLst>
-                                    <p:animEffect transition="out" filter="fade">
-                                      <p:cBhvr>
-                                        <p:cTn id="14" dur="100"/>
-                                        <p:tgtEl>
-                                          <p:spTgt spid="159"/>
-                                        </p:tgtEl>
-                                      </p:cBhvr>
-                                    </p:animEffect>
-                                    <p:set>
-                                      <p:cBhvr>
-                                        <p:cTn id="15" dur="1" fill="hold">
-                                          <p:stCondLst>
-                                            <p:cond delay="100"/>
-                                          </p:stCondLst>
-                                        </p:cTn>
-                                        <p:tgtEl>
-                                          <p:spTgt spid="159"/>
-                                        </p:tgtEl>
-                                        <p:attrNameLst>
-                                          <p:attrName>style.visibility</p:attrName>
-                                        </p:attrNameLst>
-                                      </p:cBhvr>
-                                      <p:to>
-                                        <p:strVal val="hidden"/>
-                                      </p:to>
-                                    </p:set>
-                                  </p:childTnLst>
-                                </p:cTn>
-                              </p:par>
-                            </p:childTnLst>
-                          </p:cTn>
-                        </p:par>
-                      </p:childTnLst>
-                    </p:cTn>
-                  </p:par>
-                  <p:par>
-                    <p:cTn id="16" fill="hold">
-                      <p:stCondLst>
-                        <p:cond delay="indefinite"/>
-                      </p:stCondLst>
-                      <p:childTnLst>
-                        <p:par>
-                          <p:cTn id="17" fill="hold">
-                            <p:stCondLst>
-                              <p:cond delay="0"/>
-                            </p:stCondLst>
-                            <p:childTnLst>
-                              <p:par>
-                                <p:cTn id="18" presetID="10" presetClass="entr" presetSubtype="0" fill="hold" nodeType="clickEffect">
-                                  <p:stCondLst>
-                                    <p:cond delay="0"/>
-                                  </p:stCondLst>
-                                  <p:childTnLst>
-                                    <p:set>
-                                      <p:cBhvr>
-                                        <p:cTn id="19" dur="1" fill="hold">
-                                          <p:stCondLst>
-                                            <p:cond delay="0"/>
-                                          </p:stCondLst>
-                                        </p:cTn>
-                                        <p:tgtEl>
-                                          <p:spTgt spid="161"/>
-                                        </p:tgtEl>
-                                        <p:attrNameLst>
-                                          <p:attrName>style.visibility</p:attrName>
-                                        </p:attrNameLst>
-                                      </p:cBhvr>
-                                      <p:to>
-                                        <p:strVal val="visible"/>
-                                      </p:to>
-                                    </p:set>
-                                    <p:animEffect transition="in" filter="fade">
-                                      <p:cBhvr>
-                                        <p:cTn id="20" dur="100"/>
-                                        <p:tgtEl>
-                                          <p:spTgt spid="161"/>
-                                        </p:tgtEl>
-                                      </p:cBhvr>
-                                    </p:animEffect>
-                                  </p:childTnLst>
-                                </p:cTn>
-                              </p:par>
-                              <p:par>
-                                <p:cTn id="21" presetID="10" presetClass="exit" presetSubtype="0" fill="hold" nodeType="withEffect">
-                                  <p:stCondLst>
-                                    <p:cond delay="0"/>
-                                  </p:stCondLst>
-                                  <p:childTnLst>
-                                    <p:animEffect transition="out" filter="fade">
-                                      <p:cBhvr>
-                                        <p:cTn id="22" dur="100"/>
-                                        <p:tgtEl>
-                                          <p:spTgt spid="160"/>
-                                        </p:tgtEl>
-                                      </p:cBhvr>
-                                    </p:animEffect>
-                                    <p:set>
-                                      <p:cBhvr>
-                                        <p:cTn id="23" dur="1" fill="hold">
-                                          <p:stCondLst>
-                                            <p:cond delay="100"/>
-                                          </p:stCondLst>
-                                        </p:cTn>
-                                        <p:tgtEl>
-                                          <p:spTgt spid="160"/>
-                                        </p:tgtEl>
-                                        <p:attrNameLst>
-                                          <p:attrName>style.visibility</p:attrName>
-                                        </p:attrNameLst>
-                                      </p:cBhvr>
-                                      <p:to>
-                                        <p:strVal val="hidden"/>
-                                      </p:to>
-                                    </p:set>
-                                  </p:childTnLst>
-                                </p:cTn>
-                              </p:par>
-                            </p:childTnLst>
-                          </p:cTn>
-                        </p:par>
-                      </p:childTnLst>
-                    </p:cTn>
-                  </p:par>
-                </p:childTnLst>
-              </p:cTn>
-              <p:prevCondLst>
-                <p:cond evt="onPrev" delay="0">
-                  <p:tgtEl>
-                    <p:sldTgt/>
-                  </p:tgtEl>
-                </p:cond>
-              </p:prevCondLst>
-              <p:nextCondLst>
-                <p:cond evt="onNext" delay="0">
-                  <p:tgtEl>
-                    <p:sldTgt/>
-                  </p:tgtEl>
-                </p:cond>
-              </p:nextCondLst>
-            </p:seq>
-          </p:childTnLst>
-        </p:cTn>
-      </p:par>
-    </p:tnLst>
-  </p:timing>
 </p:sld>
 </file>
 
-<file path=ppt/slides/slide15.xml><?xml version="1.0" encoding="utf-8"?>
+<file path=ppt/slides/slide17.xml><?xml version="1.0" encoding="utf-8"?>
 <p:sld xmlns:a="http://schemas.openxmlformats.org/drawingml/2006/main" xmlns:r="http://schemas.openxmlformats.org/officeDocument/2006/relationships" xmlns:p="http://schemas.openxmlformats.org/presentationml/2006/main">
   <p:cSld>
     <p:spTree>
@@ -12912,7 +14108,7 @@
       </p:grpSpPr>
       <p:sp>
         <p:nvSpPr>
-          <p:cNvPr id="166" name="Google Shape;166;p20"/>
+          <p:cNvPr id="166" name="Google Shape;166;p21"/>
           <p:cNvSpPr txBox="1">
             <a:spLocks noGrp="1"/>
           </p:cNvSpPr>
@@ -12939,9 +14135,9 @@
           </a:bodyPr>
           <a:lstStyle/>
           <a:p>
-            <a:pPr marL="457200" marR="0" lvl="0" indent="0" algn="l" rtl="0">
+            <a:pPr marL="0" marR="0" lvl="0" indent="0" algn="ctr" rtl="0">
               <a:lnSpc>
-                <a:spcPct val="100000"/>
+                <a:spcPct val="115000"/>
               </a:lnSpc>
               <a:spcBef>
                 <a:spcPts val="200"/>
@@ -12951,13 +14147,17 @@
               </a:spcAft>
               <a:buNone/>
             </a:pPr>
-            <a:endParaRPr/>
+            <a:r>
+              <a:rPr lang="it-IT" sz="2300" i="1"/>
+              <a:t> Arachidonic Acid (AA) is the precursor of cerebrovascular active substances in the human body, and its metabolites are closely associated with the pathogenesis of cerebrovascular diseases. In recent years, the cytochrome P450 (CYP) metabolic pathway of AA has become a research hotspot. Furthermore, the CYP metabolic pathway of AA is regulated by soluble epoxide hydrolase (sEH). 1-trifluoromethoxyphenyl-3(1-propionylpiperidin-4-yl) urea (TPPU) is a novel sEH inhibitor that exerts cerebrovascular protective activity.</a:t>
+            </a:r>
+            <a:endParaRPr sz="2300" i="1"/>
           </a:p>
         </p:txBody>
       </p:sp>
       <p:sp>
         <p:nvSpPr>
-          <p:cNvPr id="167" name="Google Shape;167;p20"/>
+          <p:cNvPr id="167" name="Google Shape;167;p21"/>
           <p:cNvSpPr txBox="1">
             <a:spLocks noGrp="1"/>
           </p:cNvSpPr>
@@ -13003,125 +14203,9 @@
             </a:pPr>
             <a:r>
               <a:rPr lang="it-IT" sz="4000"/>
-              <a:t>General Process Flow</a:t>
+              <a:t>Process Example</a:t>
             </a:r>
             <a:endParaRPr sz="4000"/>
-          </a:p>
-        </p:txBody>
-      </p:sp>
-      <p:pic>
-        <p:nvPicPr>
-          <p:cNvPr id="168" name="Google Shape;168;p20"/>
-          <p:cNvPicPr preferRelativeResize="0"/>
-          <p:nvPr/>
-        </p:nvPicPr>
-        <p:blipFill>
-          <a:blip r:embed="rId3">
-            <a:alphaModFix/>
-          </a:blip>
-          <a:stretch>
-            <a:fillRect/>
-          </a:stretch>
-        </p:blipFill>
-        <p:spPr>
-          <a:xfrm>
-            <a:off x="771375" y="2523650"/>
-            <a:ext cx="6658751" cy="3199650"/>
-          </a:xfrm>
-          <a:prstGeom prst="rect">
-            <a:avLst/>
-          </a:prstGeom>
-          <a:noFill/>
-          <a:ln>
-            <a:noFill/>
-          </a:ln>
-        </p:spPr>
-      </p:pic>
-      <p:sp>
-        <p:nvSpPr>
-          <p:cNvPr id="169" name="Google Shape;169;p20"/>
-          <p:cNvSpPr/>
-          <p:nvPr/>
-        </p:nvSpPr>
-        <p:spPr>
-          <a:xfrm>
-            <a:off x="3077600" y="3503375"/>
-            <a:ext cx="2046300" cy="1240200"/>
-          </a:xfrm>
-          <a:prstGeom prst="rect">
-            <a:avLst/>
-          </a:prstGeom>
-          <a:noFill/>
-          <a:ln w="38100" cap="flat" cmpd="sng">
-            <a:solidFill>
-              <a:srgbClr val="FF0000"/>
-            </a:solidFill>
-            <a:prstDash val="solid"/>
-            <a:round/>
-            <a:headEnd type="none" w="sm" len="sm"/>
-            <a:tailEnd type="none" w="sm" len="sm"/>
-          </a:ln>
-        </p:spPr>
-        <p:txBody>
-          <a:bodyPr spcFirstLastPara="1" wrap="square" lIns="91425" tIns="91425" rIns="91425" bIns="91425" anchor="ctr" anchorCtr="0">
-            <a:noAutofit/>
-          </a:bodyPr>
-          <a:lstStyle/>
-          <a:p>
-            <a:pPr marL="0" lvl="0" indent="0" algn="l" rtl="0">
-              <a:spcBef>
-                <a:spcPts val="0"/>
-              </a:spcBef>
-              <a:spcAft>
-                <a:spcPts val="0"/>
-              </a:spcAft>
-              <a:buNone/>
-            </a:pPr>
-            <a:endParaRPr/>
-          </a:p>
-        </p:txBody>
-      </p:sp>
-      <p:sp>
-        <p:nvSpPr>
-          <p:cNvPr id="170" name="Google Shape;170;p20"/>
-          <p:cNvSpPr/>
-          <p:nvPr/>
-        </p:nvSpPr>
-        <p:spPr>
-          <a:xfrm>
-            <a:off x="5383825" y="3503375"/>
-            <a:ext cx="2046300" cy="1240200"/>
-          </a:xfrm>
-          <a:prstGeom prst="rect">
-            <a:avLst/>
-          </a:prstGeom>
-          <a:noFill/>
-          <a:ln w="38100" cap="flat" cmpd="sng">
-            <a:solidFill>
-              <a:srgbClr val="FF0000"/>
-            </a:solidFill>
-            <a:prstDash val="solid"/>
-            <a:round/>
-            <a:headEnd type="none" w="sm" len="sm"/>
-            <a:tailEnd type="none" w="sm" len="sm"/>
-          </a:ln>
-        </p:spPr>
-        <p:txBody>
-          <a:bodyPr spcFirstLastPara="1" wrap="square" lIns="91425" tIns="91425" rIns="91425" bIns="91425" anchor="ctr" anchorCtr="0">
-            <a:noAutofit/>
-          </a:bodyPr>
-          <a:lstStyle/>
-          <a:p>
-            <a:pPr marL="0" lvl="0" indent="0" algn="l" rtl="0">
-              <a:spcBef>
-                <a:spcPts val="0"/>
-              </a:spcBef>
-              <a:spcAft>
-                <a:spcPts val="0"/>
-              </a:spcAft>
-              <a:buNone/>
-            </a:pPr>
-            <a:endParaRPr/>
           </a:p>
         </p:txBody>
       </p:sp>
@@ -13130,133 +14214,15 @@
   <p:clrMapOvr>
     <a:masterClrMapping/>
   </p:clrMapOvr>
-  <p:timing>
-    <p:tnLst>
-      <p:par>
-        <p:cTn id="1" dur="indefinite" restart="never" nodeType="tmRoot">
-          <p:childTnLst>
-            <p:seq concurrent="1" nextAc="seek">
-              <p:cTn id="2" dur="indefinite" nodeType="mainSeq">
-                <p:childTnLst>
-                  <p:par>
-                    <p:cTn id="3" fill="hold">
-                      <p:stCondLst>
-                        <p:cond delay="indefinite"/>
-                      </p:stCondLst>
-                      <p:childTnLst>
-                        <p:par>
-                          <p:cTn id="4" fill="hold">
-                            <p:stCondLst>
-                              <p:cond delay="0"/>
-                            </p:stCondLst>
-                            <p:childTnLst>
-                              <p:par>
-                                <p:cTn id="5" presetID="10" presetClass="entr" presetSubtype="0" fill="hold" nodeType="clickEffect">
-                                  <p:stCondLst>
-                                    <p:cond delay="0"/>
-                                  </p:stCondLst>
-                                  <p:childTnLst>
-                                    <p:set>
-                                      <p:cBhvr>
-                                        <p:cTn id="6" dur="1" fill="hold">
-                                          <p:stCondLst>
-                                            <p:cond delay="0"/>
-                                          </p:stCondLst>
-                                        </p:cTn>
-                                        <p:tgtEl>
-                                          <p:spTgt spid="170"/>
-                                        </p:tgtEl>
-                                        <p:attrNameLst>
-                                          <p:attrName>style.visibility</p:attrName>
-                                        </p:attrNameLst>
-                                      </p:cBhvr>
-                                      <p:to>
-                                        <p:strVal val="visible"/>
-                                      </p:to>
-                                    </p:set>
-                                    <p:animEffect transition="in" filter="fade">
-                                      <p:cBhvr>
-                                        <p:cTn id="7" dur="100"/>
-                                        <p:tgtEl>
-                                          <p:spTgt spid="170"/>
-                                        </p:tgtEl>
-                                      </p:cBhvr>
-                                    </p:animEffect>
-                                  </p:childTnLst>
-                                </p:cTn>
-                              </p:par>
-                              <p:par>
-                                <p:cTn id="8" presetID="10" presetClass="exit" presetSubtype="0" fill="hold" nodeType="withEffect">
-                                  <p:stCondLst>
-                                    <p:cond delay="0"/>
-                                  </p:stCondLst>
-                                  <p:childTnLst>
-                                    <p:animEffect transition="out" filter="fade">
-                                      <p:cBhvr>
-                                        <p:cTn id="9" dur="100"/>
-                                        <p:tgtEl>
-                                          <p:spTgt spid="169"/>
-                                        </p:tgtEl>
-                                      </p:cBhvr>
-                                    </p:animEffect>
-                                    <p:set>
-                                      <p:cBhvr>
-                                        <p:cTn id="10" dur="1" fill="hold">
-                                          <p:stCondLst>
-                                            <p:cond delay="100"/>
-                                          </p:stCondLst>
-                                        </p:cTn>
-                                        <p:tgtEl>
-                                          <p:spTgt spid="169"/>
-                                        </p:tgtEl>
-                                        <p:attrNameLst>
-                                          <p:attrName>style.visibility</p:attrName>
-                                        </p:attrNameLst>
-                                      </p:cBhvr>
-                                      <p:to>
-                                        <p:strVal val="hidden"/>
-                                      </p:to>
-                                    </p:set>
-                                  </p:childTnLst>
-                                </p:cTn>
-                              </p:par>
-                            </p:childTnLst>
-                          </p:cTn>
-                        </p:par>
-                      </p:childTnLst>
-                    </p:cTn>
-                  </p:par>
-                </p:childTnLst>
-              </p:cTn>
-              <p:prevCondLst>
-                <p:cond evt="onPrev" delay="0">
-                  <p:tgtEl>
-                    <p:sldTgt/>
-                  </p:tgtEl>
-                </p:cond>
-              </p:prevCondLst>
-              <p:nextCondLst>
-                <p:cond evt="onNext" delay="0">
-                  <p:tgtEl>
-                    <p:sldTgt/>
-                  </p:tgtEl>
-                </p:cond>
-              </p:nextCondLst>
-            </p:seq>
-          </p:childTnLst>
-        </p:cTn>
-      </p:par>
-    </p:tnLst>
-  </p:timing>
 </p:sld>
 </file>
 
-<file path=ppt/slides/slide16.xml><?xml version="1.0" encoding="utf-8"?>
+<file path=ppt/slides/slide18.xml><?xml version="1.0" encoding="utf-8"?>
 <p:sld xmlns:a="http://schemas.openxmlformats.org/drawingml/2006/main" xmlns:r="http://schemas.openxmlformats.org/officeDocument/2006/relationships" xmlns:p="http://schemas.openxmlformats.org/presentationml/2006/main">
   <p:cSld>
     <p:spTree>
       <p:nvGrpSpPr>
-        <p:cNvPr id="1" name="Shape 174"/>
+        <p:cNvPr id="1" name="Shape 171"/>
         <p:cNvGrpSpPr/>
         <p:nvPr/>
       </p:nvGrpSpPr>
@@ -13270,7 +14236,7 @@
       </p:grpSpPr>
       <p:sp>
         <p:nvSpPr>
-          <p:cNvPr id="175" name="Google Shape;175;p21"/>
+          <p:cNvPr id="172" name="Google Shape;172;p22"/>
           <p:cNvSpPr txBox="1">
             <a:spLocks noGrp="1"/>
           </p:cNvSpPr>
@@ -13297,184 +14263,101 @@
           </a:bodyPr>
           <a:lstStyle/>
           <a:p>
-            <a:pPr marL="457200" marR="0" lvl="0" indent="-355600" algn="l" rtl="0">
+            <a:pPr marL="0" marR="0" lvl="0" indent="0" algn="ctr" rtl="0">
               <a:lnSpc>
-                <a:spcPct val="100000"/>
+                <a:spcPct val="115000"/>
               </a:lnSpc>
               <a:spcBef>
                 <a:spcPts val="200"/>
               </a:spcBef>
               <a:spcAft>
-                <a:spcPts val="0"/>
-              </a:spcAft>
-              <a:buSzPts val="2000"/>
-              <a:buChar char="●"/>
-            </a:pPr>
-            <a:r>
-              <a:rPr lang="it-IT" sz="2800"/>
-              <a:t>Construction of directed causal graph</a:t>
-            </a:r>
-            <a:endParaRPr sz="2800"/>
-          </a:p>
-          <a:p>
-            <a:pPr marL="0" marR="0" lvl="0" indent="0" algn="l" rtl="0">
-              <a:lnSpc>
-                <a:spcPct val="100000"/>
-              </a:lnSpc>
-              <a:spcBef>
                 <a:spcPts val="200"/>
-              </a:spcBef>
-              <a:spcAft>
-                <a:spcPts val="0"/>
               </a:spcAft>
               <a:buNone/>
             </a:pPr>
-            <a:endParaRPr sz="2200"/>
-          </a:p>
-          <a:p>
-            <a:pPr marL="457200" marR="0" lvl="0" indent="-355600" algn="l" rtl="0">
-              <a:lnSpc>
-                <a:spcPct val="100000"/>
-              </a:lnSpc>
-              <a:spcBef>
-                <a:spcPts val="200"/>
-              </a:spcBef>
-              <a:spcAft>
-                <a:spcPts val="0"/>
-              </a:spcAft>
-              <a:buSzPts val="2000"/>
-              <a:buChar char="●"/>
-            </a:pPr>
-            <a:r>
-              <a:rPr lang="it-IT" sz="2800"/>
-              <a:t>Edge normalization  (A → B)</a:t>
-            </a:r>
-            <a:endParaRPr sz="2800"/>
-          </a:p>
-          <a:p>
-            <a:pPr marL="0" marR="0" lvl="0" indent="0" algn="l" rtl="0">
-              <a:lnSpc>
-                <a:spcPct val="100000"/>
-              </a:lnSpc>
-              <a:spcBef>
-                <a:spcPts val="200"/>
-              </a:spcBef>
-              <a:spcAft>
-                <a:spcPts val="0"/>
-              </a:spcAft>
-              <a:buNone/>
-            </a:pPr>
-            <a:endParaRPr sz="2200"/>
-          </a:p>
-          <a:p>
-            <a:pPr marL="457200" marR="0" lvl="0" indent="-355600" algn="l" rtl="0">
-              <a:lnSpc>
-                <a:spcPct val="100000"/>
-              </a:lnSpc>
-              <a:spcBef>
-                <a:spcPts val="200"/>
-              </a:spcBef>
-              <a:spcAft>
-                <a:spcPts val="0"/>
-              </a:spcAft>
-              <a:buSzPts val="2000"/>
-              <a:buChar char="●"/>
-            </a:pPr>
-            <a:r>
-              <a:rPr lang="it-IT" sz="2800"/>
-              <a:t>Cycle check</a:t>
-            </a:r>
-            <a:endParaRPr sz="2800"/>
-          </a:p>
-          <a:p>
-            <a:pPr marL="0" marR="0" lvl="0" indent="0" algn="l" rtl="0">
-              <a:lnSpc>
-                <a:spcPct val="100000"/>
-              </a:lnSpc>
-              <a:spcBef>
-                <a:spcPts val="200"/>
-              </a:spcBef>
-              <a:spcAft>
-                <a:spcPts val="0"/>
-              </a:spcAft>
-              <a:buNone/>
-            </a:pPr>
-            <a:endParaRPr sz="2200"/>
-          </a:p>
-          <a:p>
-            <a:pPr marL="457200" marR="0" lvl="0" indent="-355600" algn="l" rtl="0">
-              <a:lnSpc>
-                <a:spcPct val="100000"/>
-              </a:lnSpc>
-              <a:spcBef>
-                <a:spcPts val="200"/>
-              </a:spcBef>
-              <a:spcAft>
-                <a:spcPts val="0"/>
-              </a:spcAft>
-              <a:buSzPts val="2000"/>
-              <a:buChar char="●"/>
-            </a:pPr>
-            <a:r>
-              <a:rPr lang="it-IT" sz="2800"/>
-              <a:t>Interactive graph construction</a:t>
-            </a:r>
-            <a:endParaRPr sz="2800"/>
-          </a:p>
-          <a:p>
-            <a:pPr marL="0" lvl="0" indent="0" algn="l" rtl="0">
-              <a:spcBef>
-                <a:spcPts val="200"/>
-              </a:spcBef>
-              <a:spcAft>
-                <a:spcPts val="0"/>
-              </a:spcAft>
-              <a:buNone/>
-            </a:pPr>
-            <a:endParaRPr sz="2200"/>
-          </a:p>
-          <a:p>
-            <a:pPr marL="457200" lvl="0" indent="-355600" algn="l" rtl="0">
-              <a:spcBef>
-                <a:spcPts val="200"/>
-              </a:spcBef>
-              <a:spcAft>
-                <a:spcPts val="0"/>
-              </a:spcAft>
-              <a:buSzPts val="2000"/>
-              <a:buChar char="●"/>
-            </a:pPr>
-            <a:r>
-              <a:rPr lang="it-IT" sz="2800" i="1"/>
-              <a:t>NetworkX</a:t>
-            </a:r>
-            <a:r>
-              <a:rPr lang="it-IT" sz="2800"/>
-              <a:t>, </a:t>
-            </a:r>
-            <a:r>
-              <a:rPr lang="it-IT" sz="2800" i="1"/>
-              <a:t>Pyvis</a:t>
-            </a:r>
-            <a:r>
-              <a:rPr lang="it-IT" sz="2800"/>
-              <a:t>, and </a:t>
-            </a:r>
-            <a:r>
-              <a:rPr lang="it-IT" sz="2800" i="1"/>
-              <a:t>graph-tool </a:t>
-            </a:r>
-            <a:r>
-              <a:rPr lang="it-IT" sz="2800"/>
-              <a:t>packages</a:t>
-            </a:r>
-            <a:endParaRPr sz="2800"/>
+            <a:r>
+              <a:rPr lang="it-IT" sz="2300" i="1"/>
+              <a:t> </a:t>
+            </a:r>
+            <a:r>
+              <a:rPr lang="it-IT" sz="2300" i="1">
+                <a:highlight>
+                  <a:srgbClr val="FFFF00"/>
+                </a:highlight>
+              </a:rPr>
+              <a:t>Arachidonic Acid (AA)</a:t>
+            </a:r>
+            <a:r>
+              <a:rPr lang="it-IT" sz="2300" i="1"/>
+              <a:t> is the precursor of </a:t>
+            </a:r>
+            <a:r>
+              <a:rPr lang="it-IT" sz="2300" i="1">
+                <a:highlight>
+                  <a:srgbClr val="FFFF00"/>
+                </a:highlight>
+              </a:rPr>
+              <a:t>cerebrovascular active substances</a:t>
+            </a:r>
+            <a:r>
+              <a:rPr lang="it-IT" sz="2300" i="1"/>
+              <a:t> in the human body, and its metabolites are closely associated with the </a:t>
+            </a:r>
+            <a:r>
+              <a:rPr lang="it-IT" sz="2300" i="1">
+                <a:highlight>
+                  <a:srgbClr val="FFFF00"/>
+                </a:highlight>
+              </a:rPr>
+              <a:t>pathogenesis of cerebrovascular diseases</a:t>
+            </a:r>
+            <a:r>
+              <a:rPr lang="it-IT" sz="2300" i="1"/>
+              <a:t>. In recent years, the </a:t>
+            </a:r>
+            <a:r>
+              <a:rPr lang="it-IT" sz="2300" i="1">
+                <a:highlight>
+                  <a:srgbClr val="FFFF00"/>
+                </a:highlight>
+              </a:rPr>
+              <a:t>cytochrome P450 (CYP) metabolic pathway</a:t>
+            </a:r>
+            <a:r>
+              <a:rPr lang="it-IT" sz="2300" i="1"/>
+              <a:t> of AA has become a research hotspot. Furthermore, the CYP metabolic pathway of AA is regulated by </a:t>
+            </a:r>
+            <a:r>
+              <a:rPr lang="it-IT" sz="2300" i="1">
+                <a:highlight>
+                  <a:srgbClr val="FFFF00"/>
+                </a:highlight>
+              </a:rPr>
+              <a:t>soluble epoxide hydrolase (sEH)</a:t>
+            </a:r>
+            <a:r>
+              <a:rPr lang="it-IT" sz="2300" i="1"/>
+              <a:t>. </a:t>
+            </a:r>
+            <a:r>
+              <a:rPr lang="it-IT" sz="2300" i="1">
+                <a:highlight>
+                  <a:srgbClr val="FFFF00"/>
+                </a:highlight>
+              </a:rPr>
+              <a:t>1-trifluoromethoxyphenyl-3(1-propionylpiperidin-4-yl) urea (TPPU)</a:t>
+            </a:r>
+            <a:r>
+              <a:rPr lang="it-IT" sz="2300" i="1"/>
+              <a:t> is a novel sEH inhibitor that exerts cerebrovascular protective activity.</a:t>
+            </a:r>
+            <a:endParaRPr sz="2300" i="1"/>
           </a:p>
         </p:txBody>
       </p:sp>
       <p:sp>
         <p:nvSpPr>
-          <p:cNvPr id="176" name="Google Shape;176;p21"/>
+          <p:cNvPr id="173" name="Google Shape;173;p22"/>
           <p:cNvSpPr txBox="1">
             <a:spLocks noGrp="1"/>
           </p:cNvSpPr>
@@ -13501,10 +14384,7 @@
           </a:bodyPr>
           <a:lstStyle/>
           <a:p>
-            <a:pPr marL="342900" marR="0" lvl="0" indent="-342900" algn="l" rtl="0">
-              <a:lnSpc>
-                <a:spcPct val="100000"/>
-              </a:lnSpc>
+            <a:pPr marL="342900" lvl="0" indent="-342900" algn="l" rtl="0">
               <a:spcBef>
                 <a:spcPts val="0"/>
               </a:spcBef>
@@ -13520,40 +14400,12 @@
             </a:pPr>
             <a:r>
               <a:rPr lang="it-IT" sz="4000"/>
-              <a:t>Graph Plotting Process</a:t>
+              <a:t>Process Example</a:t>
             </a:r>
             <a:endParaRPr sz="4000"/>
           </a:p>
         </p:txBody>
       </p:sp>
-      <p:pic>
-        <p:nvPicPr>
-          <p:cNvPr id="177" name="Google Shape;177;p21"/>
-          <p:cNvPicPr preferRelativeResize="0"/>
-          <p:nvPr/>
-        </p:nvPicPr>
-        <p:blipFill>
-          <a:blip r:embed="rId3">
-            <a:alphaModFix/>
-          </a:blip>
-          <a:stretch>
-            <a:fillRect/>
-          </a:stretch>
-        </p:blipFill>
-        <p:spPr>
-          <a:xfrm>
-            <a:off x="5933550" y="3143625"/>
-            <a:ext cx="2238875" cy="2238875"/>
-          </a:xfrm>
-          <a:prstGeom prst="rect">
-            <a:avLst/>
-          </a:prstGeom>
-          <a:noFill/>
-          <a:ln>
-            <a:noFill/>
-          </a:ln>
-        </p:spPr>
-      </p:pic>
     </p:spTree>
   </p:cSld>
   <p:clrMapOvr>
@@ -13562,12 +14414,12 @@
 </p:sld>
 </file>
 
-<file path=ppt/slides/slide17.xml><?xml version="1.0" encoding="utf-8"?>
+<file path=ppt/slides/slide19.xml><?xml version="1.0" encoding="utf-8"?>
 <p:sld xmlns:a="http://schemas.openxmlformats.org/drawingml/2006/main" xmlns:r="http://schemas.openxmlformats.org/officeDocument/2006/relationships" xmlns:p="http://schemas.openxmlformats.org/presentationml/2006/main">
   <p:cSld>
     <p:spTree>
       <p:nvGrpSpPr>
-        <p:cNvPr id="1" name="Shape 181"/>
+        <p:cNvPr id="1" name="Shape 177"/>
         <p:cNvGrpSpPr/>
         <p:nvPr/>
       </p:nvGrpSpPr>
@@ -13581,7 +14433,7 @@
       </p:grpSpPr>
       <p:sp>
         <p:nvSpPr>
-          <p:cNvPr id="182" name="Google Shape;182;p22"/>
+          <p:cNvPr id="178" name="Google Shape;178;p23"/>
           <p:cNvSpPr txBox="1">
             <a:spLocks noGrp="1"/>
           </p:cNvSpPr>
@@ -13608,7 +14460,7 @@
           </a:bodyPr>
           <a:lstStyle/>
           <a:p>
-            <a:pPr marL="914400" marR="0" lvl="0" indent="0" algn="l" rtl="0">
+            <a:pPr marL="0" marR="0" lvl="0" indent="0" algn="ctr" rtl="0">
               <a:lnSpc>
                 <a:spcPct val="100000"/>
               </a:lnSpc>
@@ -13620,13 +14472,13 @@
               </a:spcAft>
               <a:buNone/>
             </a:pPr>
-            <a:endParaRPr sz="2800"/>
+            <a:endParaRPr sz="2300" i="1"/>
           </a:p>
         </p:txBody>
       </p:sp>
       <p:sp>
         <p:nvSpPr>
-          <p:cNvPr id="183" name="Google Shape;183;p22"/>
+          <p:cNvPr id="179" name="Google Shape;179;p23"/>
           <p:cNvSpPr txBox="1">
             <a:spLocks noGrp="1"/>
           </p:cNvSpPr>
@@ -13653,10 +14505,7 @@
           </a:bodyPr>
           <a:lstStyle/>
           <a:p>
-            <a:pPr marL="342900" marR="0" lvl="0" indent="-342900" algn="l" rtl="0">
-              <a:lnSpc>
-                <a:spcPct val="100000"/>
-              </a:lnSpc>
+            <a:pPr marL="342900" lvl="0" indent="-342900" algn="l" rtl="0">
               <a:spcBef>
                 <a:spcPts val="0"/>
               </a:spcBef>
@@ -13672,7 +14521,7 @@
             </a:pPr>
             <a:r>
               <a:rPr lang="it-IT" sz="4000"/>
-              <a:t>Graph Plotting Flow</a:t>
+              <a:t>Process Example</a:t>
             </a:r>
             <a:endParaRPr sz="4000"/>
           </a:p>
@@ -13680,848 +14529,21 @@
       </p:sp>
       <p:pic>
         <p:nvPicPr>
-          <p:cNvPr id="184" name="Google Shape;184;p22"/>
+          <p:cNvPr id="180" name="Google Shape;180;p23"/>
           <p:cNvPicPr preferRelativeResize="0"/>
           <p:nvPr/>
         </p:nvPicPr>
-        <p:blipFill>
+        <p:blipFill rotWithShape="1">
           <a:blip r:embed="rId3">
             <a:alphaModFix/>
           </a:blip>
-          <a:stretch>
-            <a:fillRect/>
-          </a:stretch>
+          <a:srcRect l="2453" r="2453"/>
+          <a:stretch/>
         </p:blipFill>
         <p:spPr>
           <a:xfrm>
-            <a:off x="874715" y="2379927"/>
-            <a:ext cx="6895836" cy="3305800"/>
-          </a:xfrm>
-          <a:prstGeom prst="rect">
-            <a:avLst/>
-          </a:prstGeom>
-          <a:noFill/>
-          <a:ln>
-            <a:noFill/>
-          </a:ln>
-        </p:spPr>
-      </p:pic>
-      <p:sp>
-        <p:nvSpPr>
-          <p:cNvPr id="185" name="Google Shape;185;p22"/>
-          <p:cNvSpPr/>
-          <p:nvPr/>
-        </p:nvSpPr>
-        <p:spPr>
-          <a:xfrm>
-            <a:off x="915350" y="3429000"/>
-            <a:ext cx="2046300" cy="1240200"/>
-          </a:xfrm>
-          <a:prstGeom prst="rect">
-            <a:avLst/>
-          </a:prstGeom>
-          <a:noFill/>
-          <a:ln w="38100" cap="flat" cmpd="sng">
-            <a:solidFill>
-              <a:srgbClr val="FF0000"/>
-            </a:solidFill>
-            <a:prstDash val="solid"/>
-            <a:round/>
-            <a:headEnd type="none" w="sm" len="sm"/>
-            <a:tailEnd type="none" w="sm" len="sm"/>
-          </a:ln>
-        </p:spPr>
-        <p:txBody>
-          <a:bodyPr spcFirstLastPara="1" wrap="square" lIns="91425" tIns="91425" rIns="91425" bIns="91425" anchor="ctr" anchorCtr="0">
-            <a:noAutofit/>
-          </a:bodyPr>
-          <a:lstStyle/>
-          <a:p>
-            <a:pPr marL="0" lvl="0" indent="0" algn="l" rtl="0">
-              <a:spcBef>
-                <a:spcPts val="0"/>
-              </a:spcBef>
-              <a:spcAft>
-                <a:spcPts val="0"/>
-              </a:spcAft>
-              <a:buNone/>
-            </a:pPr>
-            <a:endParaRPr/>
-          </a:p>
-        </p:txBody>
-      </p:sp>
-      <p:sp>
-        <p:nvSpPr>
-          <p:cNvPr id="186" name="Google Shape;186;p22"/>
-          <p:cNvSpPr/>
-          <p:nvPr/>
-        </p:nvSpPr>
-        <p:spPr>
-          <a:xfrm>
-            <a:off x="3299488" y="3429000"/>
-            <a:ext cx="2046300" cy="1240200"/>
-          </a:xfrm>
-          <a:prstGeom prst="rect">
-            <a:avLst/>
-          </a:prstGeom>
-          <a:noFill/>
-          <a:ln w="38100" cap="flat" cmpd="sng">
-            <a:solidFill>
-              <a:srgbClr val="FF0000"/>
-            </a:solidFill>
-            <a:prstDash val="solid"/>
-            <a:round/>
-            <a:headEnd type="none" w="sm" len="sm"/>
-            <a:tailEnd type="none" w="sm" len="sm"/>
-          </a:ln>
-        </p:spPr>
-        <p:txBody>
-          <a:bodyPr spcFirstLastPara="1" wrap="square" lIns="91425" tIns="91425" rIns="91425" bIns="91425" anchor="ctr" anchorCtr="0">
-            <a:noAutofit/>
-          </a:bodyPr>
-          <a:lstStyle/>
-          <a:p>
-            <a:pPr marL="0" lvl="0" indent="0" algn="l" rtl="0">
-              <a:spcBef>
-                <a:spcPts val="0"/>
-              </a:spcBef>
-              <a:spcAft>
-                <a:spcPts val="0"/>
-              </a:spcAft>
-              <a:buNone/>
-            </a:pPr>
-            <a:endParaRPr/>
-          </a:p>
-        </p:txBody>
-      </p:sp>
-      <p:sp>
-        <p:nvSpPr>
-          <p:cNvPr id="187" name="Google Shape;187;p22"/>
-          <p:cNvSpPr/>
-          <p:nvPr/>
-        </p:nvSpPr>
-        <p:spPr>
-          <a:xfrm>
-            <a:off x="5683650" y="3412725"/>
-            <a:ext cx="2046300" cy="1240200"/>
-          </a:xfrm>
-          <a:prstGeom prst="rect">
-            <a:avLst/>
-          </a:prstGeom>
-          <a:noFill/>
-          <a:ln w="38100" cap="flat" cmpd="sng">
-            <a:solidFill>
-              <a:srgbClr val="FF0000"/>
-            </a:solidFill>
-            <a:prstDash val="solid"/>
-            <a:round/>
-            <a:headEnd type="none" w="sm" len="sm"/>
-            <a:tailEnd type="none" w="sm" len="sm"/>
-          </a:ln>
-        </p:spPr>
-        <p:txBody>
-          <a:bodyPr spcFirstLastPara="1" wrap="square" lIns="91425" tIns="91425" rIns="91425" bIns="91425" anchor="ctr" anchorCtr="0">
-            <a:noAutofit/>
-          </a:bodyPr>
-          <a:lstStyle/>
-          <a:p>
-            <a:pPr marL="0" lvl="0" indent="0" algn="l" rtl="0">
-              <a:spcBef>
-                <a:spcPts val="0"/>
-              </a:spcBef>
-              <a:spcAft>
-                <a:spcPts val="0"/>
-              </a:spcAft>
-              <a:buNone/>
-            </a:pPr>
-            <a:endParaRPr/>
-          </a:p>
-        </p:txBody>
-      </p:sp>
-    </p:spTree>
-  </p:cSld>
-  <p:clrMapOvr>
-    <a:masterClrMapping/>
-  </p:clrMapOvr>
-  <p:timing>
-    <p:tnLst>
-      <p:par>
-        <p:cTn id="1" dur="indefinite" restart="never" nodeType="tmRoot">
-          <p:childTnLst>
-            <p:seq concurrent="1" nextAc="seek">
-              <p:cTn id="2" dur="indefinite" nodeType="mainSeq">
-                <p:childTnLst>
-                  <p:par>
-                    <p:cTn id="3" fill="hold">
-                      <p:stCondLst>
-                        <p:cond delay="indefinite"/>
-                      </p:stCondLst>
-                      <p:childTnLst>
-                        <p:par>
-                          <p:cTn id="4" fill="hold">
-                            <p:stCondLst>
-                              <p:cond delay="0"/>
-                            </p:stCondLst>
-                            <p:childTnLst>
-                              <p:par>
-                                <p:cTn id="5" presetID="10" presetClass="entr" presetSubtype="0" fill="hold" nodeType="clickEffect">
-                                  <p:stCondLst>
-                                    <p:cond delay="0"/>
-                                  </p:stCondLst>
-                                  <p:childTnLst>
-                                    <p:set>
-                                      <p:cBhvr>
-                                        <p:cTn id="6" dur="1" fill="hold">
-                                          <p:stCondLst>
-                                            <p:cond delay="0"/>
-                                          </p:stCondLst>
-                                        </p:cTn>
-                                        <p:tgtEl>
-                                          <p:spTgt spid="185"/>
-                                        </p:tgtEl>
-                                        <p:attrNameLst>
-                                          <p:attrName>style.visibility</p:attrName>
-                                        </p:attrNameLst>
-                                      </p:cBhvr>
-                                      <p:to>
-                                        <p:strVal val="visible"/>
-                                      </p:to>
-                                    </p:set>
-                                    <p:animEffect transition="in" filter="fade">
-                                      <p:cBhvr>
-                                        <p:cTn id="7" dur="100"/>
-                                        <p:tgtEl>
-                                          <p:spTgt spid="185"/>
-                                        </p:tgtEl>
-                                      </p:cBhvr>
-                                    </p:animEffect>
-                                  </p:childTnLst>
-                                </p:cTn>
-                              </p:par>
-                            </p:childTnLst>
-                          </p:cTn>
-                        </p:par>
-                      </p:childTnLst>
-                    </p:cTn>
-                  </p:par>
-                  <p:par>
-                    <p:cTn id="8" fill="hold">
-                      <p:stCondLst>
-                        <p:cond delay="indefinite"/>
-                      </p:stCondLst>
-                      <p:childTnLst>
-                        <p:par>
-                          <p:cTn id="9" fill="hold">
-                            <p:stCondLst>
-                              <p:cond delay="0"/>
-                            </p:stCondLst>
-                            <p:childTnLst>
-                              <p:par>
-                                <p:cTn id="10" presetID="10" presetClass="entr" presetSubtype="0" fill="hold" nodeType="clickEffect">
-                                  <p:stCondLst>
-                                    <p:cond delay="0"/>
-                                  </p:stCondLst>
-                                  <p:childTnLst>
-                                    <p:set>
-                                      <p:cBhvr>
-                                        <p:cTn id="11" dur="1" fill="hold">
-                                          <p:stCondLst>
-                                            <p:cond delay="0"/>
-                                          </p:stCondLst>
-                                        </p:cTn>
-                                        <p:tgtEl>
-                                          <p:spTgt spid="186"/>
-                                        </p:tgtEl>
-                                        <p:attrNameLst>
-                                          <p:attrName>style.visibility</p:attrName>
-                                        </p:attrNameLst>
-                                      </p:cBhvr>
-                                      <p:to>
-                                        <p:strVal val="visible"/>
-                                      </p:to>
-                                    </p:set>
-                                    <p:animEffect transition="in" filter="fade">
-                                      <p:cBhvr>
-                                        <p:cTn id="12" dur="100"/>
-                                        <p:tgtEl>
-                                          <p:spTgt spid="186"/>
-                                        </p:tgtEl>
-                                      </p:cBhvr>
-                                    </p:animEffect>
-                                  </p:childTnLst>
-                                </p:cTn>
-                              </p:par>
-                              <p:par>
-                                <p:cTn id="13" presetID="10" presetClass="exit" presetSubtype="0" fill="hold" nodeType="withEffect">
-                                  <p:stCondLst>
-                                    <p:cond delay="0"/>
-                                  </p:stCondLst>
-                                  <p:childTnLst>
-                                    <p:animEffect transition="out" filter="fade">
-                                      <p:cBhvr>
-                                        <p:cTn id="14" dur="100"/>
-                                        <p:tgtEl>
-                                          <p:spTgt spid="185"/>
-                                        </p:tgtEl>
-                                      </p:cBhvr>
-                                    </p:animEffect>
-                                    <p:set>
-                                      <p:cBhvr>
-                                        <p:cTn id="15" dur="1" fill="hold">
-                                          <p:stCondLst>
-                                            <p:cond delay="100"/>
-                                          </p:stCondLst>
-                                        </p:cTn>
-                                        <p:tgtEl>
-                                          <p:spTgt spid="185"/>
-                                        </p:tgtEl>
-                                        <p:attrNameLst>
-                                          <p:attrName>style.visibility</p:attrName>
-                                        </p:attrNameLst>
-                                      </p:cBhvr>
-                                      <p:to>
-                                        <p:strVal val="hidden"/>
-                                      </p:to>
-                                    </p:set>
-                                  </p:childTnLst>
-                                </p:cTn>
-                              </p:par>
-                            </p:childTnLst>
-                          </p:cTn>
-                        </p:par>
-                      </p:childTnLst>
-                    </p:cTn>
-                  </p:par>
-                  <p:par>
-                    <p:cTn id="16" fill="hold">
-                      <p:stCondLst>
-                        <p:cond delay="indefinite"/>
-                      </p:stCondLst>
-                      <p:childTnLst>
-                        <p:par>
-                          <p:cTn id="17" fill="hold">
-                            <p:stCondLst>
-                              <p:cond delay="0"/>
-                            </p:stCondLst>
-                            <p:childTnLst>
-                              <p:par>
-                                <p:cTn id="18" presetID="10" presetClass="entr" presetSubtype="0" fill="hold" nodeType="clickEffect">
-                                  <p:stCondLst>
-                                    <p:cond delay="0"/>
-                                  </p:stCondLst>
-                                  <p:childTnLst>
-                                    <p:set>
-                                      <p:cBhvr>
-                                        <p:cTn id="19" dur="1" fill="hold">
-                                          <p:stCondLst>
-                                            <p:cond delay="0"/>
-                                          </p:stCondLst>
-                                        </p:cTn>
-                                        <p:tgtEl>
-                                          <p:spTgt spid="187"/>
-                                        </p:tgtEl>
-                                        <p:attrNameLst>
-                                          <p:attrName>style.visibility</p:attrName>
-                                        </p:attrNameLst>
-                                      </p:cBhvr>
-                                      <p:to>
-                                        <p:strVal val="visible"/>
-                                      </p:to>
-                                    </p:set>
-                                    <p:animEffect transition="in" filter="fade">
-                                      <p:cBhvr>
-                                        <p:cTn id="20" dur="100"/>
-                                        <p:tgtEl>
-                                          <p:spTgt spid="187"/>
-                                        </p:tgtEl>
-                                      </p:cBhvr>
-                                    </p:animEffect>
-                                  </p:childTnLst>
-                                </p:cTn>
-                              </p:par>
-                              <p:par>
-                                <p:cTn id="21" presetID="10" presetClass="exit" presetSubtype="0" fill="hold" nodeType="withEffect">
-                                  <p:stCondLst>
-                                    <p:cond delay="0"/>
-                                  </p:stCondLst>
-                                  <p:childTnLst>
-                                    <p:animEffect transition="out" filter="fade">
-                                      <p:cBhvr>
-                                        <p:cTn id="22" dur="100"/>
-                                        <p:tgtEl>
-                                          <p:spTgt spid="186"/>
-                                        </p:tgtEl>
-                                      </p:cBhvr>
-                                    </p:animEffect>
-                                    <p:set>
-                                      <p:cBhvr>
-                                        <p:cTn id="23" dur="1" fill="hold">
-                                          <p:stCondLst>
-                                            <p:cond delay="100"/>
-                                          </p:stCondLst>
-                                        </p:cTn>
-                                        <p:tgtEl>
-                                          <p:spTgt spid="186"/>
-                                        </p:tgtEl>
-                                        <p:attrNameLst>
-                                          <p:attrName>style.visibility</p:attrName>
-                                        </p:attrNameLst>
-                                      </p:cBhvr>
-                                      <p:to>
-                                        <p:strVal val="hidden"/>
-                                      </p:to>
-                                    </p:set>
-                                  </p:childTnLst>
-                                </p:cTn>
-                              </p:par>
-                            </p:childTnLst>
-                          </p:cTn>
-                        </p:par>
-                      </p:childTnLst>
-                    </p:cTn>
-                  </p:par>
-                </p:childTnLst>
-              </p:cTn>
-              <p:prevCondLst>
-                <p:cond evt="onPrev" delay="0">
-                  <p:tgtEl>
-                    <p:sldTgt/>
-                  </p:tgtEl>
-                </p:cond>
-              </p:prevCondLst>
-              <p:nextCondLst>
-                <p:cond evt="onNext" delay="0">
-                  <p:tgtEl>
-                    <p:sldTgt/>
-                  </p:tgtEl>
-                </p:cond>
-              </p:nextCondLst>
-            </p:seq>
-          </p:childTnLst>
-        </p:cTn>
-      </p:par>
-    </p:tnLst>
-  </p:timing>
-</p:sld>
-</file>
-
-<file path=ppt/slides/slide18.xml><?xml version="1.0" encoding="utf-8"?>
-<p:sld xmlns:a="http://schemas.openxmlformats.org/drawingml/2006/main" xmlns:r="http://schemas.openxmlformats.org/officeDocument/2006/relationships" xmlns:p="http://schemas.openxmlformats.org/presentationml/2006/main">
-  <p:cSld>
-    <p:spTree>
-      <p:nvGrpSpPr>
-        <p:cNvPr id="1" name="Shape 191"/>
-        <p:cNvGrpSpPr/>
-        <p:nvPr/>
-      </p:nvGrpSpPr>
-      <p:grpSpPr>
-        <a:xfrm>
-          <a:off x="0" y="0"/>
-          <a:ext cx="0" cy="0"/>
-          <a:chOff x="0" y="0"/>
-          <a:chExt cx="0" cy="0"/>
-        </a:xfrm>
-      </p:grpSpPr>
-      <p:sp>
-        <p:nvSpPr>
-          <p:cNvPr id="192" name="Google Shape;192;p23"/>
-          <p:cNvSpPr txBox="1">
-            <a:spLocks noGrp="1"/>
-          </p:cNvSpPr>
-          <p:nvPr>
-            <p:ph type="body" idx="1"/>
-          </p:nvPr>
-        </p:nvSpPr>
-        <p:spPr>
-          <a:xfrm>
-            <a:off x="323522" y="2314975"/>
-            <a:ext cx="7848900" cy="4248600"/>
-          </a:xfrm>
-          <a:prstGeom prst="rect">
-            <a:avLst/>
-          </a:prstGeom>
-          <a:noFill/>
-          <a:ln>
-            <a:noFill/>
-          </a:ln>
-        </p:spPr>
-        <p:txBody>
-          <a:bodyPr spcFirstLastPara="1" wrap="square" lIns="0" tIns="0" rIns="0" bIns="0" anchor="t" anchorCtr="0">
-            <a:noAutofit/>
-          </a:bodyPr>
-          <a:lstStyle/>
-          <a:p>
-            <a:pPr marL="914400" marR="0" lvl="0" indent="0" algn="l" rtl="0">
-              <a:lnSpc>
-                <a:spcPct val="100000"/>
-              </a:lnSpc>
-              <a:spcBef>
-                <a:spcPts val="200"/>
-              </a:spcBef>
-              <a:spcAft>
-                <a:spcPts val="200"/>
-              </a:spcAft>
-              <a:buNone/>
-            </a:pPr>
-            <a:endParaRPr sz="2800"/>
-          </a:p>
-        </p:txBody>
-      </p:sp>
-      <p:sp>
-        <p:nvSpPr>
-          <p:cNvPr id="193" name="Google Shape;193;p23"/>
-          <p:cNvSpPr txBox="1">
-            <a:spLocks noGrp="1"/>
-          </p:cNvSpPr>
-          <p:nvPr>
-            <p:ph type="body" idx="2"/>
-          </p:nvPr>
-        </p:nvSpPr>
-        <p:spPr>
-          <a:xfrm>
-            <a:off x="323528" y="1203808"/>
-            <a:ext cx="7848900" cy="929100"/>
-          </a:xfrm>
-          <a:prstGeom prst="rect">
-            <a:avLst/>
-          </a:prstGeom>
-          <a:noFill/>
-          <a:ln>
-            <a:noFill/>
-          </a:ln>
-        </p:spPr>
-        <p:txBody>
-          <a:bodyPr spcFirstLastPara="1" wrap="square" lIns="0" tIns="0" rIns="0" bIns="0" anchor="t" anchorCtr="0">
-            <a:noAutofit/>
-          </a:bodyPr>
-          <a:lstStyle/>
-          <a:p>
-            <a:pPr marL="342900" marR="0" lvl="0" indent="-342900" algn="l" rtl="0">
-              <a:lnSpc>
-                <a:spcPct val="100000"/>
-              </a:lnSpc>
-              <a:spcBef>
-                <a:spcPts val="0"/>
-              </a:spcBef>
-              <a:spcAft>
-                <a:spcPts val="0"/>
-              </a:spcAft>
-              <a:buClr>
-                <a:srgbClr val="69A425"/>
-              </a:buClr>
-              <a:buSzPts val="2700"/>
-              <a:buFont typeface="Arial"/>
-              <a:buNone/>
-            </a:pPr>
-            <a:r>
-              <a:rPr lang="it-IT" sz="4000"/>
-              <a:t>Process Final Result</a:t>
-            </a:r>
-            <a:endParaRPr sz="4000"/>
-          </a:p>
-        </p:txBody>
-      </p:sp>
-      <p:pic>
-        <p:nvPicPr>
-          <p:cNvPr id="194" name="Google Shape;194;p23"/>
-          <p:cNvPicPr preferRelativeResize="0"/>
-          <p:nvPr/>
-        </p:nvPicPr>
-        <p:blipFill>
-          <a:blip r:embed="rId3">
-            <a:alphaModFix/>
-          </a:blip>
-          <a:stretch>
-            <a:fillRect/>
-          </a:stretch>
-        </p:blipFill>
-        <p:spPr>
-          <a:xfrm>
-            <a:off x="1382674" y="2132899"/>
-            <a:ext cx="5934749" cy="4440200"/>
-          </a:xfrm>
-          <a:prstGeom prst="rect">
-            <a:avLst/>
-          </a:prstGeom>
-          <a:noFill/>
-          <a:ln>
-            <a:noFill/>
-          </a:ln>
-        </p:spPr>
-      </p:pic>
-    </p:spTree>
-  </p:cSld>
-  <p:clrMapOvr>
-    <a:masterClrMapping/>
-  </p:clrMapOvr>
-</p:sld>
-</file>
-
-<file path=ppt/slides/slide19.xml><?xml version="1.0" encoding="utf-8"?>
-<p:sld xmlns:a="http://schemas.openxmlformats.org/drawingml/2006/main" xmlns:r="http://schemas.openxmlformats.org/officeDocument/2006/relationships" xmlns:p="http://schemas.openxmlformats.org/presentationml/2006/main">
-  <p:cSld>
-    <p:spTree>
-      <p:nvGrpSpPr>
-        <p:cNvPr id="1" name="Shape 198"/>
-        <p:cNvGrpSpPr/>
-        <p:nvPr/>
-      </p:nvGrpSpPr>
-      <p:grpSpPr>
-        <a:xfrm>
-          <a:off x="0" y="0"/>
-          <a:ext cx="0" cy="0"/>
-          <a:chOff x="0" y="0"/>
-          <a:chExt cx="0" cy="0"/>
-        </a:xfrm>
-      </p:grpSpPr>
-      <p:sp>
-        <p:nvSpPr>
-          <p:cNvPr id="199" name="Google Shape;199;p24"/>
-          <p:cNvSpPr txBox="1">
-            <a:spLocks noGrp="1"/>
-          </p:cNvSpPr>
-          <p:nvPr>
-            <p:ph type="body" idx="1"/>
-          </p:nvPr>
-        </p:nvSpPr>
-        <p:spPr>
-          <a:xfrm>
-            <a:off x="323522" y="2314975"/>
-            <a:ext cx="7848900" cy="4248600"/>
-          </a:xfrm>
-          <a:prstGeom prst="rect">
-            <a:avLst/>
-          </a:prstGeom>
-          <a:noFill/>
-          <a:ln>
-            <a:noFill/>
-          </a:ln>
-        </p:spPr>
-        <p:txBody>
-          <a:bodyPr spcFirstLastPara="1" wrap="square" lIns="0" tIns="0" rIns="0" bIns="0" anchor="t" anchorCtr="0">
-            <a:noAutofit/>
-          </a:bodyPr>
-          <a:lstStyle/>
-          <a:p>
-            <a:pPr marL="457200" marR="0" lvl="0" indent="-355600" algn="l" rtl="0">
-              <a:lnSpc>
-                <a:spcPct val="100000"/>
-              </a:lnSpc>
-              <a:spcBef>
-                <a:spcPts val="200"/>
-              </a:spcBef>
-              <a:spcAft>
-                <a:spcPts val="0"/>
-              </a:spcAft>
-              <a:buSzPts val="2000"/>
-              <a:buChar char="●"/>
-            </a:pPr>
-            <a:r>
-              <a:rPr lang="it-IT" sz="2800"/>
-              <a:t>Full causal graph discovery tests</a:t>
-            </a:r>
-            <a:endParaRPr sz="2800"/>
-          </a:p>
-          <a:p>
-            <a:pPr marL="914400" lvl="0" indent="0" algn="l" rtl="0">
-              <a:spcBef>
-                <a:spcPts val="200"/>
-              </a:spcBef>
-              <a:spcAft>
-                <a:spcPts val="0"/>
-              </a:spcAft>
-              <a:buNone/>
-            </a:pPr>
-            <a:endParaRPr sz="2800"/>
-          </a:p>
-          <a:p>
-            <a:pPr marL="457200" lvl="0" indent="-355600" algn="l" rtl="0">
-              <a:spcBef>
-                <a:spcPts val="200"/>
-              </a:spcBef>
-              <a:spcAft>
-                <a:spcPts val="0"/>
-              </a:spcAft>
-              <a:buSzPts val="2000"/>
-              <a:buChar char="●"/>
-            </a:pPr>
-            <a:r>
-              <a:rPr lang="it-IT" sz="2800"/>
-              <a:t>Known graphs as ground truth</a:t>
-            </a:r>
-            <a:endParaRPr sz="2800"/>
-          </a:p>
-          <a:p>
-            <a:pPr marL="914400" lvl="0" indent="0" algn="l" rtl="0">
-              <a:spcBef>
-                <a:spcPts val="200"/>
-              </a:spcBef>
-              <a:spcAft>
-                <a:spcPts val="0"/>
-              </a:spcAft>
-              <a:buNone/>
-            </a:pPr>
-            <a:endParaRPr sz="2800"/>
-          </a:p>
-          <a:p>
-            <a:pPr marL="457200" lvl="0" indent="-355600" algn="l" rtl="0">
-              <a:spcBef>
-                <a:spcPts val="200"/>
-              </a:spcBef>
-              <a:spcAft>
-                <a:spcPts val="0"/>
-              </a:spcAft>
-              <a:buSzPts val="2000"/>
-              <a:buChar char="●"/>
-            </a:pPr>
-            <a:r>
-              <a:rPr lang="it-IT" sz="2800"/>
-              <a:t>Evaluation metrics</a:t>
-            </a:r>
-            <a:endParaRPr sz="2800"/>
-          </a:p>
-          <a:p>
-            <a:pPr marL="990000" lvl="1" indent="-355599" algn="l" rtl="0">
-              <a:spcBef>
-                <a:spcPts val="0"/>
-              </a:spcBef>
-              <a:spcAft>
-                <a:spcPts val="0"/>
-              </a:spcAft>
-              <a:buSzPts val="2000"/>
-              <a:buChar char="○"/>
-            </a:pPr>
-            <a:r>
-              <a:rPr lang="it-IT"/>
-              <a:t>Precision</a:t>
-            </a:r>
-            <a:endParaRPr/>
-          </a:p>
-          <a:p>
-            <a:pPr marL="990000" lvl="1" indent="-355599" algn="l" rtl="0">
-              <a:spcBef>
-                <a:spcPts val="0"/>
-              </a:spcBef>
-              <a:spcAft>
-                <a:spcPts val="0"/>
-              </a:spcAft>
-              <a:buSzPts val="2000"/>
-              <a:buChar char="○"/>
-            </a:pPr>
-            <a:r>
-              <a:rPr lang="it-IT"/>
-              <a:t>Recall</a:t>
-            </a:r>
-            <a:endParaRPr/>
-          </a:p>
-          <a:p>
-            <a:pPr marL="990000" lvl="1" indent="-355599" algn="l" rtl="0">
-              <a:spcBef>
-                <a:spcPts val="0"/>
-              </a:spcBef>
-              <a:spcAft>
-                <a:spcPts val="0"/>
-              </a:spcAft>
-              <a:buSzPts val="2000"/>
-              <a:buChar char="○"/>
-            </a:pPr>
-            <a:r>
-              <a:rPr lang="it-IT"/>
-              <a:t>F1 score</a:t>
-            </a:r>
-            <a:endParaRPr/>
-          </a:p>
-          <a:p>
-            <a:pPr marL="990000" lvl="1" indent="-355599" algn="l" rtl="0">
-              <a:spcBef>
-                <a:spcPts val="0"/>
-              </a:spcBef>
-              <a:spcAft>
-                <a:spcPts val="0"/>
-              </a:spcAft>
-              <a:buSzPts val="2000"/>
-              <a:buChar char="○"/>
-            </a:pPr>
-            <a:r>
-              <a:rPr lang="it-IT"/>
-              <a:t>Structural Hamming Distance (SHD)</a:t>
-            </a:r>
-            <a:endParaRPr sz="2800"/>
-          </a:p>
-        </p:txBody>
-      </p:sp>
-      <p:sp>
-        <p:nvSpPr>
-          <p:cNvPr id="200" name="Google Shape;200;p24"/>
-          <p:cNvSpPr txBox="1">
-            <a:spLocks noGrp="1"/>
-          </p:cNvSpPr>
-          <p:nvPr>
-            <p:ph type="body" idx="2"/>
-          </p:nvPr>
-        </p:nvSpPr>
-        <p:spPr>
-          <a:xfrm>
-            <a:off x="323528" y="1203808"/>
-            <a:ext cx="7848900" cy="929100"/>
-          </a:xfrm>
-          <a:prstGeom prst="rect">
-            <a:avLst/>
-          </a:prstGeom>
-          <a:noFill/>
-          <a:ln>
-            <a:noFill/>
-          </a:ln>
-        </p:spPr>
-        <p:txBody>
-          <a:bodyPr spcFirstLastPara="1" wrap="square" lIns="0" tIns="0" rIns="0" bIns="0" anchor="t" anchorCtr="0">
-            <a:noAutofit/>
-          </a:bodyPr>
-          <a:lstStyle/>
-          <a:p>
-            <a:pPr marL="342900" marR="0" lvl="0" indent="-342900" algn="l" rtl="0">
-              <a:lnSpc>
-                <a:spcPct val="100000"/>
-              </a:lnSpc>
-              <a:spcBef>
-                <a:spcPts val="0"/>
-              </a:spcBef>
-              <a:spcAft>
-                <a:spcPts val="0"/>
-              </a:spcAft>
-              <a:buClr>
-                <a:srgbClr val="69A425"/>
-              </a:buClr>
-              <a:buSzPts val="2700"/>
-              <a:buFont typeface="Arial"/>
-              <a:buNone/>
-            </a:pPr>
-            <a:r>
-              <a:rPr lang="it-IT" sz="4000"/>
-              <a:t>Benchmarks</a:t>
-            </a:r>
-            <a:endParaRPr sz="4000"/>
-          </a:p>
-        </p:txBody>
-      </p:sp>
-      <p:pic>
-        <p:nvPicPr>
-          <p:cNvPr id="201" name="Google Shape;201;p24"/>
-          <p:cNvPicPr preferRelativeResize="0"/>
-          <p:nvPr/>
-        </p:nvPicPr>
-        <p:blipFill>
-          <a:blip r:embed="rId3">
-            <a:alphaModFix/>
-          </a:blip>
-          <a:stretch>
-            <a:fillRect/>
-          </a:stretch>
-        </p:blipFill>
-        <p:spPr>
-          <a:xfrm>
-            <a:off x="6081550" y="3196975"/>
-            <a:ext cx="2234950" cy="2234950"/>
+            <a:off x="1654851" y="2132900"/>
+            <a:ext cx="5035001" cy="4032050"/>
           </a:xfrm>
           <a:prstGeom prst="rect">
             <a:avLst/>
@@ -14588,7 +14610,7 @@
           <a:p>
             <a:pPr marL="457200" marR="0" lvl="0" indent="-355600" algn="l" rtl="0">
               <a:lnSpc>
-                <a:spcPct val="135000"/>
+                <a:spcPct val="130000"/>
               </a:lnSpc>
               <a:spcBef>
                 <a:spcPts val="0"/>
@@ -14608,7 +14630,7 @@
           <a:p>
             <a:pPr marL="457200" lvl="0" indent="-355600" algn="l" rtl="0">
               <a:lnSpc>
-                <a:spcPct val="135000"/>
+                <a:spcPct val="130000"/>
               </a:lnSpc>
               <a:spcBef>
                 <a:spcPts val="0"/>
@@ -14628,7 +14650,7 @@
           <a:p>
             <a:pPr marL="457200" marR="0" lvl="0" indent="-355600" algn="l" rtl="0">
               <a:lnSpc>
-                <a:spcPct val="135000"/>
+                <a:spcPct val="130000"/>
               </a:lnSpc>
               <a:spcBef>
                 <a:spcPts val="0"/>
@@ -14648,7 +14670,7 @@
           <a:p>
             <a:pPr marL="457200" marR="0" lvl="0" indent="-355600" algn="l" rtl="0">
               <a:lnSpc>
-                <a:spcPct val="135000"/>
+                <a:spcPct val="130000"/>
               </a:lnSpc>
               <a:spcBef>
                 <a:spcPts val="0"/>
@@ -14668,7 +14690,7 @@
           <a:p>
             <a:pPr marL="457200" marR="0" lvl="0" indent="-355600" algn="l" rtl="0">
               <a:lnSpc>
-                <a:spcPct val="135000"/>
+                <a:spcPct val="130000"/>
               </a:lnSpc>
               <a:spcBef>
                 <a:spcPts val="0"/>
@@ -14688,7 +14710,7 @@
           <a:p>
             <a:pPr marL="457200" marR="0" lvl="0" indent="-355600" algn="l" rtl="0">
               <a:lnSpc>
-                <a:spcPct val="135000"/>
+                <a:spcPct val="130000"/>
               </a:lnSpc>
               <a:spcBef>
                 <a:spcPts val="0"/>
@@ -14708,7 +14730,7 @@
           <a:p>
             <a:pPr marL="457200" marR="0" lvl="0" indent="-355600" algn="l" rtl="0">
               <a:lnSpc>
-                <a:spcPct val="135000"/>
+                <a:spcPct val="130000"/>
               </a:lnSpc>
               <a:spcBef>
                 <a:spcPts val="0"/>
@@ -14726,9 +14748,29 @@
             <a:endParaRPr sz="2800"/>
           </a:p>
           <a:p>
+            <a:pPr marL="457200" lvl="0" indent="-355600" algn="l" rtl="0">
+              <a:lnSpc>
+                <a:spcPct val="130000"/>
+              </a:lnSpc>
+              <a:spcBef>
+                <a:spcPts val="0"/>
+              </a:spcBef>
+              <a:spcAft>
+                <a:spcPts val="0"/>
+              </a:spcAft>
+              <a:buSzPts val="2000"/>
+              <a:buChar char="●"/>
+            </a:pPr>
+            <a:r>
+              <a:rPr lang="it-IT" sz="2800"/>
+              <a:t>Demo</a:t>
+            </a:r>
+            <a:endParaRPr sz="2800"/>
+          </a:p>
+          <a:p>
             <a:pPr marL="0" marR="0" lvl="0" indent="0" algn="l" rtl="0">
               <a:lnSpc>
-                <a:spcPct val="100000"/>
+                <a:spcPct val="130000"/>
               </a:lnSpc>
               <a:spcBef>
                 <a:spcPts val="0"/>
@@ -14814,7 +14856,7 @@
   <p:cSld>
     <p:spTree>
       <p:nvGrpSpPr>
-        <p:cNvPr id="1" name="Shape 205"/>
+        <p:cNvPr id="1" name="Shape 184"/>
         <p:cNvGrpSpPr/>
         <p:nvPr/>
       </p:nvGrpSpPr>
@@ -14828,7 +14870,7 @@
       </p:grpSpPr>
       <p:sp>
         <p:nvSpPr>
-          <p:cNvPr id="206" name="Google Shape;206;p25"/>
+          <p:cNvPr id="185" name="Google Shape;185;p24"/>
           <p:cNvSpPr txBox="1">
             <a:spLocks noGrp="1"/>
           </p:cNvSpPr>
@@ -14855,61 +14897,25 @@
           </a:bodyPr>
           <a:lstStyle/>
           <a:p>
-            <a:pPr marL="457200" lvl="0" indent="-355600" algn="l" rtl="0">
+            <a:pPr marL="0" marR="0" lvl="0" indent="0" algn="ctr" rtl="0">
+              <a:lnSpc>
+                <a:spcPct val="100000"/>
+              </a:lnSpc>
               <a:spcBef>
                 <a:spcPts val="200"/>
               </a:spcBef>
               <a:spcAft>
-                <a:spcPts val="0"/>
-              </a:spcAft>
-              <a:buSzPts val="2000"/>
-              <a:buChar char="●"/>
+                <a:spcPts val="200"/>
+              </a:spcAft>
+              <a:buNone/>
             </a:pPr>
-            <a:r>
-              <a:rPr lang="it-IT" sz="2800"/>
-              <a:t>Random baseline</a:t>
-            </a:r>
-            <a:endParaRPr sz="2800"/>
-          </a:p>
-          <a:p>
-            <a:pPr marL="457200" lvl="0" indent="-355600" algn="l" rtl="0">
-              <a:spcBef>
-                <a:spcPts val="0"/>
-              </a:spcBef>
-              <a:spcAft>
-                <a:spcPts val="0"/>
-              </a:spcAft>
-              <a:buSzPts val="2000"/>
-              <a:buChar char="●"/>
-            </a:pPr>
-            <a:r>
-              <a:rPr lang="it-IT" sz="2800"/>
-              <a:t>GPT-3.5</a:t>
-            </a:r>
-            <a:endParaRPr sz="2800"/>
-          </a:p>
-          <a:p>
-            <a:pPr marL="457200" lvl="0" indent="-355600" algn="l" rtl="0">
-              <a:spcBef>
-                <a:spcPts val="0"/>
-              </a:spcBef>
-              <a:spcAft>
-                <a:spcPts val="0"/>
-              </a:spcAft>
-              <a:buSzPts val="2000"/>
-              <a:buChar char="●"/>
-            </a:pPr>
-            <a:r>
-              <a:rPr lang="it-IT" sz="2800"/>
-              <a:t>GPT-4</a:t>
-            </a:r>
-            <a:endParaRPr sz="2800"/>
+            <a:endParaRPr sz="2300" i="1"/>
           </a:p>
         </p:txBody>
       </p:sp>
       <p:sp>
         <p:nvSpPr>
-          <p:cNvPr id="207" name="Google Shape;207;p25"/>
+          <p:cNvPr id="186" name="Google Shape;186;p24"/>
           <p:cNvSpPr txBox="1">
             <a:spLocks noGrp="1"/>
           </p:cNvSpPr>
@@ -14936,6 +14942,607 @@
           </a:bodyPr>
           <a:lstStyle/>
           <a:p>
+            <a:pPr marL="342900" lvl="0" indent="-342900" algn="l" rtl="0">
+              <a:spcBef>
+                <a:spcPts val="0"/>
+              </a:spcBef>
+              <a:spcAft>
+                <a:spcPts val="0"/>
+              </a:spcAft>
+              <a:buClr>
+                <a:srgbClr val="69A425"/>
+              </a:buClr>
+              <a:buSzPts val="2700"/>
+              <a:buFont typeface="Arial"/>
+              <a:buNone/>
+            </a:pPr>
+            <a:r>
+              <a:rPr lang="it-IT" sz="4000"/>
+              <a:t>Process Example</a:t>
+            </a:r>
+            <a:endParaRPr sz="4000"/>
+          </a:p>
+        </p:txBody>
+      </p:sp>
+      <p:pic>
+        <p:nvPicPr>
+          <p:cNvPr id="187" name="Google Shape;187;p24"/>
+          <p:cNvPicPr preferRelativeResize="0"/>
+          <p:nvPr/>
+        </p:nvPicPr>
+        <p:blipFill>
+          <a:blip r:embed="rId3">
+            <a:alphaModFix/>
+          </a:blip>
+          <a:stretch>
+            <a:fillRect/>
+          </a:stretch>
+        </p:blipFill>
+        <p:spPr>
+          <a:xfrm>
+            <a:off x="1969013" y="2132900"/>
+            <a:ext cx="4733925" cy="3790950"/>
+          </a:xfrm>
+          <a:prstGeom prst="rect">
+            <a:avLst/>
+          </a:prstGeom>
+          <a:noFill/>
+          <a:ln>
+            <a:noFill/>
+          </a:ln>
+        </p:spPr>
+      </p:pic>
+    </p:spTree>
+  </p:cSld>
+  <p:clrMapOvr>
+    <a:masterClrMapping/>
+  </p:clrMapOvr>
+</p:sld>
+</file>
+
+<file path=ppt/slides/slide21.xml><?xml version="1.0" encoding="utf-8"?>
+<p:sld xmlns:a="http://schemas.openxmlformats.org/drawingml/2006/main" xmlns:r="http://schemas.openxmlformats.org/officeDocument/2006/relationships" xmlns:p="http://schemas.openxmlformats.org/presentationml/2006/main">
+  <p:cSld>
+    <p:spTree>
+      <p:nvGrpSpPr>
+        <p:cNvPr id="1" name="Shape 191"/>
+        <p:cNvGrpSpPr/>
+        <p:nvPr/>
+      </p:nvGrpSpPr>
+      <p:grpSpPr>
+        <a:xfrm>
+          <a:off x="0" y="0"/>
+          <a:ext cx="0" cy="0"/>
+          <a:chOff x="0" y="0"/>
+          <a:chExt cx="0" cy="0"/>
+        </a:xfrm>
+      </p:grpSpPr>
+      <mc:AlternateContent xmlns:mc="http://schemas.openxmlformats.org/markup-compatibility/2006" xmlns:a14="http://schemas.microsoft.com/office/drawing/2010/main">
+        <mc:Choice Requires="a14">
+          <p:sp>
+            <p:nvSpPr>
+              <p:cNvPr id="192" name="Google Shape;192;p25"/>
+              <p:cNvSpPr txBox="1">
+                <a:spLocks noGrp="1"/>
+              </p:cNvSpPr>
+              <p:nvPr>
+                <p:ph type="body" idx="1"/>
+              </p:nvPr>
+            </p:nvSpPr>
+            <p:spPr>
+              <a:xfrm>
+                <a:off x="323522" y="2314975"/>
+                <a:ext cx="7848900" cy="4248600"/>
+              </a:xfrm>
+              <a:prstGeom prst="rect">
+                <a:avLst/>
+              </a:prstGeom>
+              <a:noFill/>
+              <a:ln>
+                <a:noFill/>
+              </a:ln>
+            </p:spPr>
+            <p:txBody>
+              <a:bodyPr spcFirstLastPara="1" wrap="square" lIns="0" tIns="0" rIns="0" bIns="0" anchor="t" anchorCtr="0">
+                <a:noAutofit/>
+              </a:bodyPr>
+              <a:lstStyle/>
+              <a:p>
+                <a:pPr marL="457200" marR="0" lvl="0" indent="-355600" algn="l" rtl="0">
+                  <a:lnSpc>
+                    <a:spcPct val="100000"/>
+                  </a:lnSpc>
+                  <a:spcBef>
+                    <a:spcPts val="200"/>
+                  </a:spcBef>
+                  <a:spcAft>
+                    <a:spcPts val="0"/>
+                  </a:spcAft>
+                  <a:buSzPts val="2000"/>
+                  <a:buChar char="●"/>
+                </a:pPr>
+                <a:r>
+                  <a:rPr lang="it-IT" sz="2800" dirty="0"/>
+                  <a:t>Full </a:t>
+                </a:r>
+                <a:r>
+                  <a:rPr lang="it-IT" sz="2800" dirty="0" err="1"/>
+                  <a:t>causal</a:t>
+                </a:r>
+                <a:r>
+                  <a:rPr lang="it-IT" sz="2800" dirty="0"/>
+                  <a:t> graph </a:t>
+                </a:r>
+                <a:r>
+                  <a:rPr lang="it-IT" sz="2800" dirty="0" err="1"/>
+                  <a:t>discovery</a:t>
+                </a:r>
+                <a:r>
+                  <a:rPr lang="it-IT" sz="2800" dirty="0"/>
+                  <a:t> </a:t>
+                </a:r>
+                <a:r>
+                  <a:rPr lang="it-IT" sz="2800" dirty="0" err="1"/>
+                  <a:t>tests</a:t>
+                </a:r>
+                <a:endParaRPr lang="it-IT" sz="2800" dirty="0"/>
+              </a:p>
+              <a:p>
+                <a:pPr marL="914400" lvl="0" indent="0" algn="l" rtl="0">
+                  <a:spcBef>
+                    <a:spcPts val="200"/>
+                  </a:spcBef>
+                  <a:spcAft>
+                    <a:spcPts val="0"/>
+                  </a:spcAft>
+                  <a:buNone/>
+                </a:pPr>
+                <a:endParaRPr lang="it-IT" sz="2800" dirty="0"/>
+              </a:p>
+              <a:p>
+                <a:pPr marL="457200" lvl="0" indent="-355600" algn="l" rtl="0">
+                  <a:spcBef>
+                    <a:spcPts val="200"/>
+                  </a:spcBef>
+                  <a:spcAft>
+                    <a:spcPts val="0"/>
+                  </a:spcAft>
+                  <a:buSzPts val="2000"/>
+                  <a:buChar char="●"/>
+                </a:pPr>
+                <a:r>
+                  <a:rPr lang="it-IT" sz="2800" dirty="0" err="1"/>
+                  <a:t>Known</a:t>
+                </a:r>
+                <a:r>
+                  <a:rPr lang="it-IT" sz="2800" dirty="0"/>
+                  <a:t> graphs as ground truth</a:t>
+                </a:r>
+              </a:p>
+              <a:p>
+                <a:pPr marL="914400" lvl="0" indent="0" algn="l" rtl="0">
+                  <a:spcBef>
+                    <a:spcPts val="200"/>
+                  </a:spcBef>
+                  <a:spcAft>
+                    <a:spcPts val="0"/>
+                  </a:spcAft>
+                  <a:buNone/>
+                </a:pPr>
+                <a:endParaRPr lang="it-IT" sz="2800" dirty="0"/>
+              </a:p>
+              <a:p>
+                <a:pPr marL="457200" lvl="0" indent="-355600" algn="l" rtl="0">
+                  <a:spcBef>
+                    <a:spcPts val="200"/>
+                  </a:spcBef>
+                  <a:spcAft>
+                    <a:spcPts val="0"/>
+                  </a:spcAft>
+                  <a:buSzPts val="2000"/>
+                  <a:buChar char="●"/>
+                </a:pPr>
+                <a:r>
+                  <a:rPr lang="it-IT" sz="2800" dirty="0"/>
+                  <a:t>Evaluation </a:t>
+                </a:r>
+                <a:r>
+                  <a:rPr lang="it-IT" sz="2800" dirty="0" err="1"/>
+                  <a:t>metrics</a:t>
+                </a:r>
+                <a:endParaRPr lang="it-IT" sz="2800" dirty="0"/>
+              </a:p>
+              <a:p>
+                <a:pPr marL="990000" lvl="1" indent="-355599">
+                  <a:spcBef>
+                    <a:spcPts val="0"/>
+                  </a:spcBef>
+                  <a:buSzPts val="2000"/>
+                  <a:buChar char="○"/>
+                </a:pPr>
+                <a:r>
+                  <a:rPr lang="it-IT" dirty="0"/>
+                  <a:t>Precision, </a:t>
+                </a:r>
+                <a:r>
+                  <a:rPr lang="it-IT" sz="2400" i="1" dirty="0"/>
+                  <a:t>Pr</a:t>
+                </a:r>
+                <a:r>
+                  <a:rPr lang="it-IT" sz="2400" dirty="0"/>
+                  <a:t> </a:t>
+                </a:r>
+                <a14:m>
+                  <m:oMath xmlns:m="http://schemas.openxmlformats.org/officeDocument/2006/math">
+                    <m:r>
+                      <a:rPr lang="it-IT" sz="2400" i="0" smtClean="0">
+                        <a:latin typeface="Cambria Math" panose="02040503050406030204" pitchFamily="18" charset="0"/>
+                      </a:rPr>
+                      <m:t>=</m:t>
+                    </m:r>
+                    <m:f>
+                      <m:fPr>
+                        <m:ctrlPr>
+                          <a:rPr lang="ar-AE" sz="2400" i="1" smtClean="0">
+                            <a:latin typeface="Cambria Math" panose="02040503050406030204" pitchFamily="18" charset="0"/>
+                          </a:rPr>
+                        </m:ctrlPr>
+                      </m:fPr>
+                      <m:num>
+                        <m:r>
+                          <m:rPr>
+                            <m:sty m:val="p"/>
+                          </m:rPr>
+                          <a:rPr lang="ar-AE" sz="2400" b="0" i="0" smtClean="0">
+                            <a:latin typeface="Cambria Math" panose="02040503050406030204" pitchFamily="18" charset="0"/>
+                          </a:rPr>
+                          <m:t>T</m:t>
+                        </m:r>
+                        <m:r>
+                          <m:rPr>
+                            <m:sty m:val="p"/>
+                          </m:rPr>
+                          <a:rPr lang="it-IT" sz="2400" b="0" i="0" smtClean="0">
+                            <a:latin typeface="Cambria Math" panose="02040503050406030204" pitchFamily="18" charset="0"/>
+                          </a:rPr>
+                          <m:t>P</m:t>
+                        </m:r>
+                      </m:num>
+                      <m:den>
+                        <m:r>
+                          <m:rPr>
+                            <m:sty m:val="p"/>
+                          </m:rPr>
+                          <a:rPr lang="it-IT" sz="2400" i="0">
+                            <a:latin typeface="Cambria Math" panose="02040503050406030204" pitchFamily="18" charset="0"/>
+                          </a:rPr>
+                          <m:t>TP</m:t>
+                        </m:r>
+                        <m:r>
+                          <a:rPr lang="it-IT" sz="2400" i="0">
+                            <a:latin typeface="Cambria Math" panose="02040503050406030204" pitchFamily="18" charset="0"/>
+                          </a:rPr>
+                          <m:t>+</m:t>
+                        </m:r>
+                        <m:r>
+                          <m:rPr>
+                            <m:sty m:val="p"/>
+                          </m:rPr>
+                          <a:rPr lang="it-IT" sz="2400" i="0">
+                            <a:latin typeface="Cambria Math" panose="02040503050406030204" pitchFamily="18" charset="0"/>
+                          </a:rPr>
+                          <m:t>FP</m:t>
+                        </m:r>
+                      </m:den>
+                    </m:f>
+                  </m:oMath>
+                </a14:m>
+                <a:endParaRPr lang="it-IT" sz="2400" dirty="0"/>
+              </a:p>
+              <a:p>
+                <a:pPr marL="990000" lvl="1" indent="-355599" algn="l" rtl="0">
+                  <a:spcBef>
+                    <a:spcPts val="0"/>
+                  </a:spcBef>
+                  <a:spcAft>
+                    <a:spcPts val="0"/>
+                  </a:spcAft>
+                  <a:buSzPts val="2000"/>
+                  <a:buChar char="○"/>
+                </a:pPr>
+                <a:r>
+                  <a:rPr lang="it-IT" dirty="0"/>
+                  <a:t>Recall, </a:t>
+                </a:r>
+                <a:r>
+                  <a:rPr lang="it-IT" sz="2400" i="1" dirty="0"/>
+                  <a:t>Re </a:t>
+                </a:r>
+                <a14:m>
+                  <m:oMath xmlns:m="http://schemas.openxmlformats.org/officeDocument/2006/math">
+                    <m:r>
+                      <a:rPr lang="it-IT" sz="2400" i="0" smtClean="0">
+                        <a:latin typeface="Cambria Math" panose="02040503050406030204" pitchFamily="18" charset="0"/>
+                      </a:rPr>
+                      <m:t>=</m:t>
+                    </m:r>
+                    <m:f>
+                      <m:fPr>
+                        <m:ctrlPr>
+                          <a:rPr lang="ar-AE" sz="2400" i="1" smtClean="0">
+                            <a:latin typeface="Cambria Math" panose="02040503050406030204" pitchFamily="18" charset="0"/>
+                          </a:rPr>
+                        </m:ctrlPr>
+                      </m:fPr>
+                      <m:num>
+                        <m:r>
+                          <m:rPr>
+                            <m:sty m:val="p"/>
+                          </m:rPr>
+                          <a:rPr lang="ar-AE" sz="2400" b="0" i="0" smtClean="0">
+                            <a:latin typeface="Cambria Math" panose="02040503050406030204" pitchFamily="18" charset="0"/>
+                          </a:rPr>
+                          <m:t>T</m:t>
+                        </m:r>
+                        <m:r>
+                          <m:rPr>
+                            <m:sty m:val="p"/>
+                          </m:rPr>
+                          <a:rPr lang="it-IT" sz="2400" b="0" i="0" smtClean="0">
+                            <a:latin typeface="Cambria Math" panose="02040503050406030204" pitchFamily="18" charset="0"/>
+                          </a:rPr>
+                          <m:t>P</m:t>
+                        </m:r>
+                      </m:num>
+                      <m:den>
+                        <m:r>
+                          <m:rPr>
+                            <m:sty m:val="p"/>
+                          </m:rPr>
+                          <a:rPr lang="it-IT" sz="2400" i="0">
+                            <a:latin typeface="Cambria Math" panose="02040503050406030204" pitchFamily="18" charset="0"/>
+                          </a:rPr>
+                          <m:t>TP</m:t>
+                        </m:r>
+                        <m:r>
+                          <a:rPr lang="it-IT" sz="2400" i="0">
+                            <a:latin typeface="Cambria Math" panose="02040503050406030204" pitchFamily="18" charset="0"/>
+                          </a:rPr>
+                          <m:t>+</m:t>
+                        </m:r>
+                        <m:r>
+                          <m:rPr>
+                            <m:sty m:val="p"/>
+                          </m:rPr>
+                          <a:rPr lang="it-IT" sz="2400" i="0">
+                            <a:latin typeface="Cambria Math" panose="02040503050406030204" pitchFamily="18" charset="0"/>
+                          </a:rPr>
+                          <m:t>FN</m:t>
+                        </m:r>
+                      </m:den>
+                    </m:f>
+                  </m:oMath>
+                </a14:m>
+                <a:endParaRPr lang="it-IT" sz="2400" dirty="0"/>
+              </a:p>
+              <a:p>
+                <a:pPr marL="990000" lvl="1" indent="-355599">
+                  <a:spcBef>
+                    <a:spcPts val="0"/>
+                  </a:spcBef>
+                  <a:buSzPts val="2000"/>
+                  <a:buChar char="○"/>
+                </a:pPr>
+                <a:r>
+                  <a:rPr lang="it-IT" dirty="0"/>
+                  <a:t>F1 score, </a:t>
+                </a:r>
+                <a:r>
+                  <a:rPr lang="it-IT" sz="2400" i="1" dirty="0"/>
+                  <a:t>F1</a:t>
+                </a:r>
+                <a:r>
+                  <a:rPr lang="it-IT" sz="2400" dirty="0"/>
+                  <a:t> </a:t>
+                </a:r>
+                <a14:m>
+                  <m:oMath xmlns:m="http://schemas.openxmlformats.org/officeDocument/2006/math">
+                    <m:r>
+                      <a:rPr lang="it-IT" sz="2400" i="0" smtClean="0">
+                        <a:latin typeface="Cambria Math" panose="02040503050406030204" pitchFamily="18" charset="0"/>
+                      </a:rPr>
+                      <m:t>=</m:t>
+                    </m:r>
+                    <m:r>
+                      <a:rPr lang="it-IT" sz="2400" b="0" i="0" smtClean="0">
+                        <a:latin typeface="Cambria Math" panose="02040503050406030204" pitchFamily="18" charset="0"/>
+                      </a:rPr>
+                      <m:t>2</m:t>
+                    </m:r>
+                    <m:r>
+                      <a:rPr lang="it-IT" sz="2400" b="0" i="1" smtClean="0">
+                        <a:latin typeface="Cambria Math" panose="02040503050406030204" pitchFamily="18" charset="0"/>
+                      </a:rPr>
+                      <m:t>·</m:t>
+                    </m:r>
+                    <m:f>
+                      <m:fPr>
+                        <m:ctrlPr>
+                          <a:rPr lang="ar-AE" sz="2400" i="1" smtClean="0">
+                            <a:latin typeface="Cambria Math" panose="02040503050406030204" pitchFamily="18" charset="0"/>
+                          </a:rPr>
+                        </m:ctrlPr>
+                      </m:fPr>
+                      <m:num>
+                        <m:r>
+                          <m:rPr>
+                            <m:sty m:val="p"/>
+                          </m:rPr>
+                          <a:rPr lang="it-IT" sz="2400" b="0" i="0" smtClean="0">
+                            <a:latin typeface="Cambria Math" panose="02040503050406030204" pitchFamily="18" charset="0"/>
+                          </a:rPr>
+                          <m:t>Pr</m:t>
+                        </m:r>
+                        <m:r>
+                          <a:rPr lang="it-IT" sz="2400" i="1">
+                            <a:latin typeface="Cambria Math" panose="02040503050406030204" pitchFamily="18" charset="0"/>
+                          </a:rPr>
+                          <m:t>·</m:t>
+                        </m:r>
+                        <m:r>
+                          <m:rPr>
+                            <m:sty m:val="p"/>
+                          </m:rPr>
+                          <a:rPr lang="it-IT" sz="2400" b="0" i="0" smtClean="0">
+                            <a:latin typeface="Cambria Math" panose="02040503050406030204" pitchFamily="18" charset="0"/>
+                          </a:rPr>
+                          <m:t>Re</m:t>
+                        </m:r>
+                      </m:num>
+                      <m:den>
+                        <m:r>
+                          <m:rPr>
+                            <m:sty m:val="p"/>
+                          </m:rPr>
+                          <a:rPr lang="it-IT" sz="2400">
+                            <a:latin typeface="Cambria Math" panose="02040503050406030204" pitchFamily="18" charset="0"/>
+                          </a:rPr>
+                          <m:t>Pr</m:t>
+                        </m:r>
+                        <m:r>
+                          <a:rPr lang="it-IT" sz="2400" b="0" i="0" smtClean="0">
+                            <a:latin typeface="Cambria Math" panose="02040503050406030204" pitchFamily="18" charset="0"/>
+                          </a:rPr>
+                          <m:t>+</m:t>
+                        </m:r>
+                        <m:r>
+                          <m:rPr>
+                            <m:sty m:val="p"/>
+                          </m:rPr>
+                          <a:rPr lang="it-IT" sz="2400">
+                            <a:latin typeface="Cambria Math" panose="02040503050406030204" pitchFamily="18" charset="0"/>
+                          </a:rPr>
+                          <m:t>Re</m:t>
+                        </m:r>
+                      </m:den>
+                    </m:f>
+                  </m:oMath>
+                </a14:m>
+                <a:endParaRPr lang="it-IT" dirty="0"/>
+              </a:p>
+              <a:p>
+                <a:pPr marL="990000" lvl="1" indent="-355599" algn="l" rtl="0">
+                  <a:spcBef>
+                    <a:spcPts val="0"/>
+                  </a:spcBef>
+                  <a:spcAft>
+                    <a:spcPts val="0"/>
+                  </a:spcAft>
+                  <a:buSzPts val="2000"/>
+                  <a:buChar char="○"/>
+                </a:pPr>
+                <a:r>
+                  <a:rPr lang="it-IT" dirty="0" err="1"/>
+                  <a:t>Structural</a:t>
+                </a:r>
+                <a:r>
+                  <a:rPr lang="it-IT" dirty="0"/>
+                  <a:t> </a:t>
+                </a:r>
+                <a:r>
+                  <a:rPr lang="it-IT" dirty="0" err="1"/>
+                  <a:t>Hamming</a:t>
+                </a:r>
+                <a:r>
+                  <a:rPr lang="it-IT" dirty="0"/>
+                  <a:t> </a:t>
+                </a:r>
+                <a:r>
+                  <a:rPr lang="it-IT" dirty="0" err="1"/>
+                  <a:t>Distance</a:t>
+                </a:r>
+                <a:r>
+                  <a:rPr lang="it-IT" dirty="0"/>
+                  <a:t> (SHD)</a:t>
+                </a:r>
+                <a:endParaRPr sz="2800" dirty="0"/>
+              </a:p>
+            </p:txBody>
+          </p:sp>
+        </mc:Choice>
+        <mc:Fallback xmlns="">
+          <p:sp>
+            <p:nvSpPr>
+              <p:cNvPr id="192" name="Google Shape;192;p25"/>
+              <p:cNvSpPr txBox="1">
+                <a:spLocks noGrp="1" noRot="1" noChangeAspect="1" noMove="1" noResize="1" noEditPoints="1" noAdjustHandles="1" noChangeArrowheads="1" noChangeShapeType="1" noTextEdit="1"/>
+              </p:cNvSpPr>
+              <p:nvPr>
+                <p:ph type="body" idx="1"/>
+              </p:nvPr>
+            </p:nvSpPr>
+            <p:spPr>
+              <a:xfrm>
+                <a:off x="323522" y="2314975"/>
+                <a:ext cx="7848900" cy="4248600"/>
+              </a:xfrm>
+              <a:prstGeom prst="rect">
+                <a:avLst/>
+              </a:prstGeom>
+              <a:blipFill>
+                <a:blip r:embed="rId3"/>
+                <a:stretch>
+                  <a:fillRect l="-543" t="-2009" b="-5452"/>
+                </a:stretch>
+              </a:blipFill>
+              <a:ln>
+                <a:noFill/>
+              </a:ln>
+            </p:spPr>
+            <p:txBody>
+              <a:bodyPr/>
+              <a:lstStyle/>
+              <a:p>
+                <a:r>
+                  <a:rPr lang="en-US">
+                    <a:noFill/>
+                  </a:rPr>
+                  <a:t> </a:t>
+                </a:r>
+              </a:p>
+            </p:txBody>
+          </p:sp>
+        </mc:Fallback>
+      </mc:AlternateContent>
+      <p:sp>
+        <p:nvSpPr>
+          <p:cNvPr id="193" name="Google Shape;193;p25"/>
+          <p:cNvSpPr txBox="1">
+            <a:spLocks noGrp="1"/>
+          </p:cNvSpPr>
+          <p:nvPr>
+            <p:ph type="body" idx="2"/>
+          </p:nvPr>
+        </p:nvSpPr>
+        <p:spPr>
+          <a:xfrm>
+            <a:off x="323528" y="1203808"/>
+            <a:ext cx="7848900" cy="929100"/>
+          </a:xfrm>
+          <a:prstGeom prst="rect">
+            <a:avLst/>
+          </a:prstGeom>
+          <a:noFill/>
+          <a:ln>
+            <a:noFill/>
+          </a:ln>
+        </p:spPr>
+        <p:txBody>
+          <a:bodyPr spcFirstLastPara="1" wrap="square" lIns="0" tIns="0" rIns="0" bIns="0" anchor="t" anchorCtr="0">
+            <a:noAutofit/>
+          </a:bodyPr>
+          <a:lstStyle/>
+          <a:p>
             <a:pPr marL="342900" marR="0" lvl="0" indent="-342900" algn="l" rtl="0">
               <a:lnSpc>
                 <a:spcPct val="100000"/>
@@ -14955,6 +15562,194 @@
             </a:pPr>
             <a:r>
               <a:rPr lang="it-IT" sz="4000"/>
+              <a:t>Benchmarks</a:t>
+            </a:r>
+            <a:endParaRPr sz="4000"/>
+          </a:p>
+        </p:txBody>
+      </p:sp>
+      <p:pic>
+        <p:nvPicPr>
+          <p:cNvPr id="194" name="Google Shape;194;p25"/>
+          <p:cNvPicPr preferRelativeResize="0"/>
+          <p:nvPr/>
+        </p:nvPicPr>
+        <p:blipFill>
+          <a:blip r:embed="rId4">
+            <a:alphaModFix/>
+          </a:blip>
+          <a:stretch>
+            <a:fillRect/>
+          </a:stretch>
+        </p:blipFill>
+        <p:spPr>
+          <a:xfrm>
+            <a:off x="6081550" y="3196975"/>
+            <a:ext cx="2234950" cy="2234950"/>
+          </a:xfrm>
+          <a:prstGeom prst="rect">
+            <a:avLst/>
+          </a:prstGeom>
+          <a:noFill/>
+          <a:ln>
+            <a:noFill/>
+          </a:ln>
+        </p:spPr>
+      </p:pic>
+    </p:spTree>
+  </p:cSld>
+  <p:clrMapOvr>
+    <a:masterClrMapping/>
+  </p:clrMapOvr>
+</p:sld>
+</file>
+
+<file path=ppt/slides/slide22.xml><?xml version="1.0" encoding="utf-8"?>
+<p:sld xmlns:a="http://schemas.openxmlformats.org/drawingml/2006/main" xmlns:r="http://schemas.openxmlformats.org/officeDocument/2006/relationships" xmlns:p="http://schemas.openxmlformats.org/presentationml/2006/main">
+  <p:cSld>
+    <p:spTree>
+      <p:nvGrpSpPr>
+        <p:cNvPr id="1" name="Shape 198"/>
+        <p:cNvGrpSpPr/>
+        <p:nvPr/>
+      </p:nvGrpSpPr>
+      <p:grpSpPr>
+        <a:xfrm>
+          <a:off x="0" y="0"/>
+          <a:ext cx="0" cy="0"/>
+          <a:chOff x="0" y="0"/>
+          <a:chExt cx="0" cy="0"/>
+        </a:xfrm>
+      </p:grpSpPr>
+      <p:sp>
+        <p:nvSpPr>
+          <p:cNvPr id="199" name="Google Shape;199;p26"/>
+          <p:cNvSpPr txBox="1">
+            <a:spLocks noGrp="1"/>
+          </p:cNvSpPr>
+          <p:nvPr>
+            <p:ph type="body" idx="1"/>
+          </p:nvPr>
+        </p:nvSpPr>
+        <p:spPr>
+          <a:xfrm>
+            <a:off x="323522" y="2314975"/>
+            <a:ext cx="7848900" cy="4248600"/>
+          </a:xfrm>
+          <a:prstGeom prst="rect">
+            <a:avLst/>
+          </a:prstGeom>
+          <a:noFill/>
+          <a:ln>
+            <a:noFill/>
+          </a:ln>
+        </p:spPr>
+        <p:txBody>
+          <a:bodyPr spcFirstLastPara="1" wrap="square" lIns="0" tIns="0" rIns="0" bIns="0" anchor="t" anchorCtr="0">
+            <a:noAutofit/>
+          </a:bodyPr>
+          <a:lstStyle/>
+          <a:p>
+            <a:pPr marL="457200" lvl="0" indent="-355600" algn="l" rtl="0">
+              <a:spcBef>
+                <a:spcPts val="200"/>
+              </a:spcBef>
+              <a:spcAft>
+                <a:spcPts val="0"/>
+              </a:spcAft>
+              <a:buSzPts val="2000"/>
+              <a:buChar char="●"/>
+            </a:pPr>
+            <a:r>
+              <a:rPr lang="it-IT" sz="2800"/>
+              <a:t>Random baseline</a:t>
+            </a:r>
+            <a:endParaRPr sz="2800"/>
+          </a:p>
+          <a:p>
+            <a:pPr marL="457200" lvl="0" indent="-355600" algn="l" rtl="0">
+              <a:spcBef>
+                <a:spcPts val="0"/>
+              </a:spcBef>
+              <a:spcAft>
+                <a:spcPts val="0"/>
+              </a:spcAft>
+              <a:buSzPts val="2000"/>
+              <a:buChar char="●"/>
+            </a:pPr>
+            <a:r>
+              <a:rPr lang="it-IT" sz="2800"/>
+              <a:t>GPT-3.5</a:t>
+            </a:r>
+            <a:endParaRPr sz="2800"/>
+          </a:p>
+          <a:p>
+            <a:pPr marL="457200" lvl="0" indent="-355600" algn="l" rtl="0">
+              <a:spcBef>
+                <a:spcPts val="0"/>
+              </a:spcBef>
+              <a:spcAft>
+                <a:spcPts val="0"/>
+              </a:spcAft>
+              <a:buSzPts val="2000"/>
+              <a:buChar char="●"/>
+            </a:pPr>
+            <a:r>
+              <a:rPr lang="it-IT" sz="2800"/>
+              <a:t>GPT-4</a:t>
+            </a:r>
+            <a:endParaRPr sz="2800"/>
+          </a:p>
+        </p:txBody>
+      </p:sp>
+      <p:sp>
+        <p:nvSpPr>
+          <p:cNvPr id="200" name="Google Shape;200;p26"/>
+          <p:cNvSpPr txBox="1">
+            <a:spLocks noGrp="1"/>
+          </p:cNvSpPr>
+          <p:nvPr>
+            <p:ph type="body" idx="2"/>
+          </p:nvPr>
+        </p:nvSpPr>
+        <p:spPr>
+          <a:xfrm>
+            <a:off x="323528" y="1203808"/>
+            <a:ext cx="7848900" cy="929100"/>
+          </a:xfrm>
+          <a:prstGeom prst="rect">
+            <a:avLst/>
+          </a:prstGeom>
+          <a:noFill/>
+          <a:ln>
+            <a:noFill/>
+          </a:ln>
+        </p:spPr>
+        <p:txBody>
+          <a:bodyPr spcFirstLastPara="1" wrap="square" lIns="0" tIns="0" rIns="0" bIns="0" anchor="t" anchorCtr="0">
+            <a:noAutofit/>
+          </a:bodyPr>
+          <a:lstStyle/>
+          <a:p>
+            <a:pPr marL="342900" marR="0" lvl="0" indent="-342900" algn="l" rtl="0">
+              <a:lnSpc>
+                <a:spcPct val="100000"/>
+              </a:lnSpc>
+              <a:spcBef>
+                <a:spcPts val="0"/>
+              </a:spcBef>
+              <a:spcAft>
+                <a:spcPts val="0"/>
+              </a:spcAft>
+              <a:buClr>
+                <a:srgbClr val="69A425"/>
+              </a:buClr>
+              <a:buSzPts val="2700"/>
+              <a:buFont typeface="Arial"/>
+              <a:buNone/>
+            </a:pPr>
+            <a:r>
+              <a:rPr lang="it-IT" sz="4000"/>
               <a:t>Benchmark Results</a:t>
             </a:r>
             <a:endParaRPr sz="4000"/>
@@ -14963,20 +15758,20 @@
       </p:sp>
       <p:graphicFrame>
         <p:nvGraphicFramePr>
-          <p:cNvPr id="208" name="Google Shape;208;p25"/>
+          <p:cNvPr id="201" name="Google Shape;201;p26"/>
           <p:cNvGraphicFramePr/>
           <p:nvPr/>
         </p:nvGraphicFramePr>
         <p:xfrm>
           <a:off x="628463" y="4142550"/>
-          <a:ext cx="3000000" cy="3000000"/>
+          <a:ext cx="7239000" cy="1950600"/>
         </p:xfrm>
         <a:graphic>
           <a:graphicData uri="http://schemas.openxmlformats.org/drawingml/2006/table">
             <a:tbl>
               <a:tblPr>
                 <a:noFill/>
-                <a:tableStyleId>{4A502D63-24D2-4D33-8ADB-5E4083C67319}</a:tableStyleId>
+                <a:tableStyleId>{44C7968B-BC2C-4D7B-8411-472B2E2DFAB0}</a:tableStyleId>
               </a:tblPr>
               <a:tblGrid>
                 <a:gridCol w="1791175">
@@ -15535,12 +16330,12 @@
 </p:sld>
 </file>
 
-<file path=ppt/slides/slide21.xml><?xml version="1.0" encoding="utf-8"?>
+<file path=ppt/slides/slide23.xml><?xml version="1.0" encoding="utf-8"?>
 <p:sld xmlns:a="http://schemas.openxmlformats.org/drawingml/2006/main" xmlns:r="http://schemas.openxmlformats.org/officeDocument/2006/relationships" xmlns:p="http://schemas.openxmlformats.org/presentationml/2006/main">
   <p:cSld>
     <p:spTree>
       <p:nvGrpSpPr>
-        <p:cNvPr id="1" name="Shape 212"/>
+        <p:cNvPr id="1" name="Shape 205"/>
         <p:cNvGrpSpPr/>
         <p:nvPr/>
       </p:nvGrpSpPr>
@@ -15554,7 +16349,7 @@
       </p:grpSpPr>
       <p:sp>
         <p:nvSpPr>
-          <p:cNvPr id="213" name="Google Shape;213;p26"/>
+          <p:cNvPr id="206" name="Google Shape;206;p27"/>
           <p:cNvSpPr txBox="1">
             <a:spLocks noGrp="1"/>
           </p:cNvSpPr>
@@ -15756,7 +16551,7 @@
       </p:sp>
       <p:sp>
         <p:nvSpPr>
-          <p:cNvPr id="214" name="Google Shape;214;p26"/>
+          <p:cNvPr id="207" name="Google Shape;207;p27"/>
           <p:cNvSpPr txBox="1">
             <a:spLocks noGrp="1"/>
           </p:cNvSpPr>
@@ -15810,7 +16605,7 @@
       </p:sp>
       <p:pic>
         <p:nvPicPr>
-          <p:cNvPr id="215" name="Google Shape;215;p26"/>
+          <p:cNvPr id="208" name="Google Shape;208;p27"/>
           <p:cNvPicPr preferRelativeResize="0"/>
           <p:nvPr/>
         </p:nvPicPr>
@@ -15844,12 +16639,12 @@
 </p:sld>
 </file>
 
-<file path=ppt/slides/slide22.xml><?xml version="1.0" encoding="utf-8"?>
+<file path=ppt/slides/slide24.xml><?xml version="1.0" encoding="utf-8"?>
 <p:sld xmlns:a="http://schemas.openxmlformats.org/drawingml/2006/main" xmlns:r="http://schemas.openxmlformats.org/officeDocument/2006/relationships" xmlns:p="http://schemas.openxmlformats.org/presentationml/2006/main">
   <p:cSld>
     <p:spTree>
       <p:nvGrpSpPr>
-        <p:cNvPr id="1" name="Shape 219"/>
+        <p:cNvPr id="1" name="Shape 212"/>
         <p:cNvGrpSpPr/>
         <p:nvPr/>
       </p:nvGrpSpPr>
@@ -15863,7 +16658,7 @@
       </p:grpSpPr>
       <p:sp>
         <p:nvSpPr>
-          <p:cNvPr id="220" name="Google Shape;220;p27"/>
+          <p:cNvPr id="213" name="Google Shape;213;p28"/>
           <p:cNvSpPr txBox="1">
             <a:spLocks noGrp="1"/>
           </p:cNvSpPr>
@@ -15874,7 +16669,7 @@
         <p:spPr>
           <a:xfrm>
             <a:off x="323522" y="2314975"/>
-            <a:ext cx="7848900" cy="4248600"/>
+            <a:ext cx="8151884" cy="4248600"/>
           </a:xfrm>
           <a:prstGeom prst="rect">
             <a:avLst/>
@@ -15901,17 +16696,33 @@
               <a:buChar char="●"/>
             </a:pPr>
             <a:r>
-              <a:rPr lang="it-IT" sz="2800"/>
-              <a:t>LLM causal discovery capabilities </a:t>
+              <a:rPr lang="it-IT" sz="2800" dirty="0"/>
+              <a:t>LLM </a:t>
+            </a:r>
+            <a:r>
+              <a:rPr lang="it-IT" sz="2800" dirty="0" err="1"/>
+              <a:t>causal</a:t>
+            </a:r>
+            <a:r>
+              <a:rPr lang="it-IT" sz="2800" dirty="0"/>
+              <a:t> </a:t>
+            </a:r>
+            <a:r>
+              <a:rPr lang="it-IT" sz="2800" dirty="0" err="1"/>
+              <a:t>discovery</a:t>
+            </a:r>
+            <a:r>
+              <a:rPr lang="it-IT" sz="2800" dirty="0"/>
+              <a:t> capabilities </a:t>
             </a:r>
             <a:br>
-              <a:rPr lang="it-IT" sz="2800"/>
+              <a:rPr lang="it-IT" sz="2800" dirty="0"/>
             </a:br>
             <a:r>
-              <a:rPr lang="it-IT" sz="2800"/>
+              <a:rPr lang="it-IT" sz="2800" dirty="0" err="1"/>
               <a:t>investigation</a:t>
             </a:r>
-            <a:endParaRPr sz="2800"/>
+            <a:endParaRPr sz="2800" dirty="0"/>
           </a:p>
           <a:p>
             <a:pPr marL="457200" lvl="0" indent="-355600" algn="l" rtl="0">
@@ -15925,10 +16736,22 @@
               <a:buChar char="●"/>
             </a:pPr>
             <a:r>
-              <a:rPr lang="it-IT" sz="2800"/>
-              <a:t>Not exempt from weaknesses</a:t>
-            </a:r>
-            <a:endParaRPr sz="2800"/>
+              <a:rPr lang="it-IT" sz="2800" dirty="0"/>
+              <a:t>Not </a:t>
+            </a:r>
+            <a:r>
+              <a:rPr lang="it-IT" sz="2800" dirty="0" err="1"/>
+              <a:t>exempt</a:t>
+            </a:r>
+            <a:r>
+              <a:rPr lang="it-IT" sz="2800" dirty="0"/>
+              <a:t> from </a:t>
+            </a:r>
+            <a:r>
+              <a:rPr lang="it-IT" sz="2800" dirty="0" err="1"/>
+              <a:t>weaknesses</a:t>
+            </a:r>
+            <a:endParaRPr sz="2800" dirty="0"/>
           </a:p>
           <a:p>
             <a:pPr marL="457200" lvl="0" indent="-355600" algn="l" rtl="0">
@@ -15942,10 +16765,30 @@
               <a:buChar char="●"/>
             </a:pPr>
             <a:r>
-              <a:rPr lang="it-IT" sz="2800"/>
-              <a:t>More research is essential</a:t>
-            </a:r>
-            <a:endParaRPr sz="2800"/>
+              <a:rPr lang="it-IT" sz="2800" dirty="0"/>
+              <a:t>More </a:t>
+            </a:r>
+            <a:r>
+              <a:rPr lang="it-IT" sz="2800" dirty="0" err="1"/>
+              <a:t>research</a:t>
+            </a:r>
+            <a:r>
+              <a:rPr lang="it-IT" sz="2800" dirty="0"/>
+              <a:t> </a:t>
+            </a:r>
+            <a:r>
+              <a:rPr lang="it-IT" sz="2800" dirty="0" err="1"/>
+              <a:t>is</a:t>
+            </a:r>
+            <a:r>
+              <a:rPr lang="it-IT" sz="2800" dirty="0"/>
+              <a:t> </a:t>
+            </a:r>
+            <a:r>
+              <a:rPr lang="it-IT" sz="2800" dirty="0" err="1"/>
+              <a:t>essential</a:t>
+            </a:r>
+            <a:endParaRPr sz="2800" dirty="0"/>
           </a:p>
           <a:p>
             <a:pPr marL="457200" lvl="0" indent="-355600" algn="l" rtl="0">
@@ -15959,10 +16802,26 @@
               <a:buChar char="●"/>
             </a:pPr>
             <a:r>
-              <a:rPr lang="it-IT" sz="2800"/>
-              <a:t>Significant aid with human judgement</a:t>
-            </a:r>
-            <a:endParaRPr sz="2800"/>
+              <a:rPr lang="it-IT" sz="2800" dirty="0" err="1"/>
+              <a:t>Significant</a:t>
+            </a:r>
+            <a:r>
+              <a:rPr lang="it-IT" sz="2800" dirty="0"/>
+              <a:t> </a:t>
+            </a:r>
+            <a:r>
+              <a:rPr lang="it-IT" sz="2800" dirty="0" err="1"/>
+              <a:t>aid</a:t>
+            </a:r>
+            <a:r>
+              <a:rPr lang="it-IT" sz="2800" dirty="0"/>
+              <a:t> with human </a:t>
+            </a:r>
+            <a:r>
+              <a:rPr lang="it-IT" sz="2800" dirty="0" err="1"/>
+              <a:t>judgement</a:t>
+            </a:r>
+            <a:endParaRPr sz="2800" dirty="0"/>
           </a:p>
           <a:p>
             <a:pPr marL="457200" lvl="0" indent="0" algn="l" rtl="0">
@@ -15974,7 +16833,7 @@
               </a:spcAft>
               <a:buNone/>
             </a:pPr>
-            <a:endParaRPr sz="2800"/>
+            <a:endParaRPr sz="2800" dirty="0"/>
           </a:p>
           <a:p>
             <a:pPr marL="457200" lvl="0" indent="-355600" algn="l" rtl="0">
@@ -15988,10 +16847,10 @@
               <a:buChar char="●"/>
             </a:pPr>
             <a:r>
-              <a:rPr lang="it-IT" sz="2800"/>
+              <a:rPr lang="it-IT" sz="2800" dirty="0"/>
               <a:t>Future work</a:t>
             </a:r>
-            <a:endParaRPr sz="2800"/>
+            <a:endParaRPr sz="2800" dirty="0"/>
           </a:p>
           <a:p>
             <a:pPr marL="914400" lvl="1" indent="-355600" algn="l" rtl="0">
@@ -16005,14 +16864,22 @@
               <a:buChar char="○"/>
             </a:pPr>
             <a:r>
-              <a:rPr lang="it-IT"/>
+              <a:rPr lang="it-IT" dirty="0" err="1"/>
               <a:t>E</a:t>
             </a:r>
             <a:r>
-              <a:rPr lang="it-IT" sz="2800"/>
-              <a:t>nsure graph acyclicity</a:t>
-            </a:r>
-            <a:endParaRPr sz="2800"/>
+              <a:rPr lang="it-IT" sz="2800" dirty="0" err="1"/>
+              <a:t>nsure</a:t>
+            </a:r>
+            <a:r>
+              <a:rPr lang="it-IT" sz="2800" dirty="0"/>
+              <a:t> graph </a:t>
+            </a:r>
+            <a:r>
+              <a:rPr lang="it-IT" sz="2800" dirty="0" err="1"/>
+              <a:t>acyclicity</a:t>
+            </a:r>
+            <a:endParaRPr sz="2800" dirty="0"/>
           </a:p>
           <a:p>
             <a:pPr marL="914400" lvl="1" indent="-355600" algn="l" rtl="0">
@@ -16026,16 +16893,40 @@
               <a:buChar char="○"/>
             </a:pPr>
             <a:r>
-              <a:rPr lang="it-IT" sz="2800"/>
-              <a:t>LLM source citing for answer validation</a:t>
-            </a:r>
-            <a:endParaRPr sz="2800"/>
+              <a:rPr lang="it-IT" sz="2800" dirty="0"/>
+              <a:t>LLM source </a:t>
+            </a:r>
+            <a:r>
+              <a:rPr lang="it-IT" sz="2800" dirty="0" err="1"/>
+              <a:t>citing</a:t>
+            </a:r>
+            <a:r>
+              <a:rPr lang="it-IT" sz="2800" dirty="0"/>
+              <a:t> for </a:t>
+            </a:r>
+            <a:r>
+              <a:rPr lang="it-IT" sz="2800" dirty="0" err="1"/>
+              <a:t>answer</a:t>
+            </a:r>
+            <a:r>
+              <a:rPr lang="it-IT" sz="2800" dirty="0"/>
+              <a:t> </a:t>
+            </a:r>
+            <a:r>
+              <a:rPr lang="it-IT" sz="2800" dirty="0" err="1"/>
+              <a:t>validation</a:t>
+            </a:r>
+            <a:r>
+              <a:rPr lang="it-IT" sz="2800" dirty="0"/>
+              <a:t> (XAI)</a:t>
+            </a:r>
+            <a:endParaRPr sz="2800" dirty="0"/>
           </a:p>
         </p:txBody>
       </p:sp>
       <p:sp>
         <p:nvSpPr>
-          <p:cNvPr id="221" name="Google Shape;221;p27"/>
+          <p:cNvPr id="214" name="Google Shape;214;p28"/>
           <p:cNvSpPr txBox="1">
             <a:spLocks noGrp="1"/>
           </p:cNvSpPr>
@@ -16089,7 +16980,7 @@
       </p:sp>
       <p:pic>
         <p:nvPicPr>
-          <p:cNvPr id="222" name="Google Shape;222;p27"/>
+          <p:cNvPr id="215" name="Google Shape;215;p28"/>
           <p:cNvPicPr preferRelativeResize="0"/>
           <p:nvPr/>
         </p:nvPicPr>
@@ -16469,8 +17360,8 @@
         </p:nvSpPr>
         <p:spPr>
           <a:xfrm>
-            <a:off x="323525" y="2198100"/>
-            <a:ext cx="7848900" cy="4365600"/>
+            <a:off x="323522" y="2314975"/>
+            <a:ext cx="7848900" cy="4248600"/>
           </a:xfrm>
           <a:prstGeom prst="rect">
             <a:avLst/>
@@ -16491,7 +17382,7 @@
                 <a:spcPct val="100000"/>
               </a:lnSpc>
               <a:spcBef>
-                <a:spcPts val="0"/>
+                <a:spcPts val="200"/>
               </a:spcBef>
               <a:spcAft>
                 <a:spcPts val="0"/>
@@ -16501,84 +17392,9 @@
             </a:pPr>
             <a:r>
               <a:rPr lang="it-IT" sz="2800"/>
-              <a:t>Discovery from data</a:t>
+              <a:t>Study of cause-and-effect relationships</a:t>
             </a:r>
             <a:endParaRPr sz="2800"/>
-          </a:p>
-          <a:p>
-            <a:pPr marL="914400" marR="0" lvl="1" indent="-355600" algn="l" rtl="0">
-              <a:lnSpc>
-                <a:spcPct val="100000"/>
-              </a:lnSpc>
-              <a:spcBef>
-                <a:spcPts val="0"/>
-              </a:spcBef>
-              <a:spcAft>
-                <a:spcPts val="0"/>
-              </a:spcAft>
-              <a:buSzPts val="2000"/>
-              <a:buChar char="○"/>
-            </a:pPr>
-            <a:r>
-              <a:rPr lang="it-IT"/>
-              <a:t>N</a:t>
-            </a:r>
-            <a:r>
-              <a:rPr lang="it-IT" sz="2800"/>
-              <a:t>oise</a:t>
-            </a:r>
-            <a:endParaRPr/>
-          </a:p>
-          <a:p>
-            <a:pPr marL="914400" marR="0" lvl="1" indent="-355600" algn="l" rtl="0">
-              <a:lnSpc>
-                <a:spcPct val="100000"/>
-              </a:lnSpc>
-              <a:spcBef>
-                <a:spcPts val="0"/>
-              </a:spcBef>
-              <a:spcAft>
-                <a:spcPts val="0"/>
-              </a:spcAft>
-              <a:buSzPts val="2000"/>
-              <a:buChar char="○"/>
-            </a:pPr>
-            <a:r>
-              <a:rPr lang="it-IT"/>
-              <a:t>U</a:t>
-            </a:r>
-            <a:r>
-              <a:rPr lang="it-IT" sz="2800"/>
-              <a:t>nobserved confounders</a:t>
-            </a:r>
-            <a:endParaRPr/>
-          </a:p>
-          <a:p>
-            <a:pPr marL="914400" marR="0" lvl="1" indent="-355600" algn="l" rtl="0">
-              <a:lnSpc>
-                <a:spcPct val="100000"/>
-              </a:lnSpc>
-              <a:spcBef>
-                <a:spcPts val="0"/>
-              </a:spcBef>
-              <a:spcAft>
-                <a:spcPts val="0"/>
-              </a:spcAft>
-              <a:buSzPts val="2000"/>
-              <a:buChar char="○"/>
-            </a:pPr>
-            <a:r>
-              <a:rPr lang="it-IT"/>
-              <a:t>L</a:t>
-            </a:r>
-            <a:r>
-              <a:rPr lang="it-IT" sz="2800"/>
-              <a:t>imited availability of data</a:t>
-            </a:r>
-            <a:br>
-              <a:rPr lang="it-IT" sz="2800"/>
-            </a:br>
-            <a:endParaRPr sz="800"/>
           </a:p>
           <a:p>
             <a:pPr marL="457200" marR="0" lvl="0" indent="-355600" algn="l" rtl="0">
@@ -16586,7 +17402,7 @@
                 <a:spcPct val="100000"/>
               </a:lnSpc>
               <a:spcBef>
-                <a:spcPts val="175"/>
+                <a:spcPts val="200"/>
               </a:spcBef>
               <a:spcAft>
                 <a:spcPts val="0"/>
@@ -16595,50 +17411,14 @@
               <a:buChar char="●"/>
             </a:pPr>
             <a:r>
+              <a:rPr lang="it-IT" sz="2800" i="1"/>
+              <a:t>Directed Acyclic Graphs</a:t>
+            </a:r>
+            <a:r>
               <a:rPr lang="it-IT" sz="2800"/>
-              <a:t>Discovery with expert</a:t>
+              <a:t> (DAGs), graphical description of relationships in systems</a:t>
             </a:r>
             <a:endParaRPr sz="2800"/>
-          </a:p>
-          <a:p>
-            <a:pPr marL="914400" lvl="1" indent="-355600" algn="l" rtl="0">
-              <a:spcBef>
-                <a:spcPts val="0"/>
-              </a:spcBef>
-              <a:spcAft>
-                <a:spcPts val="0"/>
-              </a:spcAft>
-              <a:buSzPts val="2000"/>
-              <a:buChar char="○"/>
-            </a:pPr>
-            <a:r>
-              <a:rPr lang="it-IT"/>
-              <a:t>Time and resource-intensive</a:t>
-            </a:r>
-            <a:endParaRPr sz="2800"/>
-          </a:p>
-          <a:p>
-            <a:pPr marL="914400" marR="0" lvl="1" indent="-355600" algn="l" rtl="0">
-              <a:lnSpc>
-                <a:spcPct val="100000"/>
-              </a:lnSpc>
-              <a:spcBef>
-                <a:spcPts val="0"/>
-              </a:spcBef>
-              <a:spcAft>
-                <a:spcPts val="0"/>
-              </a:spcAft>
-              <a:buSzPts val="2000"/>
-              <a:buChar char="○"/>
-            </a:pPr>
-            <a:r>
-              <a:rPr lang="it-IT"/>
-              <a:t>Error-prone</a:t>
-            </a:r>
-            <a:br>
-              <a:rPr lang="it-IT"/>
-            </a:br>
-            <a:endParaRPr sz="800"/>
           </a:p>
           <a:p>
             <a:pPr marL="457200" marR="0" lvl="0" indent="-355600" algn="l" rtl="0">
@@ -16646,7 +17426,7 @@
                 <a:spcPct val="100000"/>
               </a:lnSpc>
               <a:spcBef>
-                <a:spcPts val="175"/>
+                <a:spcPts val="200"/>
               </a:spcBef>
               <a:spcAft>
                 <a:spcPts val="0"/>
@@ -16655,22 +17435,35 @@
               <a:buChar char="●"/>
             </a:pPr>
             <a:r>
-              <a:rPr lang="it-IT" sz="2800" i="1"/>
-              <a:t>Large Language Model</a:t>
-            </a:r>
-            <a:r>
               <a:rPr lang="it-IT" sz="2800"/>
-              <a:t> (LLM) discovery</a:t>
+              <a:t>Nodes for entities</a:t>
             </a:r>
             <a:endParaRPr sz="2800"/>
           </a:p>
           <a:p>
-            <a:pPr marL="914400" marR="0" lvl="1" indent="-355600" algn="l" rtl="0">
+            <a:pPr marL="457200" marR="0" lvl="0" indent="-355600" algn="l" rtl="0">
               <a:lnSpc>
                 <a:spcPct val="100000"/>
               </a:lnSpc>
               <a:spcBef>
-                <a:spcPts val="0"/>
+                <a:spcPts val="200"/>
+              </a:spcBef>
+              <a:spcAft>
+                <a:spcPts val="0"/>
+              </a:spcAft>
+              <a:buSzPts val="2000"/>
+              <a:buChar char="●"/>
+            </a:pPr>
+            <a:r>
+              <a:rPr lang="it-IT" sz="2800"/>
+              <a:t>Edges for direction of causality</a:t>
+            </a:r>
+            <a:endParaRPr sz="2800"/>
+          </a:p>
+          <a:p>
+            <a:pPr marL="914400" lvl="1" indent="-355600" algn="l" rtl="0">
+              <a:spcBef>
+                <a:spcPts val="200"/>
               </a:spcBef>
               <a:spcAft>
                 <a:spcPts val="0"/>
@@ -16680,21 +17473,14 @@
             </a:pPr>
             <a:r>
               <a:rPr lang="it-IT"/>
-              <a:t>M</a:t>
-            </a:r>
-            <a:r>
-              <a:rPr lang="it-IT" sz="2800"/>
-              <a:t>etadata-based “reasoning”</a:t>
-            </a:r>
-            <a:endParaRPr sz="2800"/>
-          </a:p>
-          <a:p>
-            <a:pPr marL="914400" marR="0" lvl="1" indent="-355600" algn="l" rtl="0">
-              <a:lnSpc>
-                <a:spcPct val="100000"/>
-              </a:lnSpc>
-              <a:spcBef>
-                <a:spcPts val="0"/>
+              <a:t>Directed (A → B  or  A ← B)</a:t>
+            </a:r>
+            <a:endParaRPr/>
+          </a:p>
+          <a:p>
+            <a:pPr marL="914400" lvl="1" indent="-355600" algn="l" rtl="0">
+              <a:spcBef>
+                <a:spcPts val="200"/>
               </a:spcBef>
               <a:spcAft>
                 <a:spcPts val="0"/>
@@ -16704,37 +17490,26 @@
             </a:pPr>
             <a:r>
               <a:rPr lang="it-IT"/>
-              <a:t>Information</a:t>
-            </a:r>
-            <a:r>
-              <a:rPr lang="it-IT" sz="2800"/>
-              <a:t> expressed in natural language</a:t>
-            </a:r>
-            <a:endParaRPr sz="2800"/>
-          </a:p>
-          <a:p>
-            <a:pPr marL="0" marR="0" lvl="0" indent="0" algn="l" rtl="0">
-              <a:lnSpc>
-                <a:spcPct val="100000"/>
-              </a:lnSpc>
-              <a:spcBef>
-                <a:spcPts val="0"/>
-              </a:spcBef>
-              <a:spcAft>
-                <a:spcPts val="0"/>
-              </a:spcAft>
-              <a:buClr>
-                <a:schemeClr val="dk1"/>
-              </a:buClr>
-              <a:buSzPts val="1400"/>
-              <a:buFont typeface="Arial"/>
-              <a:buNone/>
+              <a:t>Bi-directed (A ↔ B)</a:t>
+            </a:r>
+            <a:endParaRPr/>
+          </a:p>
+          <a:p>
+            <a:pPr marL="914400" lvl="1" indent="-355600" algn="l" rtl="0">
+              <a:spcBef>
+                <a:spcPts val="200"/>
+              </a:spcBef>
+              <a:spcAft>
+                <a:spcPts val="200"/>
+              </a:spcAft>
+              <a:buSzPts val="2000"/>
+              <a:buChar char="○"/>
             </a:pPr>
             <a:r>
-              <a:rPr lang="it-IT" sz="2800"/>
-              <a:t>	</a:t>
-            </a:r>
-            <a:endParaRPr sz="2800"/>
+              <a:rPr lang="it-IT"/>
+              <a:t>Non-existent</a:t>
+            </a:r>
+            <a:endParaRPr/>
           </a:p>
         </p:txBody>
       </p:sp>
@@ -16786,7 +17561,7 @@
             </a:pPr>
             <a:r>
               <a:rPr lang="it-IT" sz="4000"/>
-              <a:t>State of the Art</a:t>
+              <a:t>Causal Analysis</a:t>
             </a:r>
             <a:endParaRPr sz="4000"/>
           </a:p>
@@ -16808,8 +17583,8 @@
         </p:blipFill>
         <p:spPr>
           <a:xfrm>
-            <a:off x="6074575" y="2375850"/>
-            <a:ext cx="2235700" cy="2235700"/>
+            <a:off x="5692822" y="3964400"/>
+            <a:ext cx="3222100" cy="2660200"/>
           </a:xfrm>
           <a:prstGeom prst="rect">
             <a:avLst/>
@@ -16857,6 +17632,950 @@
         </p:nvSpPr>
         <p:spPr>
           <a:xfrm>
+            <a:off x="323525" y="2375850"/>
+            <a:ext cx="7848900" cy="4187700"/>
+          </a:xfrm>
+          <a:prstGeom prst="rect">
+            <a:avLst/>
+          </a:prstGeom>
+          <a:noFill/>
+          <a:ln>
+            <a:noFill/>
+          </a:ln>
+        </p:spPr>
+        <p:txBody>
+          <a:bodyPr spcFirstLastPara="1" wrap="square" lIns="0" tIns="0" rIns="0" bIns="0" anchor="t" anchorCtr="0">
+            <a:noAutofit/>
+          </a:bodyPr>
+          <a:lstStyle/>
+          <a:p>
+            <a:pPr marL="0" lvl="0" indent="0" algn="l" rtl="0">
+              <a:spcBef>
+                <a:spcPts val="0"/>
+              </a:spcBef>
+              <a:spcAft>
+                <a:spcPts val="0"/>
+              </a:spcAft>
+              <a:buClr>
+                <a:schemeClr val="dk1"/>
+              </a:buClr>
+              <a:buSzPts val="1100"/>
+              <a:buFont typeface="Arial"/>
+              <a:buNone/>
+            </a:pPr>
+            <a:endParaRPr sz="2800" dirty="0"/>
+          </a:p>
+          <a:p>
+            <a:pPr marL="457200" lvl="0" indent="-406400" algn="l" rtl="0">
+              <a:spcBef>
+                <a:spcPts val="0"/>
+              </a:spcBef>
+              <a:spcAft>
+                <a:spcPts val="0"/>
+              </a:spcAft>
+              <a:buSzPts val="2800"/>
+              <a:buChar char="●"/>
+            </a:pPr>
+            <a:r>
+              <a:rPr lang="it-IT" sz="2800" dirty="0"/>
+              <a:t>Statistical learning from data</a:t>
+            </a:r>
+            <a:endParaRPr sz="2800" dirty="0"/>
+          </a:p>
+          <a:p>
+            <a:pPr marL="457200" lvl="0" indent="0" algn="l" rtl="0">
+              <a:spcBef>
+                <a:spcPts val="0"/>
+              </a:spcBef>
+              <a:spcAft>
+                <a:spcPts val="0"/>
+              </a:spcAft>
+              <a:buNone/>
+            </a:pPr>
+            <a:endParaRPr sz="2800" dirty="0"/>
+          </a:p>
+          <a:p>
+            <a:pPr marL="457200" lvl="0" indent="-406400" algn="l" rtl="0">
+              <a:spcBef>
+                <a:spcPts val="175"/>
+              </a:spcBef>
+              <a:spcAft>
+                <a:spcPts val="0"/>
+              </a:spcAft>
+              <a:buSzPts val="2800"/>
+              <a:buChar char="●"/>
+            </a:pPr>
+            <a:r>
+              <a:rPr lang="it-IT" sz="2800" dirty="0" err="1"/>
+              <a:t>Querying</a:t>
+            </a:r>
+            <a:r>
+              <a:rPr lang="it-IT" sz="2800" dirty="0"/>
+              <a:t> </a:t>
+            </a:r>
+            <a:r>
+              <a:rPr lang="it-IT" sz="2800" dirty="0" err="1"/>
+              <a:t>expert</a:t>
+            </a:r>
+            <a:r>
+              <a:rPr lang="it-IT" sz="2800" dirty="0"/>
+              <a:t> knowledge</a:t>
+            </a:r>
+            <a:endParaRPr sz="2800" dirty="0"/>
+          </a:p>
+          <a:p>
+            <a:pPr marL="0" lvl="0" indent="0" algn="l" rtl="0">
+              <a:spcBef>
+                <a:spcPts val="175"/>
+              </a:spcBef>
+              <a:spcAft>
+                <a:spcPts val="0"/>
+              </a:spcAft>
+              <a:buNone/>
+            </a:pPr>
+            <a:endParaRPr sz="2800" dirty="0"/>
+          </a:p>
+          <a:p>
+            <a:pPr marL="457200" lvl="0" indent="-406400" algn="l" rtl="0">
+              <a:spcBef>
+                <a:spcPts val="175"/>
+              </a:spcBef>
+              <a:spcAft>
+                <a:spcPts val="0"/>
+              </a:spcAft>
+              <a:buSzPts val="2800"/>
+              <a:buChar char="●"/>
+            </a:pPr>
+            <a:r>
+              <a:rPr lang="it-IT" sz="2800" dirty="0"/>
+              <a:t>Large Language Model (LLM) </a:t>
+            </a:r>
+            <a:r>
+              <a:rPr lang="it-IT" sz="2800" dirty="0" err="1"/>
+              <a:t>discovery</a:t>
+            </a:r>
+            <a:endParaRPr sz="2800" dirty="0"/>
+          </a:p>
+          <a:p>
+            <a:pPr marL="0" marR="0" lvl="0" indent="0" algn="l" rtl="0">
+              <a:lnSpc>
+                <a:spcPct val="100000"/>
+              </a:lnSpc>
+              <a:spcBef>
+                <a:spcPts val="0"/>
+              </a:spcBef>
+              <a:spcAft>
+                <a:spcPts val="0"/>
+              </a:spcAft>
+              <a:buClr>
+                <a:schemeClr val="dk1"/>
+              </a:buClr>
+              <a:buSzPts val="1400"/>
+              <a:buFont typeface="Arial"/>
+              <a:buNone/>
+            </a:pPr>
+            <a:endParaRPr sz="2800" dirty="0"/>
+          </a:p>
+        </p:txBody>
+      </p:sp>
+      <p:sp>
+        <p:nvSpPr>
+          <p:cNvPr id="87" name="Google Shape;87;p10"/>
+          <p:cNvSpPr txBox="1">
+            <a:spLocks noGrp="1"/>
+          </p:cNvSpPr>
+          <p:nvPr>
+            <p:ph type="body" idx="2"/>
+          </p:nvPr>
+        </p:nvSpPr>
+        <p:spPr>
+          <a:xfrm>
+            <a:off x="323528" y="899008"/>
+            <a:ext cx="7848900" cy="929100"/>
+          </a:xfrm>
+          <a:prstGeom prst="rect">
+            <a:avLst/>
+          </a:prstGeom>
+          <a:noFill/>
+          <a:ln>
+            <a:noFill/>
+          </a:ln>
+        </p:spPr>
+        <p:txBody>
+          <a:bodyPr spcFirstLastPara="1" wrap="square" lIns="0" tIns="0" rIns="0" bIns="0" anchor="t" anchorCtr="0">
+            <a:noAutofit/>
+          </a:bodyPr>
+          <a:lstStyle/>
+          <a:p>
+            <a:pPr marL="0" marR="0" lvl="0" indent="0" algn="l" rtl="0">
+              <a:lnSpc>
+                <a:spcPct val="100000"/>
+              </a:lnSpc>
+              <a:spcBef>
+                <a:spcPts val="0"/>
+              </a:spcBef>
+              <a:spcAft>
+                <a:spcPts val="0"/>
+              </a:spcAft>
+              <a:buClr>
+                <a:srgbClr val="69A425"/>
+              </a:buClr>
+              <a:buSzPts val="2700"/>
+              <a:buFont typeface="Arial"/>
+              <a:buNone/>
+            </a:pPr>
+            <a:r>
+              <a:rPr lang="it-IT" sz="4000"/>
+              <a:t>Existing Techniques to Learn Causal Graphs</a:t>
+            </a:r>
+            <a:endParaRPr sz="4000"/>
+          </a:p>
+        </p:txBody>
+      </p:sp>
+    </p:spTree>
+  </p:cSld>
+  <p:clrMapOvr>
+    <a:masterClrMapping/>
+  </p:clrMapOvr>
+</p:sld>
+</file>
+
+<file path=ppt/slides/slide6.xml><?xml version="1.0" encoding="utf-8"?>
+<p:sld xmlns:a="http://schemas.openxmlformats.org/drawingml/2006/main" xmlns:r="http://schemas.openxmlformats.org/officeDocument/2006/relationships" xmlns:p="http://schemas.openxmlformats.org/presentationml/2006/main">
+  <p:cSld>
+    <p:spTree>
+      <p:nvGrpSpPr>
+        <p:cNvPr id="1" name="Shape 91"/>
+        <p:cNvGrpSpPr/>
+        <p:nvPr/>
+      </p:nvGrpSpPr>
+      <p:grpSpPr>
+        <a:xfrm>
+          <a:off x="0" y="0"/>
+          <a:ext cx="0" cy="0"/>
+          <a:chOff x="0" y="0"/>
+          <a:chExt cx="0" cy="0"/>
+        </a:xfrm>
+      </p:grpSpPr>
+      <p:sp>
+        <p:nvSpPr>
+          <p:cNvPr id="92" name="Google Shape;92;p11"/>
+          <p:cNvSpPr txBox="1">
+            <a:spLocks noGrp="1"/>
+          </p:cNvSpPr>
+          <p:nvPr>
+            <p:ph type="body" idx="1"/>
+          </p:nvPr>
+        </p:nvSpPr>
+        <p:spPr>
+          <a:xfrm>
+            <a:off x="323525" y="2375850"/>
+            <a:ext cx="7848900" cy="4187700"/>
+          </a:xfrm>
+          <a:prstGeom prst="rect">
+            <a:avLst/>
+          </a:prstGeom>
+          <a:noFill/>
+          <a:ln>
+            <a:noFill/>
+          </a:ln>
+        </p:spPr>
+        <p:txBody>
+          <a:bodyPr spcFirstLastPara="1" wrap="square" lIns="0" tIns="0" rIns="0" bIns="0" anchor="t" anchorCtr="0">
+            <a:noAutofit/>
+          </a:bodyPr>
+          <a:lstStyle/>
+          <a:p>
+            <a:pPr marL="0" lvl="0" indent="0" algn="l" rtl="0">
+              <a:spcBef>
+                <a:spcPts val="0"/>
+              </a:spcBef>
+              <a:spcAft>
+                <a:spcPts val="0"/>
+              </a:spcAft>
+              <a:buClr>
+                <a:schemeClr val="dk1"/>
+              </a:buClr>
+              <a:buSzPts val="1100"/>
+              <a:buFont typeface="Arial"/>
+              <a:buNone/>
+            </a:pPr>
+            <a:endParaRPr sz="2800"/>
+          </a:p>
+          <a:p>
+            <a:pPr marL="457200" lvl="0" indent="-355600" algn="l" rtl="0">
+              <a:spcBef>
+                <a:spcPts val="0"/>
+              </a:spcBef>
+              <a:spcAft>
+                <a:spcPts val="0"/>
+              </a:spcAft>
+              <a:buSzPts val="2000"/>
+              <a:buChar char="●"/>
+            </a:pPr>
+            <a:r>
+              <a:rPr lang="it-IT" sz="2800"/>
+              <a:t>Noise</a:t>
+            </a:r>
+            <a:endParaRPr sz="2800"/>
+          </a:p>
+          <a:p>
+            <a:pPr marL="457200" lvl="0" indent="-355600" algn="l" rtl="0">
+              <a:spcBef>
+                <a:spcPts val="0"/>
+              </a:spcBef>
+              <a:spcAft>
+                <a:spcPts val="0"/>
+              </a:spcAft>
+              <a:buSzPts val="2000"/>
+              <a:buChar char="●"/>
+            </a:pPr>
+            <a:r>
+              <a:rPr lang="it-IT" sz="2800"/>
+              <a:t>Unobserved confounders</a:t>
+            </a:r>
+            <a:endParaRPr sz="2800"/>
+          </a:p>
+          <a:p>
+            <a:pPr marL="457200" lvl="0" indent="-355600" algn="l" rtl="0">
+              <a:spcBef>
+                <a:spcPts val="0"/>
+              </a:spcBef>
+              <a:spcAft>
+                <a:spcPts val="0"/>
+              </a:spcAft>
+              <a:buSzPts val="2000"/>
+              <a:buChar char="●"/>
+            </a:pPr>
+            <a:r>
+              <a:rPr lang="it-IT" sz="2800"/>
+              <a:t>Limited/unavailable data</a:t>
+            </a:r>
+            <a:endParaRPr sz="2800"/>
+          </a:p>
+          <a:p>
+            <a:pPr marL="0" marR="0" lvl="0" indent="0" algn="l" rtl="0">
+              <a:lnSpc>
+                <a:spcPct val="100000"/>
+              </a:lnSpc>
+              <a:spcBef>
+                <a:spcPts val="0"/>
+              </a:spcBef>
+              <a:spcAft>
+                <a:spcPts val="0"/>
+              </a:spcAft>
+              <a:buClr>
+                <a:schemeClr val="dk1"/>
+              </a:buClr>
+              <a:buSzPts val="1400"/>
+              <a:buFont typeface="Arial"/>
+              <a:buNone/>
+            </a:pPr>
+            <a:endParaRPr sz="2800"/>
+          </a:p>
+        </p:txBody>
+      </p:sp>
+      <p:sp>
+        <p:nvSpPr>
+          <p:cNvPr id="93" name="Google Shape;93;p11"/>
+          <p:cNvSpPr txBox="1">
+            <a:spLocks noGrp="1"/>
+          </p:cNvSpPr>
+          <p:nvPr>
+            <p:ph type="body" idx="2"/>
+          </p:nvPr>
+        </p:nvSpPr>
+        <p:spPr>
+          <a:xfrm>
+            <a:off x="323528" y="899008"/>
+            <a:ext cx="7848900" cy="929100"/>
+          </a:xfrm>
+          <a:prstGeom prst="rect">
+            <a:avLst/>
+          </a:prstGeom>
+          <a:noFill/>
+          <a:ln>
+            <a:noFill/>
+          </a:ln>
+        </p:spPr>
+        <p:txBody>
+          <a:bodyPr spcFirstLastPara="1" wrap="square" lIns="0" tIns="0" rIns="0" bIns="0" anchor="t" anchorCtr="0">
+            <a:noAutofit/>
+          </a:bodyPr>
+          <a:lstStyle/>
+          <a:p>
+            <a:pPr marL="0" marR="0" lvl="0" indent="0" algn="l" rtl="0">
+              <a:lnSpc>
+                <a:spcPct val="100000"/>
+              </a:lnSpc>
+              <a:spcBef>
+                <a:spcPts val="0"/>
+              </a:spcBef>
+              <a:spcAft>
+                <a:spcPts val="0"/>
+              </a:spcAft>
+              <a:buClr>
+                <a:srgbClr val="69A425"/>
+              </a:buClr>
+              <a:buSzPts val="2700"/>
+              <a:buFont typeface="Arial"/>
+              <a:buNone/>
+            </a:pPr>
+            <a:r>
+              <a:rPr lang="it-IT" sz="4000"/>
+              <a:t>Statistical Learning from Data</a:t>
+            </a:r>
+            <a:endParaRPr sz="4000"/>
+          </a:p>
+        </p:txBody>
+      </p:sp>
+      <p:pic>
+        <p:nvPicPr>
+          <p:cNvPr id="94" name="Google Shape;94;p11"/>
+          <p:cNvPicPr preferRelativeResize="0"/>
+          <p:nvPr/>
+        </p:nvPicPr>
+        <p:blipFill>
+          <a:blip r:embed="rId3">
+            <a:alphaModFix/>
+          </a:blip>
+          <a:stretch>
+            <a:fillRect/>
+          </a:stretch>
+        </p:blipFill>
+        <p:spPr>
+          <a:xfrm>
+            <a:off x="1392600" y="4462725"/>
+            <a:ext cx="5999524" cy="1904125"/>
+          </a:xfrm>
+          <a:prstGeom prst="rect">
+            <a:avLst/>
+          </a:prstGeom>
+          <a:noFill/>
+          <a:ln>
+            <a:noFill/>
+          </a:ln>
+        </p:spPr>
+      </p:pic>
+    </p:spTree>
+  </p:cSld>
+  <p:clrMapOvr>
+    <a:masterClrMapping/>
+  </p:clrMapOvr>
+</p:sld>
+</file>
+
+<file path=ppt/slides/slide7.xml><?xml version="1.0" encoding="utf-8"?>
+<p:sld xmlns:a="http://schemas.openxmlformats.org/drawingml/2006/main" xmlns:r="http://schemas.openxmlformats.org/officeDocument/2006/relationships" xmlns:p="http://schemas.openxmlformats.org/presentationml/2006/main">
+  <p:cSld>
+    <p:spTree>
+      <p:nvGrpSpPr>
+        <p:cNvPr id="1" name="Shape 98"/>
+        <p:cNvGrpSpPr/>
+        <p:nvPr/>
+      </p:nvGrpSpPr>
+      <p:grpSpPr>
+        <a:xfrm>
+          <a:off x="0" y="0"/>
+          <a:ext cx="0" cy="0"/>
+          <a:chOff x="0" y="0"/>
+          <a:chExt cx="0" cy="0"/>
+        </a:xfrm>
+      </p:grpSpPr>
+      <p:sp>
+        <p:nvSpPr>
+          <p:cNvPr id="99" name="Google Shape;99;p12"/>
+          <p:cNvSpPr txBox="1">
+            <a:spLocks noGrp="1"/>
+          </p:cNvSpPr>
+          <p:nvPr>
+            <p:ph type="body" idx="1"/>
+          </p:nvPr>
+        </p:nvSpPr>
+        <p:spPr>
+          <a:xfrm>
+            <a:off x="323525" y="2375850"/>
+            <a:ext cx="7848900" cy="4187700"/>
+          </a:xfrm>
+          <a:prstGeom prst="rect">
+            <a:avLst/>
+          </a:prstGeom>
+          <a:noFill/>
+          <a:ln>
+            <a:noFill/>
+          </a:ln>
+        </p:spPr>
+        <p:txBody>
+          <a:bodyPr spcFirstLastPara="1" wrap="square" lIns="0" tIns="0" rIns="0" bIns="0" anchor="t" anchorCtr="0">
+            <a:noAutofit/>
+          </a:bodyPr>
+          <a:lstStyle/>
+          <a:p>
+            <a:pPr marL="0" lvl="0" indent="0" algn="l" rtl="0">
+              <a:spcBef>
+                <a:spcPts val="175"/>
+              </a:spcBef>
+              <a:spcAft>
+                <a:spcPts val="0"/>
+              </a:spcAft>
+              <a:buClr>
+                <a:schemeClr val="dk1"/>
+              </a:buClr>
+              <a:buSzPts val="1100"/>
+              <a:buFont typeface="Arial"/>
+              <a:buNone/>
+            </a:pPr>
+            <a:endParaRPr sz="2800"/>
+          </a:p>
+          <a:p>
+            <a:pPr marL="457200" lvl="0" indent="-355600" algn="l" rtl="0">
+              <a:spcBef>
+                <a:spcPts val="0"/>
+              </a:spcBef>
+              <a:spcAft>
+                <a:spcPts val="0"/>
+              </a:spcAft>
+              <a:buSzPts val="2000"/>
+              <a:buChar char="●"/>
+            </a:pPr>
+            <a:r>
+              <a:rPr lang="it-IT" sz="2800"/>
+              <a:t>Time and resource intensive</a:t>
+            </a:r>
+            <a:endParaRPr sz="2800"/>
+          </a:p>
+          <a:p>
+            <a:pPr marL="457200" lvl="0" indent="-355600" algn="l" rtl="0">
+              <a:spcBef>
+                <a:spcPts val="0"/>
+              </a:spcBef>
+              <a:spcAft>
+                <a:spcPts val="0"/>
+              </a:spcAft>
+              <a:buSzPts val="2000"/>
+              <a:buChar char="●"/>
+            </a:pPr>
+            <a:r>
+              <a:rPr lang="it-IT" sz="2800"/>
+              <a:t>Error-prone</a:t>
+            </a:r>
+            <a:endParaRPr sz="2800"/>
+          </a:p>
+          <a:p>
+            <a:pPr marL="0" marR="0" lvl="0" indent="0" algn="l" rtl="0">
+              <a:lnSpc>
+                <a:spcPct val="100000"/>
+              </a:lnSpc>
+              <a:spcBef>
+                <a:spcPts val="0"/>
+              </a:spcBef>
+              <a:spcAft>
+                <a:spcPts val="0"/>
+              </a:spcAft>
+              <a:buClr>
+                <a:schemeClr val="dk1"/>
+              </a:buClr>
+              <a:buSzPts val="1400"/>
+              <a:buFont typeface="Arial"/>
+              <a:buNone/>
+            </a:pPr>
+            <a:endParaRPr sz="2800"/>
+          </a:p>
+        </p:txBody>
+      </p:sp>
+      <p:sp>
+        <p:nvSpPr>
+          <p:cNvPr id="100" name="Google Shape;100;p12"/>
+          <p:cNvSpPr txBox="1">
+            <a:spLocks noGrp="1"/>
+          </p:cNvSpPr>
+          <p:nvPr>
+            <p:ph type="body" idx="2"/>
+          </p:nvPr>
+        </p:nvSpPr>
+        <p:spPr>
+          <a:xfrm>
+            <a:off x="323528" y="899008"/>
+            <a:ext cx="7848900" cy="929100"/>
+          </a:xfrm>
+          <a:prstGeom prst="rect">
+            <a:avLst/>
+          </a:prstGeom>
+          <a:noFill/>
+          <a:ln>
+            <a:noFill/>
+          </a:ln>
+        </p:spPr>
+        <p:txBody>
+          <a:bodyPr spcFirstLastPara="1" wrap="square" lIns="0" tIns="0" rIns="0" bIns="0" anchor="t" anchorCtr="0">
+            <a:noAutofit/>
+          </a:bodyPr>
+          <a:lstStyle/>
+          <a:p>
+            <a:pPr marL="0" marR="0" lvl="0" indent="0" algn="l" rtl="0">
+              <a:lnSpc>
+                <a:spcPct val="100000"/>
+              </a:lnSpc>
+              <a:spcBef>
+                <a:spcPts val="0"/>
+              </a:spcBef>
+              <a:spcAft>
+                <a:spcPts val="0"/>
+              </a:spcAft>
+              <a:buClr>
+                <a:srgbClr val="69A425"/>
+              </a:buClr>
+              <a:buSzPts val="2700"/>
+              <a:buFont typeface="Arial"/>
+              <a:buNone/>
+            </a:pPr>
+            <a:r>
+              <a:rPr lang="it-IT" sz="4000"/>
+              <a:t>Querying Expert Knowledge</a:t>
+            </a:r>
+            <a:endParaRPr sz="4000"/>
+          </a:p>
+          <a:p>
+            <a:pPr marL="0" marR="0" lvl="0" indent="0" algn="l" rtl="0">
+              <a:lnSpc>
+                <a:spcPct val="100000"/>
+              </a:lnSpc>
+              <a:spcBef>
+                <a:spcPts val="0"/>
+              </a:spcBef>
+              <a:spcAft>
+                <a:spcPts val="0"/>
+              </a:spcAft>
+              <a:buClr>
+                <a:srgbClr val="69A425"/>
+              </a:buClr>
+              <a:buSzPts val="2700"/>
+              <a:buFont typeface="Arial"/>
+              <a:buNone/>
+            </a:pPr>
+            <a:endParaRPr sz="4000"/>
+          </a:p>
+        </p:txBody>
+      </p:sp>
+      <p:pic>
+        <p:nvPicPr>
+          <p:cNvPr id="101" name="Google Shape;101;p12"/>
+          <p:cNvPicPr preferRelativeResize="0"/>
+          <p:nvPr/>
+        </p:nvPicPr>
+        <p:blipFill>
+          <a:blip r:embed="rId3">
+            <a:alphaModFix/>
+          </a:blip>
+          <a:stretch>
+            <a:fillRect/>
+          </a:stretch>
+        </p:blipFill>
+        <p:spPr>
+          <a:xfrm>
+            <a:off x="999200" y="4088925"/>
+            <a:ext cx="6885975" cy="2212375"/>
+          </a:xfrm>
+          <a:prstGeom prst="rect">
+            <a:avLst/>
+          </a:prstGeom>
+          <a:noFill/>
+          <a:ln>
+            <a:noFill/>
+          </a:ln>
+        </p:spPr>
+      </p:pic>
+    </p:spTree>
+  </p:cSld>
+  <p:clrMapOvr>
+    <a:masterClrMapping/>
+  </p:clrMapOvr>
+</p:sld>
+</file>
+
+<file path=ppt/slides/slide8.xml><?xml version="1.0" encoding="utf-8"?>
+<p:sld xmlns:a="http://schemas.openxmlformats.org/drawingml/2006/main" xmlns:r="http://schemas.openxmlformats.org/officeDocument/2006/relationships" xmlns:p="http://schemas.openxmlformats.org/presentationml/2006/main">
+  <p:cSld>
+    <p:spTree>
+      <p:nvGrpSpPr>
+        <p:cNvPr id="1" name="Shape 105"/>
+        <p:cNvGrpSpPr/>
+        <p:nvPr/>
+      </p:nvGrpSpPr>
+      <p:grpSpPr>
+        <a:xfrm>
+          <a:off x="0" y="0"/>
+          <a:ext cx="0" cy="0"/>
+          <a:chOff x="0" y="0"/>
+          <a:chExt cx="0" cy="0"/>
+        </a:xfrm>
+      </p:grpSpPr>
+      <p:sp>
+        <p:nvSpPr>
+          <p:cNvPr id="106" name="Google Shape;106;p13"/>
+          <p:cNvSpPr txBox="1">
+            <a:spLocks noGrp="1"/>
+          </p:cNvSpPr>
+          <p:nvPr>
+            <p:ph type="body" idx="1"/>
+          </p:nvPr>
+        </p:nvSpPr>
+        <p:spPr>
+          <a:xfrm>
+            <a:off x="323525" y="2375850"/>
+            <a:ext cx="7848900" cy="4187700"/>
+          </a:xfrm>
+          <a:prstGeom prst="rect">
+            <a:avLst/>
+          </a:prstGeom>
+          <a:noFill/>
+          <a:ln>
+            <a:noFill/>
+          </a:ln>
+        </p:spPr>
+        <p:txBody>
+          <a:bodyPr spcFirstLastPara="1" wrap="square" lIns="0" tIns="0" rIns="0" bIns="0" anchor="t" anchorCtr="0">
+            <a:noAutofit/>
+          </a:bodyPr>
+          <a:lstStyle/>
+          <a:p>
+            <a:pPr marL="457200" lvl="0" indent="-355600" algn="l" rtl="0">
+              <a:spcBef>
+                <a:spcPts val="0"/>
+              </a:spcBef>
+              <a:spcAft>
+                <a:spcPts val="0"/>
+              </a:spcAft>
+              <a:buSzPts val="2000"/>
+              <a:buChar char="●"/>
+            </a:pPr>
+            <a:r>
+              <a:rPr lang="it-IT" sz="2800"/>
+              <a:t>Alternative approach</a:t>
+            </a:r>
+            <a:endParaRPr sz="2800"/>
+          </a:p>
+          <a:p>
+            <a:pPr marL="457200" lvl="0" indent="-355600" algn="l" rtl="0">
+              <a:spcBef>
+                <a:spcPts val="0"/>
+              </a:spcBef>
+              <a:spcAft>
+                <a:spcPts val="0"/>
+              </a:spcAft>
+              <a:buSzPts val="2000"/>
+              <a:buChar char="●"/>
+            </a:pPr>
+            <a:r>
+              <a:rPr lang="it-IT" sz="2800"/>
+              <a:t>Unifies Data/Expert-based methods</a:t>
+            </a:r>
+            <a:endParaRPr sz="2800"/>
+          </a:p>
+          <a:p>
+            <a:pPr marL="457200" lvl="0" indent="-355600" algn="l" rtl="0">
+              <a:spcBef>
+                <a:spcPts val="0"/>
+              </a:spcBef>
+              <a:spcAft>
+                <a:spcPts val="0"/>
+              </a:spcAft>
+              <a:buSzPts val="2000"/>
+              <a:buChar char="●"/>
+            </a:pPr>
+            <a:r>
+              <a:rPr lang="it-IT" sz="2800"/>
+              <a:t>Metadata-based “reasoning”</a:t>
+            </a:r>
+            <a:endParaRPr sz="2800"/>
+          </a:p>
+          <a:p>
+            <a:pPr marL="457200" lvl="0" indent="-355600" algn="l" rtl="0">
+              <a:spcBef>
+                <a:spcPts val="0"/>
+              </a:spcBef>
+              <a:spcAft>
+                <a:spcPts val="0"/>
+              </a:spcAft>
+              <a:buSzPts val="2000"/>
+              <a:buChar char="●"/>
+            </a:pPr>
+            <a:r>
+              <a:rPr lang="it-IT" sz="2800"/>
+              <a:t>Information expressed in natural language</a:t>
+            </a:r>
+            <a:endParaRPr sz="2800"/>
+          </a:p>
+          <a:p>
+            <a:pPr marL="0" lvl="0" indent="0" algn="l" rtl="0">
+              <a:spcBef>
+                <a:spcPts val="0"/>
+              </a:spcBef>
+              <a:spcAft>
+                <a:spcPts val="0"/>
+              </a:spcAft>
+              <a:buNone/>
+            </a:pPr>
+            <a:endParaRPr/>
+          </a:p>
+          <a:p>
+            <a:pPr marL="0" lvl="0" indent="0" algn="l" rtl="0">
+              <a:spcBef>
+                <a:spcPts val="175"/>
+              </a:spcBef>
+              <a:spcAft>
+                <a:spcPts val="0"/>
+              </a:spcAft>
+              <a:buClr>
+                <a:schemeClr val="dk1"/>
+              </a:buClr>
+              <a:buSzPts val="1100"/>
+              <a:buFont typeface="Arial"/>
+              <a:buNone/>
+            </a:pPr>
+            <a:endParaRPr sz="2800"/>
+          </a:p>
+          <a:p>
+            <a:pPr marL="0" marR="0" lvl="0" indent="0" algn="l" rtl="0">
+              <a:lnSpc>
+                <a:spcPct val="100000"/>
+              </a:lnSpc>
+              <a:spcBef>
+                <a:spcPts val="0"/>
+              </a:spcBef>
+              <a:spcAft>
+                <a:spcPts val="0"/>
+              </a:spcAft>
+              <a:buClr>
+                <a:schemeClr val="dk1"/>
+              </a:buClr>
+              <a:buSzPts val="1400"/>
+              <a:buFont typeface="Arial"/>
+              <a:buNone/>
+            </a:pPr>
+            <a:endParaRPr sz="2800"/>
+          </a:p>
+        </p:txBody>
+      </p:sp>
+      <p:sp>
+        <p:nvSpPr>
+          <p:cNvPr id="107" name="Google Shape;107;p13"/>
+          <p:cNvSpPr txBox="1">
+            <a:spLocks noGrp="1"/>
+          </p:cNvSpPr>
+          <p:nvPr>
+            <p:ph type="body" idx="2"/>
+          </p:nvPr>
+        </p:nvSpPr>
+        <p:spPr>
+          <a:xfrm>
+            <a:off x="323528" y="899008"/>
+            <a:ext cx="7848900" cy="929100"/>
+          </a:xfrm>
+          <a:prstGeom prst="rect">
+            <a:avLst/>
+          </a:prstGeom>
+          <a:noFill/>
+          <a:ln>
+            <a:noFill/>
+          </a:ln>
+        </p:spPr>
+        <p:txBody>
+          <a:bodyPr spcFirstLastPara="1" wrap="square" lIns="0" tIns="0" rIns="0" bIns="0" anchor="t" anchorCtr="0">
+            <a:noAutofit/>
+          </a:bodyPr>
+          <a:lstStyle/>
+          <a:p>
+            <a:pPr marL="0" marR="0" lvl="0" indent="0" algn="l" rtl="0">
+              <a:lnSpc>
+                <a:spcPct val="100000"/>
+              </a:lnSpc>
+              <a:spcBef>
+                <a:spcPts val="0"/>
+              </a:spcBef>
+              <a:spcAft>
+                <a:spcPts val="0"/>
+              </a:spcAft>
+              <a:buClr>
+                <a:srgbClr val="69A425"/>
+              </a:buClr>
+              <a:buSzPts val="2700"/>
+              <a:buFont typeface="Arial"/>
+              <a:buNone/>
+            </a:pPr>
+            <a:r>
+              <a:rPr lang="it-IT" sz="4000"/>
+              <a:t>Querying Large Language Models</a:t>
+            </a:r>
+            <a:endParaRPr sz="4000"/>
+          </a:p>
+        </p:txBody>
+      </p:sp>
+      <p:pic>
+        <p:nvPicPr>
+          <p:cNvPr id="108" name="Google Shape;108;p13"/>
+          <p:cNvPicPr preferRelativeResize="0"/>
+          <p:nvPr/>
+        </p:nvPicPr>
+        <p:blipFill>
+          <a:blip r:embed="rId3">
+            <a:alphaModFix/>
+          </a:blip>
+          <a:stretch>
+            <a:fillRect/>
+          </a:stretch>
+        </p:blipFill>
+        <p:spPr>
+          <a:xfrm>
+            <a:off x="1113782" y="4150222"/>
+            <a:ext cx="6916429" cy="2235700"/>
+          </a:xfrm>
+          <a:prstGeom prst="rect">
+            <a:avLst/>
+          </a:prstGeom>
+          <a:noFill/>
+          <a:ln>
+            <a:noFill/>
+          </a:ln>
+        </p:spPr>
+      </p:pic>
+    </p:spTree>
+  </p:cSld>
+  <p:clrMapOvr>
+    <a:masterClrMapping/>
+  </p:clrMapOvr>
+</p:sld>
+</file>
+
+<file path=ppt/slides/slide9.xml><?xml version="1.0" encoding="utf-8"?>
+<p:sld xmlns:a="http://schemas.openxmlformats.org/drawingml/2006/main" xmlns:r="http://schemas.openxmlformats.org/officeDocument/2006/relationships" xmlns:p="http://schemas.openxmlformats.org/presentationml/2006/main">
+  <p:cSld>
+    <p:spTree>
+      <p:nvGrpSpPr>
+        <p:cNvPr id="1" name="Shape 112"/>
+        <p:cNvGrpSpPr/>
+        <p:nvPr/>
+      </p:nvGrpSpPr>
+      <p:grpSpPr>
+        <a:xfrm>
+          <a:off x="0" y="0"/>
+          <a:ext cx="0" cy="0"/>
+          <a:chOff x="0" y="0"/>
+          <a:chExt cx="0" cy="0"/>
+        </a:xfrm>
+      </p:grpSpPr>
+      <p:sp>
+        <p:nvSpPr>
+          <p:cNvPr id="113" name="Google Shape;113;p14"/>
+          <p:cNvSpPr txBox="1">
+            <a:spLocks noGrp="1"/>
+          </p:cNvSpPr>
+          <p:nvPr>
+            <p:ph type="body" idx="1"/>
+          </p:nvPr>
+        </p:nvSpPr>
+        <p:spPr>
+          <a:xfrm>
             <a:off x="323522" y="2314975"/>
             <a:ext cx="7848900" cy="4248600"/>
           </a:xfrm>
@@ -16909,7 +18628,7 @@
             <a:endParaRPr sz="2800"/>
           </a:p>
           <a:p>
-            <a:pPr marL="457200" lvl="0" indent="-406400" algn="l" rtl="0">
+            <a:pPr marL="457200" lvl="0" indent="-355600" algn="l" rtl="0">
               <a:lnSpc>
                 <a:spcPct val="100000"/>
               </a:lnSpc>
@@ -16919,17 +18638,17 @@
               <a:spcAft>
                 <a:spcPts val="0"/>
               </a:spcAft>
-              <a:buSzPts val="2800"/>
+              <a:buSzPts val="2000"/>
               <a:buChar char="●"/>
             </a:pPr>
             <a:r>
               <a:rPr lang="it-IT" sz="2800"/>
-              <a:t>Collection of textual data</a:t>
+              <a:t>Software tool based on GPT API</a:t>
             </a:r>
             <a:endParaRPr sz="2800"/>
           </a:p>
           <a:p>
-            <a:pPr marL="457200" marR="0" lvl="0" indent="0" algn="l" rtl="0">
+            <a:pPr marL="914400" lvl="1" indent="-355600" algn="l" rtl="0">
               <a:lnSpc>
                 <a:spcPct val="100000"/>
               </a:lnSpc>
@@ -16939,12 +18658,25 @@
               <a:spcAft>
                 <a:spcPts val="0"/>
               </a:spcAft>
-              <a:buNone/>
+              <a:buSzPts val="2000"/>
+              <a:buChar char="○"/>
             </a:pPr>
-            <a:endParaRPr sz="2800"/>
-          </a:p>
-          <a:p>
-            <a:pPr marL="457200" marR="0" lvl="0" indent="-406400" algn="l" rtl="0">
+            <a:r>
+              <a:rPr lang="it-IT"/>
+              <a:t>T</a:t>
+            </a:r>
+            <a:r>
+              <a:rPr lang="it-IT" sz="2800"/>
+              <a:t>extual data c</a:t>
+            </a:r>
+            <a:r>
+              <a:rPr lang="it-IT"/>
+              <a:t>ollection</a:t>
+            </a:r>
+            <a:endParaRPr/>
+          </a:p>
+          <a:p>
+            <a:pPr marL="914400" lvl="1" indent="-355600" algn="l" rtl="0">
               <a:lnSpc>
                 <a:spcPct val="100000"/>
               </a:lnSpc>
@@ -16954,17 +18686,17 @@
               <a:spcAft>
                 <a:spcPts val="0"/>
               </a:spcAft>
-              <a:buSzPts val="2800"/>
-              <a:buChar char="●"/>
+              <a:buSzPts val="2000"/>
+              <a:buChar char="○"/>
             </a:pPr>
             <a:r>
-              <a:rPr lang="it-IT" sz="2800"/>
-              <a:t>Data processing for causal 				relationship identification</a:t>
-            </a:r>
-            <a:endParaRPr sz="2800"/>
-          </a:p>
-          <a:p>
-            <a:pPr marL="457200" marR="0" lvl="0" indent="0" algn="l" rtl="0">
+              <a:rPr lang="it-IT"/>
+              <a:t>Pairwise queries to LLM for causal relationship identification</a:t>
+            </a:r>
+            <a:endParaRPr/>
+          </a:p>
+          <a:p>
+            <a:pPr marL="914400" lvl="1" indent="-355600" algn="l" rtl="0">
               <a:lnSpc>
                 <a:spcPct val="100000"/>
               </a:lnSpc>
@@ -16974,12 +18706,17 @@
               <a:spcAft>
                 <a:spcPts val="0"/>
               </a:spcAft>
-              <a:buNone/>
+              <a:buSzPts val="2000"/>
+              <a:buChar char="○"/>
             </a:pPr>
-            <a:endParaRPr sz="2800"/>
-          </a:p>
-          <a:p>
-            <a:pPr marL="457200" marR="0" lvl="0" indent="-406400" algn="l" rtl="0">
+            <a:r>
+              <a:rPr lang="it-IT"/>
+              <a:t>Answer extraction and processing</a:t>
+            </a:r>
+            <a:endParaRPr/>
+          </a:p>
+          <a:p>
+            <a:pPr marL="914400" lvl="1" indent="-355600" algn="l" rtl="0">
               <a:lnSpc>
                 <a:spcPct val="100000"/>
               </a:lnSpc>
@@ -16989,12 +18726,12 @@
               <a:spcAft>
                 <a:spcPts val="0"/>
               </a:spcAft>
-              <a:buSzPts val="2800"/>
-              <a:buChar char="●"/>
+              <a:buSzPts val="2000"/>
+              <a:buChar char="○"/>
             </a:pPr>
             <a:r>
-              <a:rPr lang="it-IT" sz="2800"/>
-              <a:t>Plot resulting causal graph</a:t>
+              <a:rPr lang="it-IT"/>
+              <a:t>Causal graph analysis</a:t>
             </a:r>
             <a:endParaRPr sz="2800"/>
           </a:p>
@@ -17014,7 +18751,7 @@
       </p:sp>
       <p:sp>
         <p:nvSpPr>
-          <p:cNvPr id="87" name="Google Shape;87;p10"/>
+          <p:cNvPr id="114" name="Google Shape;114;p14"/>
           <p:cNvSpPr txBox="1">
             <a:spLocks noGrp="1"/>
           </p:cNvSpPr>
@@ -17068,7 +18805,7 @@
       </p:sp>
       <p:pic>
         <p:nvPicPr>
-          <p:cNvPr id="88" name="Google Shape;88;p10"/>
+          <p:cNvPr id="115" name="Google Shape;115;p14"/>
           <p:cNvPicPr preferRelativeResize="0"/>
           <p:nvPr/>
         </p:nvPicPr>
@@ -17082,7 +18819,7 @@
         </p:blipFill>
         <p:spPr>
           <a:xfrm>
-            <a:off x="5668950" y="3692250"/>
+            <a:off x="6717975" y="3316563"/>
             <a:ext cx="2245425" cy="2245425"/>
           </a:xfrm>
           <a:prstGeom prst="rect">
@@ -17099,1197 +18836,6 @@
   <p:clrMapOvr>
     <a:masterClrMapping/>
   </p:clrMapOvr>
-</p:sld>
-</file>
-
-<file path=ppt/slides/slide6.xml><?xml version="1.0" encoding="utf-8"?>
-<p:sld xmlns:a="http://schemas.openxmlformats.org/drawingml/2006/main" xmlns:r="http://schemas.openxmlformats.org/officeDocument/2006/relationships" xmlns:p="http://schemas.openxmlformats.org/presentationml/2006/main">
-  <p:cSld>
-    <p:spTree>
-      <p:nvGrpSpPr>
-        <p:cNvPr id="1" name="Shape 92"/>
-        <p:cNvGrpSpPr/>
-        <p:nvPr/>
-      </p:nvGrpSpPr>
-      <p:grpSpPr>
-        <a:xfrm>
-          <a:off x="0" y="0"/>
-          <a:ext cx="0" cy="0"/>
-          <a:chOff x="0" y="0"/>
-          <a:chExt cx="0" cy="0"/>
-        </a:xfrm>
-      </p:grpSpPr>
-      <p:sp>
-        <p:nvSpPr>
-          <p:cNvPr id="93" name="Google Shape;93;p11"/>
-          <p:cNvSpPr txBox="1">
-            <a:spLocks noGrp="1"/>
-          </p:cNvSpPr>
-          <p:nvPr>
-            <p:ph type="body" idx="1"/>
-          </p:nvPr>
-        </p:nvSpPr>
-        <p:spPr>
-          <a:xfrm>
-            <a:off x="323522" y="2314975"/>
-            <a:ext cx="7848900" cy="4248600"/>
-          </a:xfrm>
-          <a:prstGeom prst="rect">
-            <a:avLst/>
-          </a:prstGeom>
-          <a:noFill/>
-          <a:ln>
-            <a:noFill/>
-          </a:ln>
-        </p:spPr>
-        <p:txBody>
-          <a:bodyPr spcFirstLastPara="1" wrap="square" lIns="0" tIns="0" rIns="0" bIns="0" anchor="t" anchorCtr="0">
-            <a:noAutofit/>
-          </a:bodyPr>
-          <a:lstStyle/>
-          <a:p>
-            <a:pPr marL="457200" marR="0" lvl="0" indent="-355600" algn="l" rtl="0">
-              <a:lnSpc>
-                <a:spcPct val="100000"/>
-              </a:lnSpc>
-              <a:spcBef>
-                <a:spcPts val="200"/>
-              </a:spcBef>
-              <a:spcAft>
-                <a:spcPts val="0"/>
-              </a:spcAft>
-              <a:buSzPts val="2000"/>
-              <a:buChar char="●"/>
-            </a:pPr>
-            <a:r>
-              <a:rPr lang="it-IT" sz="2800"/>
-              <a:t>Study of cause-and-effect relationships</a:t>
-            </a:r>
-            <a:endParaRPr sz="2800"/>
-          </a:p>
-          <a:p>
-            <a:pPr marL="457200" marR="0" lvl="0" indent="-355600" algn="l" rtl="0">
-              <a:lnSpc>
-                <a:spcPct val="100000"/>
-              </a:lnSpc>
-              <a:spcBef>
-                <a:spcPts val="200"/>
-              </a:spcBef>
-              <a:spcAft>
-                <a:spcPts val="0"/>
-              </a:spcAft>
-              <a:buSzPts val="2000"/>
-              <a:buChar char="●"/>
-            </a:pPr>
-            <a:r>
-              <a:rPr lang="it-IT" sz="2800" i="1"/>
-              <a:t>Directed Acyclic Graphs</a:t>
-            </a:r>
-            <a:r>
-              <a:rPr lang="it-IT" sz="2800"/>
-              <a:t> (DAGs), graphical description of relationships in systems</a:t>
-            </a:r>
-            <a:endParaRPr sz="2800"/>
-          </a:p>
-          <a:p>
-            <a:pPr marL="457200" marR="0" lvl="0" indent="-355600" algn="l" rtl="0">
-              <a:lnSpc>
-                <a:spcPct val="100000"/>
-              </a:lnSpc>
-              <a:spcBef>
-                <a:spcPts val="200"/>
-              </a:spcBef>
-              <a:spcAft>
-                <a:spcPts val="0"/>
-              </a:spcAft>
-              <a:buSzPts val="2000"/>
-              <a:buChar char="●"/>
-            </a:pPr>
-            <a:r>
-              <a:rPr lang="it-IT" sz="2800"/>
-              <a:t>Nodes for entities</a:t>
-            </a:r>
-            <a:endParaRPr sz="2800"/>
-          </a:p>
-          <a:p>
-            <a:pPr marL="457200" marR="0" lvl="0" indent="-355600" algn="l" rtl="0">
-              <a:lnSpc>
-                <a:spcPct val="100000"/>
-              </a:lnSpc>
-              <a:spcBef>
-                <a:spcPts val="200"/>
-              </a:spcBef>
-              <a:spcAft>
-                <a:spcPts val="0"/>
-              </a:spcAft>
-              <a:buSzPts val="2000"/>
-              <a:buChar char="●"/>
-            </a:pPr>
-            <a:r>
-              <a:rPr lang="it-IT" sz="2800"/>
-              <a:t>Edges for direction of causality</a:t>
-            </a:r>
-            <a:endParaRPr sz="2800"/>
-          </a:p>
-          <a:p>
-            <a:pPr marL="914400" lvl="1" indent="-355600" algn="l" rtl="0">
-              <a:spcBef>
-                <a:spcPts val="200"/>
-              </a:spcBef>
-              <a:spcAft>
-                <a:spcPts val="0"/>
-              </a:spcAft>
-              <a:buSzPts val="2000"/>
-              <a:buChar char="○"/>
-            </a:pPr>
-            <a:r>
-              <a:rPr lang="it-IT"/>
-              <a:t>Directed (A → B)</a:t>
-            </a:r>
-            <a:endParaRPr/>
-          </a:p>
-          <a:p>
-            <a:pPr marL="914400" lvl="1" indent="-355600" algn="l" rtl="0">
-              <a:spcBef>
-                <a:spcPts val="200"/>
-              </a:spcBef>
-              <a:spcAft>
-                <a:spcPts val="0"/>
-              </a:spcAft>
-              <a:buSzPts val="2000"/>
-              <a:buChar char="○"/>
-            </a:pPr>
-            <a:r>
-              <a:rPr lang="it-IT"/>
-              <a:t>Bi-directed (A ↔ B)</a:t>
-            </a:r>
-            <a:endParaRPr/>
-          </a:p>
-          <a:p>
-            <a:pPr marL="914400" lvl="1" indent="-355600" algn="l" rtl="0">
-              <a:spcBef>
-                <a:spcPts val="200"/>
-              </a:spcBef>
-              <a:spcAft>
-                <a:spcPts val="200"/>
-              </a:spcAft>
-              <a:buSzPts val="2000"/>
-              <a:buChar char="○"/>
-            </a:pPr>
-            <a:r>
-              <a:rPr lang="it-IT"/>
-              <a:t>Non-existent</a:t>
-            </a:r>
-            <a:endParaRPr/>
-          </a:p>
-        </p:txBody>
-      </p:sp>
-      <p:sp>
-        <p:nvSpPr>
-          <p:cNvPr id="94" name="Google Shape;94;p11"/>
-          <p:cNvSpPr txBox="1">
-            <a:spLocks noGrp="1"/>
-          </p:cNvSpPr>
-          <p:nvPr>
-            <p:ph type="body" idx="2"/>
-          </p:nvPr>
-        </p:nvSpPr>
-        <p:spPr>
-          <a:xfrm>
-            <a:off x="323528" y="1203808"/>
-            <a:ext cx="7848900" cy="929100"/>
-          </a:xfrm>
-          <a:prstGeom prst="rect">
-            <a:avLst/>
-          </a:prstGeom>
-          <a:noFill/>
-          <a:ln>
-            <a:noFill/>
-          </a:ln>
-        </p:spPr>
-        <p:txBody>
-          <a:bodyPr spcFirstLastPara="1" wrap="square" lIns="0" tIns="0" rIns="0" bIns="0" anchor="t" anchorCtr="0">
-            <a:noAutofit/>
-          </a:bodyPr>
-          <a:lstStyle/>
-          <a:p>
-            <a:pPr marL="342900" marR="0" lvl="0" indent="-342900" algn="l" rtl="0">
-              <a:lnSpc>
-                <a:spcPct val="100000"/>
-              </a:lnSpc>
-              <a:spcBef>
-                <a:spcPts val="0"/>
-              </a:spcBef>
-              <a:spcAft>
-                <a:spcPts val="0"/>
-              </a:spcAft>
-              <a:buClr>
-                <a:srgbClr val="69A425"/>
-              </a:buClr>
-              <a:buSzPts val="2700"/>
-              <a:buFont typeface="Arial"/>
-              <a:buNone/>
-            </a:pPr>
-            <a:r>
-              <a:rPr lang="it-IT" sz="4000"/>
-              <a:t>Causal Analysis</a:t>
-            </a:r>
-            <a:endParaRPr sz="4000"/>
-          </a:p>
-        </p:txBody>
-      </p:sp>
-      <p:pic>
-        <p:nvPicPr>
-          <p:cNvPr id="95" name="Google Shape;95;p11"/>
-          <p:cNvPicPr preferRelativeResize="0"/>
-          <p:nvPr/>
-        </p:nvPicPr>
-        <p:blipFill>
-          <a:blip r:embed="rId3">
-            <a:alphaModFix/>
-          </a:blip>
-          <a:stretch>
-            <a:fillRect/>
-          </a:stretch>
-        </p:blipFill>
-        <p:spPr>
-          <a:xfrm>
-            <a:off x="5794827" y="4049975"/>
-            <a:ext cx="2676751" cy="2218750"/>
-          </a:xfrm>
-          <a:prstGeom prst="rect">
-            <a:avLst/>
-          </a:prstGeom>
-          <a:noFill/>
-          <a:ln>
-            <a:noFill/>
-          </a:ln>
-        </p:spPr>
-      </p:pic>
-    </p:spTree>
-  </p:cSld>
-  <p:clrMapOvr>
-    <a:masterClrMapping/>
-  </p:clrMapOvr>
-</p:sld>
-</file>
-
-<file path=ppt/slides/slide7.xml><?xml version="1.0" encoding="utf-8"?>
-<p:sld xmlns:a="http://schemas.openxmlformats.org/drawingml/2006/main" xmlns:r="http://schemas.openxmlformats.org/officeDocument/2006/relationships" xmlns:p="http://schemas.openxmlformats.org/presentationml/2006/main">
-  <p:cSld>
-    <p:spTree>
-      <p:nvGrpSpPr>
-        <p:cNvPr id="1" name="Shape 99"/>
-        <p:cNvGrpSpPr/>
-        <p:nvPr/>
-      </p:nvGrpSpPr>
-      <p:grpSpPr>
-        <a:xfrm>
-          <a:off x="0" y="0"/>
-          <a:ext cx="0" cy="0"/>
-          <a:chOff x="0" y="0"/>
-          <a:chExt cx="0" cy="0"/>
-        </a:xfrm>
-      </p:grpSpPr>
-      <p:sp>
-        <p:nvSpPr>
-          <p:cNvPr id="100" name="Google Shape;100;p12"/>
-          <p:cNvSpPr txBox="1">
-            <a:spLocks noGrp="1"/>
-          </p:cNvSpPr>
-          <p:nvPr>
-            <p:ph type="body" idx="1"/>
-          </p:nvPr>
-        </p:nvSpPr>
-        <p:spPr>
-          <a:xfrm>
-            <a:off x="323522" y="2314975"/>
-            <a:ext cx="7848900" cy="4248600"/>
-          </a:xfrm>
-          <a:prstGeom prst="rect">
-            <a:avLst/>
-          </a:prstGeom>
-          <a:noFill/>
-          <a:ln>
-            <a:noFill/>
-          </a:ln>
-        </p:spPr>
-        <p:txBody>
-          <a:bodyPr spcFirstLastPara="1" wrap="square" lIns="0" tIns="0" rIns="0" bIns="0" anchor="t" anchorCtr="0">
-            <a:noAutofit/>
-          </a:bodyPr>
-          <a:lstStyle/>
-          <a:p>
-            <a:pPr marL="457200" marR="0" lvl="0" indent="-355600" algn="l" rtl="0">
-              <a:lnSpc>
-                <a:spcPct val="100000"/>
-              </a:lnSpc>
-              <a:spcBef>
-                <a:spcPts val="200"/>
-              </a:spcBef>
-              <a:spcAft>
-                <a:spcPts val="0"/>
-              </a:spcAft>
-              <a:buSzPts val="2000"/>
-              <a:buChar char="●"/>
-            </a:pPr>
-            <a:r>
-              <a:rPr lang="it-IT" sz="2800" i="1"/>
-              <a:t>Generative Pre-trained Transformer</a:t>
-            </a:r>
-            <a:r>
-              <a:rPr lang="it-IT" sz="2800"/>
-              <a:t> (GPT) API </a:t>
-            </a:r>
-            <a:endParaRPr sz="2800"/>
-          </a:p>
-          <a:p>
-            <a:pPr marL="914400" marR="0" lvl="1" indent="-355600" algn="l" rtl="0">
-              <a:lnSpc>
-                <a:spcPct val="100000"/>
-              </a:lnSpc>
-              <a:spcBef>
-                <a:spcPts val="200"/>
-              </a:spcBef>
-              <a:spcAft>
-                <a:spcPts val="0"/>
-              </a:spcAft>
-              <a:buSzPts val="2000"/>
-              <a:buChar char="○"/>
-            </a:pPr>
-            <a:r>
-              <a:rPr lang="it-IT" sz="2800"/>
-              <a:t>RESTful</a:t>
-            </a:r>
-            <a:endParaRPr sz="2800"/>
-          </a:p>
-          <a:p>
-            <a:pPr marL="914400" marR="0" lvl="1" indent="-355600" algn="l" rtl="0">
-              <a:lnSpc>
-                <a:spcPct val="100000"/>
-              </a:lnSpc>
-              <a:spcBef>
-                <a:spcPts val="200"/>
-              </a:spcBef>
-              <a:spcAft>
-                <a:spcPts val="0"/>
-              </a:spcAft>
-              <a:buSzPts val="2000"/>
-              <a:buChar char="○"/>
-            </a:pPr>
-            <a:r>
-              <a:rPr lang="it-IT"/>
-              <a:t>Language translation</a:t>
-            </a:r>
-            <a:endParaRPr/>
-          </a:p>
-          <a:p>
-            <a:pPr marL="914400" marR="0" lvl="1" indent="-355600" algn="l" rtl="0">
-              <a:lnSpc>
-                <a:spcPct val="100000"/>
-              </a:lnSpc>
-              <a:spcBef>
-                <a:spcPts val="200"/>
-              </a:spcBef>
-              <a:spcAft>
-                <a:spcPts val="0"/>
-              </a:spcAft>
-              <a:buSzPts val="2000"/>
-              <a:buChar char="○"/>
-            </a:pPr>
-            <a:r>
-              <a:rPr lang="it-IT"/>
-              <a:t>Content creation</a:t>
-            </a:r>
-            <a:endParaRPr/>
-          </a:p>
-          <a:p>
-            <a:pPr marL="914400" marR="0" lvl="1" indent="-355600" algn="l" rtl="0">
-              <a:lnSpc>
-                <a:spcPct val="100000"/>
-              </a:lnSpc>
-              <a:spcBef>
-                <a:spcPts val="200"/>
-              </a:spcBef>
-              <a:spcAft>
-                <a:spcPts val="0"/>
-              </a:spcAft>
-              <a:buSzPts val="2000"/>
-              <a:buChar char="○"/>
-            </a:pPr>
-            <a:r>
-              <a:rPr lang="it-IT"/>
-              <a:t>Conversational agents</a:t>
-            </a:r>
-            <a:endParaRPr/>
-          </a:p>
-          <a:p>
-            <a:pPr marL="0" marR="0" lvl="0" indent="0" algn="l" rtl="0">
-              <a:lnSpc>
-                <a:spcPct val="100000"/>
-              </a:lnSpc>
-              <a:spcBef>
-                <a:spcPts val="200"/>
-              </a:spcBef>
-              <a:spcAft>
-                <a:spcPts val="0"/>
-              </a:spcAft>
-              <a:buNone/>
-            </a:pPr>
-            <a:endParaRPr sz="1800"/>
-          </a:p>
-          <a:p>
-            <a:pPr marL="457200" lvl="0" indent="-355600" algn="l" rtl="0">
-              <a:spcBef>
-                <a:spcPts val="200"/>
-              </a:spcBef>
-              <a:spcAft>
-                <a:spcPts val="0"/>
-              </a:spcAft>
-              <a:buSzPts val="2000"/>
-              <a:buChar char="●"/>
-            </a:pPr>
-            <a:r>
-              <a:rPr lang="it-IT" sz="2800" i="1"/>
-              <a:t>System </a:t>
-            </a:r>
-            <a:r>
-              <a:rPr lang="it-IT" sz="2800"/>
-              <a:t>and </a:t>
-            </a:r>
-            <a:r>
-              <a:rPr lang="it-IT" sz="2800" i="1"/>
-              <a:t>user </a:t>
-            </a:r>
-            <a:r>
-              <a:rPr lang="it-IT" sz="2800"/>
-              <a:t>messages</a:t>
-            </a:r>
-            <a:endParaRPr sz="2800"/>
-          </a:p>
-          <a:p>
-            <a:pPr marL="0" lvl="0" indent="0" algn="l" rtl="0">
-              <a:spcBef>
-                <a:spcPts val="200"/>
-              </a:spcBef>
-              <a:spcAft>
-                <a:spcPts val="0"/>
-              </a:spcAft>
-              <a:buNone/>
-            </a:pPr>
-            <a:endParaRPr sz="1800"/>
-          </a:p>
-          <a:p>
-            <a:pPr marL="457200" lvl="0" indent="-355600" algn="l" rtl="0">
-              <a:spcBef>
-                <a:spcPts val="200"/>
-              </a:spcBef>
-              <a:spcAft>
-                <a:spcPts val="0"/>
-              </a:spcAft>
-              <a:buSzPts val="2000"/>
-              <a:buChar char="●"/>
-            </a:pPr>
-            <a:r>
-              <a:rPr lang="it-IT" sz="2800" i="1"/>
-              <a:t>Temperature </a:t>
-            </a:r>
-            <a:r>
-              <a:rPr lang="it-IT" sz="2800"/>
-              <a:t>parameter</a:t>
-            </a:r>
-            <a:endParaRPr sz="2800"/>
-          </a:p>
-          <a:p>
-            <a:pPr marL="457200" lvl="0" indent="0" algn="l" rtl="0">
-              <a:spcBef>
-                <a:spcPts val="200"/>
-              </a:spcBef>
-              <a:spcAft>
-                <a:spcPts val="0"/>
-              </a:spcAft>
-              <a:buNone/>
-            </a:pPr>
-            <a:endParaRPr sz="1800"/>
-          </a:p>
-          <a:p>
-            <a:pPr marL="457200" lvl="0" indent="-355600" algn="l" rtl="0">
-              <a:spcBef>
-                <a:spcPts val="200"/>
-              </a:spcBef>
-              <a:spcAft>
-                <a:spcPts val="200"/>
-              </a:spcAft>
-              <a:buSzPts val="2000"/>
-              <a:buChar char="●"/>
-            </a:pPr>
-            <a:r>
-              <a:rPr lang="it-IT" sz="2800"/>
-              <a:t>Prompt engineering</a:t>
-            </a:r>
-            <a:endParaRPr sz="2800"/>
-          </a:p>
-        </p:txBody>
-      </p:sp>
-      <p:sp>
-        <p:nvSpPr>
-          <p:cNvPr id="101" name="Google Shape;101;p12"/>
-          <p:cNvSpPr txBox="1">
-            <a:spLocks noGrp="1"/>
-          </p:cNvSpPr>
-          <p:nvPr>
-            <p:ph type="body" idx="2"/>
-          </p:nvPr>
-        </p:nvSpPr>
-        <p:spPr>
-          <a:xfrm>
-            <a:off x="323528" y="1203808"/>
-            <a:ext cx="7848900" cy="929100"/>
-          </a:xfrm>
-          <a:prstGeom prst="rect">
-            <a:avLst/>
-          </a:prstGeom>
-          <a:noFill/>
-          <a:ln>
-            <a:noFill/>
-          </a:ln>
-        </p:spPr>
-        <p:txBody>
-          <a:bodyPr spcFirstLastPara="1" wrap="square" lIns="0" tIns="0" rIns="0" bIns="0" anchor="t" anchorCtr="0">
-            <a:noAutofit/>
-          </a:bodyPr>
-          <a:lstStyle/>
-          <a:p>
-            <a:pPr marL="342900" marR="0" lvl="0" indent="-342900" algn="l" rtl="0">
-              <a:lnSpc>
-                <a:spcPct val="100000"/>
-              </a:lnSpc>
-              <a:spcBef>
-                <a:spcPts val="0"/>
-              </a:spcBef>
-              <a:spcAft>
-                <a:spcPts val="0"/>
-              </a:spcAft>
-              <a:buClr>
-                <a:srgbClr val="69A425"/>
-              </a:buClr>
-              <a:buSzPts val="2700"/>
-              <a:buFont typeface="Arial"/>
-              <a:buNone/>
-            </a:pPr>
-            <a:r>
-              <a:rPr lang="it-IT" sz="4000"/>
-              <a:t>Implementation</a:t>
-            </a:r>
-            <a:endParaRPr sz="4000"/>
-          </a:p>
-        </p:txBody>
-      </p:sp>
-      <p:pic>
-        <p:nvPicPr>
-          <p:cNvPr id="102" name="Google Shape;102;p12"/>
-          <p:cNvPicPr preferRelativeResize="0"/>
-          <p:nvPr/>
-        </p:nvPicPr>
-        <p:blipFill>
-          <a:blip r:embed="rId3">
-            <a:alphaModFix/>
-          </a:blip>
-          <a:stretch>
-            <a:fillRect/>
-          </a:stretch>
-        </p:blipFill>
-        <p:spPr>
-          <a:xfrm>
-            <a:off x="5874300" y="3316388"/>
-            <a:ext cx="2245775" cy="2245775"/>
-          </a:xfrm>
-          <a:prstGeom prst="rect">
-            <a:avLst/>
-          </a:prstGeom>
-          <a:noFill/>
-          <a:ln>
-            <a:noFill/>
-          </a:ln>
-        </p:spPr>
-      </p:pic>
-    </p:spTree>
-  </p:cSld>
-  <p:clrMapOvr>
-    <a:masterClrMapping/>
-  </p:clrMapOvr>
-</p:sld>
-</file>
-
-<file path=ppt/slides/slide8.xml><?xml version="1.0" encoding="utf-8"?>
-<p:sld xmlns:a="http://schemas.openxmlformats.org/drawingml/2006/main" xmlns:r="http://schemas.openxmlformats.org/officeDocument/2006/relationships" xmlns:p="http://schemas.openxmlformats.org/presentationml/2006/main">
-  <p:cSld>
-    <p:spTree>
-      <p:nvGrpSpPr>
-        <p:cNvPr id="1" name="Shape 106"/>
-        <p:cNvGrpSpPr/>
-        <p:nvPr/>
-      </p:nvGrpSpPr>
-      <p:grpSpPr>
-        <a:xfrm>
-          <a:off x="0" y="0"/>
-          <a:ext cx="0" cy="0"/>
-          <a:chOff x="0" y="0"/>
-          <a:chExt cx="0" cy="0"/>
-        </a:xfrm>
-      </p:grpSpPr>
-      <p:sp>
-        <p:nvSpPr>
-          <p:cNvPr id="107" name="Google Shape;107;p13"/>
-          <p:cNvSpPr txBox="1">
-            <a:spLocks noGrp="1"/>
-          </p:cNvSpPr>
-          <p:nvPr>
-            <p:ph type="body" idx="1"/>
-          </p:nvPr>
-        </p:nvSpPr>
-        <p:spPr>
-          <a:xfrm>
-            <a:off x="323522" y="2314975"/>
-            <a:ext cx="7848900" cy="4248600"/>
-          </a:xfrm>
-          <a:prstGeom prst="rect">
-            <a:avLst/>
-          </a:prstGeom>
-          <a:noFill/>
-          <a:ln>
-            <a:noFill/>
-          </a:ln>
-        </p:spPr>
-        <p:txBody>
-          <a:bodyPr spcFirstLastPara="1" wrap="square" lIns="0" tIns="0" rIns="0" bIns="0" anchor="t" anchorCtr="0">
-            <a:noAutofit/>
-          </a:bodyPr>
-          <a:lstStyle/>
-          <a:p>
-            <a:pPr marL="457200" marR="0" lvl="0" indent="-355600" algn="l" rtl="0">
-              <a:lnSpc>
-                <a:spcPct val="100000"/>
-              </a:lnSpc>
-              <a:spcBef>
-                <a:spcPts val="200"/>
-              </a:spcBef>
-              <a:spcAft>
-                <a:spcPts val="0"/>
-              </a:spcAft>
-              <a:buSzPts val="2000"/>
-              <a:buChar char="●"/>
-            </a:pPr>
-            <a:r>
-              <a:rPr lang="it-IT" sz="2800"/>
-              <a:t>Enhance LLM capabilities</a:t>
-            </a:r>
-            <a:endParaRPr sz="2000"/>
-          </a:p>
-          <a:p>
-            <a:pPr marL="457200" lvl="0" indent="-355600" algn="l" rtl="0">
-              <a:spcBef>
-                <a:spcPts val="200"/>
-              </a:spcBef>
-              <a:spcAft>
-                <a:spcPts val="0"/>
-              </a:spcAft>
-              <a:buSzPts val="2000"/>
-              <a:buChar char="●"/>
-            </a:pPr>
-            <a:r>
-              <a:rPr lang="it-IT" sz="2800"/>
-              <a:t>Efficient prompt message crafting</a:t>
-            </a:r>
-            <a:endParaRPr sz="2800"/>
-          </a:p>
-          <a:p>
-            <a:pPr marL="457200" lvl="0" indent="-355600" algn="l" rtl="0">
-              <a:spcBef>
-                <a:spcPts val="200"/>
-              </a:spcBef>
-              <a:spcAft>
-                <a:spcPts val="0"/>
-              </a:spcAft>
-              <a:buSzPts val="2000"/>
-              <a:buChar char="●"/>
-            </a:pPr>
-            <a:r>
-              <a:rPr lang="it-IT" sz="2800"/>
-              <a:t>Clear and specific instructions</a:t>
-            </a:r>
-            <a:endParaRPr sz="2800"/>
-          </a:p>
-          <a:p>
-            <a:pPr marL="914400" lvl="1" indent="-355600" algn="l" rtl="0">
-              <a:spcBef>
-                <a:spcPts val="200"/>
-              </a:spcBef>
-              <a:spcAft>
-                <a:spcPts val="0"/>
-              </a:spcAft>
-              <a:buSzPts val="2000"/>
-              <a:buChar char="○"/>
-            </a:pPr>
-            <a:r>
-              <a:rPr lang="it-IT"/>
-              <a:t>Delimiters #,“”,&lt;tag&gt;&lt;/tag&gt;,()</a:t>
-            </a:r>
-            <a:endParaRPr/>
-          </a:p>
-          <a:p>
-            <a:pPr marL="914400" lvl="1" indent="-355600" algn="l" rtl="0">
-              <a:spcBef>
-                <a:spcPts val="200"/>
-              </a:spcBef>
-              <a:spcAft>
-                <a:spcPts val="0"/>
-              </a:spcAft>
-              <a:buSzPts val="2000"/>
-              <a:buChar char="○"/>
-            </a:pPr>
-            <a:r>
-              <a:rPr lang="it-IT"/>
-              <a:t>Structured output</a:t>
-            </a:r>
-            <a:endParaRPr sz="2000"/>
-          </a:p>
-          <a:p>
-            <a:pPr marL="457200" lvl="0" indent="-355600" algn="l" rtl="0">
-              <a:spcBef>
-                <a:spcPts val="200"/>
-              </a:spcBef>
-              <a:spcAft>
-                <a:spcPts val="0"/>
-              </a:spcAft>
-              <a:buSzPts val="2000"/>
-              <a:buChar char="●"/>
-            </a:pPr>
-            <a:r>
-              <a:rPr lang="it-IT" sz="2800" i="1"/>
-              <a:t>Few-shot prompting</a:t>
-            </a:r>
-            <a:endParaRPr sz="2800" i="1"/>
-          </a:p>
-          <a:p>
-            <a:pPr marL="457200" lvl="0" indent="-355600" algn="l" rtl="0">
-              <a:spcBef>
-                <a:spcPts val="200"/>
-              </a:spcBef>
-              <a:spcAft>
-                <a:spcPts val="0"/>
-              </a:spcAft>
-              <a:buSzPts val="2000"/>
-              <a:buChar char="●"/>
-            </a:pPr>
-            <a:r>
-              <a:rPr lang="it-IT" sz="2800"/>
-              <a:t>Time to “think”</a:t>
-            </a:r>
-            <a:endParaRPr sz="2800"/>
-          </a:p>
-          <a:p>
-            <a:pPr marL="914400" lvl="1" indent="-355600" algn="l" rtl="0">
-              <a:spcBef>
-                <a:spcPts val="200"/>
-              </a:spcBef>
-              <a:spcAft>
-                <a:spcPts val="0"/>
-              </a:spcAft>
-              <a:buSzPts val="2000"/>
-              <a:buChar char="○"/>
-            </a:pPr>
-            <a:r>
-              <a:rPr lang="it-IT"/>
-              <a:t>Step-by-step answer</a:t>
-            </a:r>
-            <a:endParaRPr/>
-          </a:p>
-          <a:p>
-            <a:pPr marL="914400" lvl="1" indent="-355600" algn="l" rtl="0">
-              <a:spcBef>
-                <a:spcPts val="200"/>
-              </a:spcBef>
-              <a:spcAft>
-                <a:spcPts val="200"/>
-              </a:spcAft>
-              <a:buSzPts val="2000"/>
-              <a:buChar char="○"/>
-            </a:pPr>
-            <a:r>
-              <a:rPr lang="it-IT"/>
-              <a:t>Work out own solution</a:t>
-            </a:r>
-            <a:endParaRPr/>
-          </a:p>
-        </p:txBody>
-      </p:sp>
-      <p:sp>
-        <p:nvSpPr>
-          <p:cNvPr id="108" name="Google Shape;108;p13"/>
-          <p:cNvSpPr txBox="1">
-            <a:spLocks noGrp="1"/>
-          </p:cNvSpPr>
-          <p:nvPr>
-            <p:ph type="body" idx="2"/>
-          </p:nvPr>
-        </p:nvSpPr>
-        <p:spPr>
-          <a:xfrm>
-            <a:off x="323528" y="1203808"/>
-            <a:ext cx="7848900" cy="929100"/>
-          </a:xfrm>
-          <a:prstGeom prst="rect">
-            <a:avLst/>
-          </a:prstGeom>
-          <a:noFill/>
-          <a:ln>
-            <a:noFill/>
-          </a:ln>
-        </p:spPr>
-        <p:txBody>
-          <a:bodyPr spcFirstLastPara="1" wrap="square" lIns="0" tIns="0" rIns="0" bIns="0" anchor="t" anchorCtr="0">
-            <a:noAutofit/>
-          </a:bodyPr>
-          <a:lstStyle/>
-          <a:p>
-            <a:pPr marL="342900" marR="0" lvl="0" indent="-342900" algn="l" rtl="0">
-              <a:lnSpc>
-                <a:spcPct val="100000"/>
-              </a:lnSpc>
-              <a:spcBef>
-                <a:spcPts val="0"/>
-              </a:spcBef>
-              <a:spcAft>
-                <a:spcPts val="0"/>
-              </a:spcAft>
-              <a:buClr>
-                <a:srgbClr val="69A425"/>
-              </a:buClr>
-              <a:buSzPts val="2700"/>
-              <a:buFont typeface="Arial"/>
-              <a:buNone/>
-            </a:pPr>
-            <a:r>
-              <a:rPr lang="it-IT" sz="4000"/>
-              <a:t>Prompt Engineering</a:t>
-            </a:r>
-            <a:endParaRPr sz="4000"/>
-          </a:p>
-        </p:txBody>
-      </p:sp>
-      <p:pic>
-        <p:nvPicPr>
-          <p:cNvPr id="109" name="Google Shape;109;p13"/>
-          <p:cNvPicPr preferRelativeResize="0"/>
-          <p:nvPr/>
-        </p:nvPicPr>
-        <p:blipFill>
-          <a:blip r:embed="rId3">
-            <a:alphaModFix/>
-          </a:blip>
-          <a:stretch>
-            <a:fillRect/>
-          </a:stretch>
-        </p:blipFill>
-        <p:spPr>
-          <a:xfrm>
-            <a:off x="6020025" y="3939400"/>
-            <a:ext cx="2265075" cy="2265075"/>
-          </a:xfrm>
-          <a:prstGeom prst="rect">
-            <a:avLst/>
-          </a:prstGeom>
-          <a:noFill/>
-          <a:ln>
-            <a:noFill/>
-          </a:ln>
-        </p:spPr>
-      </p:pic>
-    </p:spTree>
-  </p:cSld>
-  <p:clrMapOvr>
-    <a:masterClrMapping/>
-  </p:clrMapOvr>
-</p:sld>
-</file>
-
-<file path=ppt/slides/slide9.xml><?xml version="1.0" encoding="utf-8"?>
-<p:sld xmlns:a="http://schemas.openxmlformats.org/drawingml/2006/main" xmlns:r="http://schemas.openxmlformats.org/officeDocument/2006/relationships" xmlns:p="http://schemas.openxmlformats.org/presentationml/2006/main">
-  <p:cSld>
-    <p:spTree>
-      <p:nvGrpSpPr>
-        <p:cNvPr id="1" name="Shape 113"/>
-        <p:cNvGrpSpPr/>
-        <p:nvPr/>
-      </p:nvGrpSpPr>
-      <p:grpSpPr>
-        <a:xfrm>
-          <a:off x="0" y="0"/>
-          <a:ext cx="0" cy="0"/>
-          <a:chOff x="0" y="0"/>
-          <a:chExt cx="0" cy="0"/>
-        </a:xfrm>
-      </p:grpSpPr>
-      <p:sp>
-        <p:nvSpPr>
-          <p:cNvPr id="114" name="Google Shape;114;p14"/>
-          <p:cNvSpPr txBox="1">
-            <a:spLocks noGrp="1"/>
-          </p:cNvSpPr>
-          <p:nvPr>
-            <p:ph type="body" idx="1"/>
-          </p:nvPr>
-        </p:nvSpPr>
-        <p:spPr>
-          <a:xfrm>
-            <a:off x="323522" y="2314975"/>
-            <a:ext cx="7848900" cy="4248600"/>
-          </a:xfrm>
-          <a:prstGeom prst="rect">
-            <a:avLst/>
-          </a:prstGeom>
-          <a:noFill/>
-          <a:ln>
-            <a:noFill/>
-          </a:ln>
-        </p:spPr>
-        <p:txBody>
-          <a:bodyPr spcFirstLastPara="1" wrap="square" lIns="0" tIns="0" rIns="0" bIns="0" anchor="t" anchorCtr="0">
-            <a:noAutofit/>
-          </a:bodyPr>
-          <a:lstStyle/>
-          <a:p>
-            <a:pPr marL="457200" marR="0" lvl="0" indent="0" algn="l" rtl="0">
-              <a:lnSpc>
-                <a:spcPct val="100000"/>
-              </a:lnSpc>
-              <a:spcBef>
-                <a:spcPts val="200"/>
-              </a:spcBef>
-              <a:spcAft>
-                <a:spcPts val="200"/>
-              </a:spcAft>
-              <a:buNone/>
-            </a:pPr>
-            <a:endParaRPr/>
-          </a:p>
-        </p:txBody>
-      </p:sp>
-      <p:sp>
-        <p:nvSpPr>
-          <p:cNvPr id="115" name="Google Shape;115;p14"/>
-          <p:cNvSpPr txBox="1">
-            <a:spLocks noGrp="1"/>
-          </p:cNvSpPr>
-          <p:nvPr>
-            <p:ph type="body" idx="2"/>
-          </p:nvPr>
-        </p:nvSpPr>
-        <p:spPr>
-          <a:xfrm>
-            <a:off x="323528" y="1203808"/>
-            <a:ext cx="7848900" cy="929100"/>
-          </a:xfrm>
-          <a:prstGeom prst="rect">
-            <a:avLst/>
-          </a:prstGeom>
-          <a:noFill/>
-          <a:ln>
-            <a:noFill/>
-          </a:ln>
-        </p:spPr>
-        <p:txBody>
-          <a:bodyPr spcFirstLastPara="1" wrap="square" lIns="0" tIns="0" rIns="0" bIns="0" anchor="t" anchorCtr="0">
-            <a:noAutofit/>
-          </a:bodyPr>
-          <a:lstStyle/>
-          <a:p>
-            <a:pPr marL="342900" marR="0" lvl="0" indent="-342900" algn="l" rtl="0">
-              <a:lnSpc>
-                <a:spcPct val="100000"/>
-              </a:lnSpc>
-              <a:spcBef>
-                <a:spcPts val="0"/>
-              </a:spcBef>
-              <a:spcAft>
-                <a:spcPts val="0"/>
-              </a:spcAft>
-              <a:buClr>
-                <a:srgbClr val="69A425"/>
-              </a:buClr>
-              <a:buSzPts val="2700"/>
-              <a:buFont typeface="Arial"/>
-              <a:buNone/>
-            </a:pPr>
-            <a:r>
-              <a:rPr lang="it-IT" sz="4000"/>
-              <a:t>General Process Flow</a:t>
-            </a:r>
-            <a:endParaRPr sz="4000"/>
-          </a:p>
-        </p:txBody>
-      </p:sp>
-      <p:pic>
-        <p:nvPicPr>
-          <p:cNvPr id="116" name="Google Shape;116;p14"/>
-          <p:cNvPicPr preferRelativeResize="0"/>
-          <p:nvPr/>
-        </p:nvPicPr>
-        <p:blipFill>
-          <a:blip r:embed="rId3">
-            <a:alphaModFix/>
-          </a:blip>
-          <a:stretch>
-            <a:fillRect/>
-          </a:stretch>
-        </p:blipFill>
-        <p:spPr>
-          <a:xfrm>
-            <a:off x="771375" y="2523650"/>
-            <a:ext cx="6658751" cy="3199650"/>
-          </a:xfrm>
-          <a:prstGeom prst="rect">
-            <a:avLst/>
-          </a:prstGeom>
-          <a:noFill/>
-          <a:ln>
-            <a:noFill/>
-          </a:ln>
-        </p:spPr>
-      </p:pic>
-      <p:sp>
-        <p:nvSpPr>
-          <p:cNvPr id="117" name="Google Shape;117;p14"/>
-          <p:cNvSpPr/>
-          <p:nvPr/>
-        </p:nvSpPr>
-        <p:spPr>
-          <a:xfrm>
-            <a:off x="771375" y="3503375"/>
-            <a:ext cx="2046300" cy="1240200"/>
-          </a:xfrm>
-          <a:prstGeom prst="rect">
-            <a:avLst/>
-          </a:prstGeom>
-          <a:noFill/>
-          <a:ln w="38100" cap="flat" cmpd="sng">
-            <a:solidFill>
-              <a:srgbClr val="FF0000"/>
-            </a:solidFill>
-            <a:prstDash val="solid"/>
-            <a:round/>
-            <a:headEnd type="none" w="sm" len="sm"/>
-            <a:tailEnd type="none" w="sm" len="sm"/>
-          </a:ln>
-        </p:spPr>
-        <p:txBody>
-          <a:bodyPr spcFirstLastPara="1" wrap="square" lIns="91425" tIns="91425" rIns="91425" bIns="91425" anchor="ctr" anchorCtr="0">
-            <a:noAutofit/>
-          </a:bodyPr>
-          <a:lstStyle/>
-          <a:p>
-            <a:pPr marL="0" lvl="0" indent="0" algn="l" rtl="0">
-              <a:spcBef>
-                <a:spcPts val="0"/>
-              </a:spcBef>
-              <a:spcAft>
-                <a:spcPts val="0"/>
-              </a:spcAft>
-              <a:buNone/>
-            </a:pPr>
-            <a:endParaRPr/>
-          </a:p>
-        </p:txBody>
-      </p:sp>
-    </p:spTree>
-  </p:cSld>
-  <p:clrMapOvr>
-    <a:masterClrMapping/>
-  </p:clrMapOvr>
-  <p:timing>
-    <p:tnLst>
-      <p:par>
-        <p:cTn id="1" dur="indefinite" restart="never" nodeType="tmRoot">
-          <p:childTnLst>
-            <p:seq concurrent="1" nextAc="seek">
-              <p:cTn id="2" dur="indefinite" nodeType="mainSeq">
-                <p:childTnLst>
-                  <p:par>
-                    <p:cTn id="3" fill="hold">
-                      <p:stCondLst>
-                        <p:cond delay="indefinite"/>
-                      </p:stCondLst>
-                      <p:childTnLst>
-                        <p:par>
-                          <p:cTn id="4" fill="hold">
-                            <p:stCondLst>
-                              <p:cond delay="0"/>
-                            </p:stCondLst>
-                            <p:childTnLst>
-                              <p:par>
-                                <p:cTn id="5" presetID="10" presetClass="entr" presetSubtype="0" fill="hold" nodeType="clickEffect">
-                                  <p:stCondLst>
-                                    <p:cond delay="0"/>
-                                  </p:stCondLst>
-                                  <p:childTnLst>
-                                    <p:set>
-                                      <p:cBhvr>
-                                        <p:cTn id="6" dur="1" fill="hold">
-                                          <p:stCondLst>
-                                            <p:cond delay="0"/>
-                                          </p:stCondLst>
-                                        </p:cTn>
-                                        <p:tgtEl>
-                                          <p:spTgt spid="117"/>
-                                        </p:tgtEl>
-                                        <p:attrNameLst>
-                                          <p:attrName>style.visibility</p:attrName>
-                                        </p:attrNameLst>
-                                      </p:cBhvr>
-                                      <p:to>
-                                        <p:strVal val="visible"/>
-                                      </p:to>
-                                    </p:set>
-                                    <p:animEffect transition="in" filter="fade">
-                                      <p:cBhvr>
-                                        <p:cTn id="7" dur="100"/>
-                                        <p:tgtEl>
-                                          <p:spTgt spid="117"/>
-                                        </p:tgtEl>
-                                      </p:cBhvr>
-                                    </p:animEffect>
-                                  </p:childTnLst>
-                                </p:cTn>
-                              </p:par>
-                            </p:childTnLst>
-                          </p:cTn>
-                        </p:par>
-                      </p:childTnLst>
-                    </p:cTn>
-                  </p:par>
-                </p:childTnLst>
-              </p:cTn>
-              <p:prevCondLst>
-                <p:cond evt="onPrev" delay="0">
-                  <p:tgtEl>
-                    <p:sldTgt/>
-                  </p:tgtEl>
-                </p:cond>
-              </p:prevCondLst>
-              <p:nextCondLst>
-                <p:cond evt="onNext" delay="0">
-                  <p:tgtEl>
-                    <p:sldTgt/>
-                  </p:tgtEl>
-                </p:cond>
-              </p:nextCondLst>
-            </p:seq>
-          </p:childTnLst>
-        </p:cTn>
-      </p:par>
-    </p:tnLst>
-  </p:timing>
 </p:sld>
 </file>
 
